--- a/Презентация.pptx
+++ b/Презентация.pptx
@@ -2,12 +2,15 @@
 <file path=ppt/presentation.xml><?xml version="1.0" encoding="utf-8"?>
 <p:presentation xmlns:a="http://schemas.openxmlformats.org/drawingml/2006/main" xmlns:r="http://schemas.openxmlformats.org/officeDocument/2006/relationships" xmlns:p="http://schemas.openxmlformats.org/presentationml/2006/main" saveSubsetFonts="1">
   <p:sldMasterIdLst>
-    <p:sldMasterId id="2147483648" r:id="rId1"/>
+    <p:sldMasterId id="2147483660" r:id="rId1"/>
   </p:sldMasterIdLst>
+  <p:notesMasterIdLst>
+    <p:notesMasterId r:id="rId21"/>
+  </p:notesMasterIdLst>
   <p:sldIdLst>
     <p:sldId id="256" r:id="rId2"/>
-    <p:sldId id="257" r:id="rId3"/>
-    <p:sldId id="258" r:id="rId4"/>
+    <p:sldId id="258" r:id="rId3"/>
+    <p:sldId id="257" r:id="rId4"/>
     <p:sldId id="259" r:id="rId5"/>
     <p:sldId id="260" r:id="rId6"/>
     <p:sldId id="261" r:id="rId7"/>
@@ -25,13 +28,13 @@
     <p:sldId id="270" r:id="rId19"/>
     <p:sldId id="271" r:id="rId20"/>
   </p:sldIdLst>
-  <p:sldSz cx="12192000" cy="6858000"/>
+  <p:sldSz cx="9144000" cy="6858000" type="screen4x3"/>
   <p:notesSz cx="6858000" cy="9144000"/>
   <p:defaultTextStyle>
     <a:defPPr>
-      <a:defRPr lang="ru-RU"/>
+      <a:defRPr lang="en-US"/>
     </a:defPPr>
-    <a:lvl1pPr marL="0" algn="l" defTabSz="914400" rtl="0" eaLnBrk="1" latinLnBrk="0" hangingPunct="1">
+    <a:lvl1pPr marL="0" algn="l" defTabSz="457200" rtl="0" eaLnBrk="1" latinLnBrk="0" hangingPunct="1">
       <a:defRPr sz="1800" kern="1200">
         <a:solidFill>
           <a:schemeClr val="tx1"/>
@@ -41,7 +44,7 @@
         <a:cs typeface="+mn-cs"/>
       </a:defRPr>
     </a:lvl1pPr>
-    <a:lvl2pPr marL="457200" algn="l" defTabSz="914400" rtl="0" eaLnBrk="1" latinLnBrk="0" hangingPunct="1">
+    <a:lvl2pPr marL="457200" algn="l" defTabSz="457200" rtl="0" eaLnBrk="1" latinLnBrk="0" hangingPunct="1">
       <a:defRPr sz="1800" kern="1200">
         <a:solidFill>
           <a:schemeClr val="tx1"/>
@@ -51,7 +54,7 @@
         <a:cs typeface="+mn-cs"/>
       </a:defRPr>
     </a:lvl2pPr>
-    <a:lvl3pPr marL="914400" algn="l" defTabSz="914400" rtl="0" eaLnBrk="1" latinLnBrk="0" hangingPunct="1">
+    <a:lvl3pPr marL="914400" algn="l" defTabSz="457200" rtl="0" eaLnBrk="1" latinLnBrk="0" hangingPunct="1">
       <a:defRPr sz="1800" kern="1200">
         <a:solidFill>
           <a:schemeClr val="tx1"/>
@@ -61,7 +64,7 @@
         <a:cs typeface="+mn-cs"/>
       </a:defRPr>
     </a:lvl3pPr>
-    <a:lvl4pPr marL="1371600" algn="l" defTabSz="914400" rtl="0" eaLnBrk="1" latinLnBrk="0" hangingPunct="1">
+    <a:lvl4pPr marL="1371600" algn="l" defTabSz="457200" rtl="0" eaLnBrk="1" latinLnBrk="0" hangingPunct="1">
       <a:defRPr sz="1800" kern="1200">
         <a:solidFill>
           <a:schemeClr val="tx1"/>
@@ -71,7 +74,7 @@
         <a:cs typeface="+mn-cs"/>
       </a:defRPr>
     </a:lvl4pPr>
-    <a:lvl5pPr marL="1828800" algn="l" defTabSz="914400" rtl="0" eaLnBrk="1" latinLnBrk="0" hangingPunct="1">
+    <a:lvl5pPr marL="1828800" algn="l" defTabSz="457200" rtl="0" eaLnBrk="1" latinLnBrk="0" hangingPunct="1">
       <a:defRPr sz="1800" kern="1200">
         <a:solidFill>
           <a:schemeClr val="tx1"/>
@@ -81,7 +84,7 @@
         <a:cs typeface="+mn-cs"/>
       </a:defRPr>
     </a:lvl5pPr>
-    <a:lvl6pPr marL="2286000" algn="l" defTabSz="914400" rtl="0" eaLnBrk="1" latinLnBrk="0" hangingPunct="1">
+    <a:lvl6pPr marL="2286000" algn="l" defTabSz="457200" rtl="0" eaLnBrk="1" latinLnBrk="0" hangingPunct="1">
       <a:defRPr sz="1800" kern="1200">
         <a:solidFill>
           <a:schemeClr val="tx1"/>
@@ -91,7 +94,7 @@
         <a:cs typeface="+mn-cs"/>
       </a:defRPr>
     </a:lvl6pPr>
-    <a:lvl7pPr marL="2743200" algn="l" defTabSz="914400" rtl="0" eaLnBrk="1" latinLnBrk="0" hangingPunct="1">
+    <a:lvl7pPr marL="2743200" algn="l" defTabSz="457200" rtl="0" eaLnBrk="1" latinLnBrk="0" hangingPunct="1">
       <a:defRPr sz="1800" kern="1200">
         <a:solidFill>
           <a:schemeClr val="tx1"/>
@@ -101,7 +104,7 @@
         <a:cs typeface="+mn-cs"/>
       </a:defRPr>
     </a:lvl7pPr>
-    <a:lvl8pPr marL="3200400" algn="l" defTabSz="914400" rtl="0" eaLnBrk="1" latinLnBrk="0" hangingPunct="1">
+    <a:lvl8pPr marL="3200400" algn="l" defTabSz="457200" rtl="0" eaLnBrk="1" latinLnBrk="0" hangingPunct="1">
       <a:defRPr sz="1800" kern="1200">
         <a:solidFill>
           <a:schemeClr val="tx1"/>
@@ -111,7 +114,7 @@
         <a:cs typeface="+mn-cs"/>
       </a:defRPr>
     </a:lvl8pPr>
-    <a:lvl9pPr marL="3657600" algn="l" defTabSz="914400" rtl="0" eaLnBrk="1" latinLnBrk="0" hangingPunct="1">
+    <a:lvl9pPr marL="3657600" algn="l" defTabSz="457200" rtl="0" eaLnBrk="1" latinLnBrk="0" hangingPunct="1">
       <a:defRPr sz="1800" kern="1200">
         <a:solidFill>
           <a:schemeClr val="tx1"/>
@@ -128,6 +131,355 @@
     </p:ext>
   </p:extLst>
 </p:presentation>
+</file>
+
+<file path=ppt/notesMasters/notesMaster1.xml><?xml version="1.0" encoding="utf-8"?>
+<p:notesMaster xmlns:a="http://schemas.openxmlformats.org/drawingml/2006/main" xmlns:r="http://schemas.openxmlformats.org/officeDocument/2006/relationships" xmlns:p="http://schemas.openxmlformats.org/presentationml/2006/main">
+  <p:cSld>
+    <p:bg>
+      <p:bgRef idx="1001">
+        <a:schemeClr val="bg1"/>
+      </p:bgRef>
+    </p:bg>
+    <p:spTree>
+      <p:nvGrpSpPr>
+        <p:cNvPr id="1" name=""/>
+        <p:cNvGrpSpPr/>
+        <p:nvPr/>
+      </p:nvGrpSpPr>
+      <p:grpSpPr>
+        <a:xfrm>
+          <a:off x="0" y="0"/>
+          <a:ext cx="0" cy="0"/>
+          <a:chOff x="0" y="0"/>
+          <a:chExt cx="0" cy="0"/>
+        </a:xfrm>
+      </p:grpSpPr>
+      <p:sp>
+        <p:nvSpPr>
+          <p:cNvPr id="2" name="Верхний колонтитул 1"/>
+          <p:cNvSpPr>
+            <a:spLocks noGrp="1"/>
+          </p:cNvSpPr>
+          <p:nvPr>
+            <p:ph type="hdr" sz="quarter"/>
+          </p:nvPr>
+        </p:nvSpPr>
+        <p:spPr>
+          <a:xfrm>
+            <a:off x="0" y="0"/>
+            <a:ext cx="2971800" cy="458788"/>
+          </a:xfrm>
+          <a:prstGeom prst="rect">
+            <a:avLst/>
+          </a:prstGeom>
+        </p:spPr>
+        <p:txBody>
+          <a:bodyPr vert="horz" lIns="91440" tIns="45720" rIns="91440" bIns="45720" rtlCol="0"/>
+          <a:lstStyle>
+            <a:lvl1pPr algn="l">
+              <a:defRPr sz="1200"/>
+            </a:lvl1pPr>
+          </a:lstStyle>
+          <a:p>
+            <a:endParaRPr lang="ru-RU"/>
+          </a:p>
+        </p:txBody>
+      </p:sp>
+      <p:sp>
+        <p:nvSpPr>
+          <p:cNvPr id="3" name="Дата 2"/>
+          <p:cNvSpPr>
+            <a:spLocks noGrp="1"/>
+          </p:cNvSpPr>
+          <p:nvPr>
+            <p:ph type="dt" idx="1"/>
+          </p:nvPr>
+        </p:nvSpPr>
+        <p:spPr>
+          <a:xfrm>
+            <a:off x="3884613" y="0"/>
+            <a:ext cx="2971800" cy="458788"/>
+          </a:xfrm>
+          <a:prstGeom prst="rect">
+            <a:avLst/>
+          </a:prstGeom>
+        </p:spPr>
+        <p:txBody>
+          <a:bodyPr vert="horz" lIns="91440" tIns="45720" rIns="91440" bIns="45720" rtlCol="0"/>
+          <a:lstStyle>
+            <a:lvl1pPr algn="r">
+              <a:defRPr sz="1200"/>
+            </a:lvl1pPr>
+          </a:lstStyle>
+          <a:p>
+            <a:fld id="{7FA1348C-886C-4C07-82AD-6AE32E6ECF33}" type="datetimeFigureOut">
+              <a:rPr lang="ru-RU" smtClean="0"/>
+              <a:t>13.06.2025</a:t>
+            </a:fld>
+            <a:endParaRPr lang="ru-RU"/>
+          </a:p>
+        </p:txBody>
+      </p:sp>
+      <p:sp>
+        <p:nvSpPr>
+          <p:cNvPr id="4" name="Образ слайда 3"/>
+          <p:cNvSpPr>
+            <a:spLocks noGrp="1" noRot="1" noChangeAspect="1"/>
+          </p:cNvSpPr>
+          <p:nvPr>
+            <p:ph type="sldImg" idx="2"/>
+          </p:nvPr>
+        </p:nvSpPr>
+        <p:spPr>
+          <a:xfrm>
+            <a:off x="1371600" y="1143000"/>
+            <a:ext cx="4114800" cy="3086100"/>
+          </a:xfrm>
+          <a:prstGeom prst="rect">
+            <a:avLst/>
+          </a:prstGeom>
+          <a:noFill/>
+          <a:ln w="12700">
+            <a:solidFill>
+              <a:prstClr val="black"/>
+            </a:solidFill>
+          </a:ln>
+        </p:spPr>
+        <p:txBody>
+          <a:bodyPr vert="horz" lIns="91440" tIns="45720" rIns="91440" bIns="45720" rtlCol="0" anchor="ctr"/>
+          <a:lstStyle/>
+          <a:p>
+            <a:endParaRPr lang="ru-RU"/>
+          </a:p>
+        </p:txBody>
+      </p:sp>
+      <p:sp>
+        <p:nvSpPr>
+          <p:cNvPr id="5" name="Заметки 4"/>
+          <p:cNvSpPr>
+            <a:spLocks noGrp="1"/>
+          </p:cNvSpPr>
+          <p:nvPr>
+            <p:ph type="body" sz="quarter" idx="3"/>
+          </p:nvPr>
+        </p:nvSpPr>
+        <p:spPr>
+          <a:xfrm>
+            <a:off x="685800" y="4400550"/>
+            <a:ext cx="5486400" cy="3600450"/>
+          </a:xfrm>
+          <a:prstGeom prst="rect">
+            <a:avLst/>
+          </a:prstGeom>
+        </p:spPr>
+        <p:txBody>
+          <a:bodyPr vert="horz" lIns="91440" tIns="45720" rIns="91440" bIns="45720" rtlCol="0"/>
+          <a:lstStyle/>
+          <a:p>
+            <a:pPr lvl="0"/>
+            <a:r>
+              <a:rPr lang="ru-RU"/>
+              <a:t>Образец текста</a:t>
+            </a:r>
+          </a:p>
+          <a:p>
+            <a:pPr lvl="1"/>
+            <a:r>
+              <a:rPr lang="ru-RU"/>
+              <a:t>Второй уровень</a:t>
+            </a:r>
+          </a:p>
+          <a:p>
+            <a:pPr lvl="2"/>
+            <a:r>
+              <a:rPr lang="ru-RU"/>
+              <a:t>Третий уровень</a:t>
+            </a:r>
+          </a:p>
+          <a:p>
+            <a:pPr lvl="3"/>
+            <a:r>
+              <a:rPr lang="ru-RU"/>
+              <a:t>Четвертый уровень</a:t>
+            </a:r>
+          </a:p>
+          <a:p>
+            <a:pPr lvl="4"/>
+            <a:r>
+              <a:rPr lang="ru-RU"/>
+              <a:t>Пятый уровень</a:t>
+            </a:r>
+          </a:p>
+        </p:txBody>
+      </p:sp>
+      <p:sp>
+        <p:nvSpPr>
+          <p:cNvPr id="6" name="Нижний колонтитул 5"/>
+          <p:cNvSpPr>
+            <a:spLocks noGrp="1"/>
+          </p:cNvSpPr>
+          <p:nvPr>
+            <p:ph type="ftr" sz="quarter" idx="4"/>
+          </p:nvPr>
+        </p:nvSpPr>
+        <p:spPr>
+          <a:xfrm>
+            <a:off x="0" y="8685213"/>
+            <a:ext cx="2971800" cy="458787"/>
+          </a:xfrm>
+          <a:prstGeom prst="rect">
+            <a:avLst/>
+          </a:prstGeom>
+        </p:spPr>
+        <p:txBody>
+          <a:bodyPr vert="horz" lIns="91440" tIns="45720" rIns="91440" bIns="45720" rtlCol="0" anchor="b"/>
+          <a:lstStyle>
+            <a:lvl1pPr algn="l">
+              <a:defRPr sz="1200"/>
+            </a:lvl1pPr>
+          </a:lstStyle>
+          <a:p>
+            <a:endParaRPr lang="ru-RU"/>
+          </a:p>
+        </p:txBody>
+      </p:sp>
+      <p:sp>
+        <p:nvSpPr>
+          <p:cNvPr id="7" name="Номер слайда 6"/>
+          <p:cNvSpPr>
+            <a:spLocks noGrp="1"/>
+          </p:cNvSpPr>
+          <p:nvPr>
+            <p:ph type="sldNum" sz="quarter" idx="5"/>
+          </p:nvPr>
+        </p:nvSpPr>
+        <p:spPr>
+          <a:xfrm>
+            <a:off x="3884613" y="8685213"/>
+            <a:ext cx="2971800" cy="458787"/>
+          </a:xfrm>
+          <a:prstGeom prst="rect">
+            <a:avLst/>
+          </a:prstGeom>
+        </p:spPr>
+        <p:txBody>
+          <a:bodyPr vert="horz" lIns="91440" tIns="45720" rIns="91440" bIns="45720" rtlCol="0" anchor="b"/>
+          <a:lstStyle>
+            <a:lvl1pPr algn="r">
+              <a:defRPr sz="1200"/>
+            </a:lvl1pPr>
+          </a:lstStyle>
+          <a:p>
+            <a:fld id="{AECDE154-BCF9-4C39-A65D-00BE99868555}" type="slidenum">
+              <a:rPr lang="ru-RU" smtClean="0"/>
+              <a:t>‹#›</a:t>
+            </a:fld>
+            <a:endParaRPr lang="ru-RU"/>
+          </a:p>
+        </p:txBody>
+      </p:sp>
+    </p:spTree>
+    <p:extLst>
+      <p:ext uri="{BB962C8B-B14F-4D97-AF65-F5344CB8AC3E}">
+        <p14:creationId xmlns:p14="http://schemas.microsoft.com/office/powerpoint/2010/main" val="3744129497"/>
+      </p:ext>
+    </p:extLst>
+  </p:cSld>
+  <p:clrMap bg1="lt1" tx1="dk1" bg2="lt2" tx2="dk2" accent1="accent1" accent2="accent2" accent3="accent3" accent4="accent4" accent5="accent5" accent6="accent6" hlink="hlink" folHlink="folHlink"/>
+  <p:notesStyle>
+    <a:lvl1pPr marL="0" algn="l" defTabSz="914400" rtl="0" eaLnBrk="1" latinLnBrk="0" hangingPunct="1">
+      <a:defRPr sz="1200" kern="1200">
+        <a:solidFill>
+          <a:schemeClr val="tx1"/>
+        </a:solidFill>
+        <a:latin typeface="+mn-lt"/>
+        <a:ea typeface="+mn-ea"/>
+        <a:cs typeface="+mn-cs"/>
+      </a:defRPr>
+    </a:lvl1pPr>
+    <a:lvl2pPr marL="457200" algn="l" defTabSz="914400" rtl="0" eaLnBrk="1" latinLnBrk="0" hangingPunct="1">
+      <a:defRPr sz="1200" kern="1200">
+        <a:solidFill>
+          <a:schemeClr val="tx1"/>
+        </a:solidFill>
+        <a:latin typeface="+mn-lt"/>
+        <a:ea typeface="+mn-ea"/>
+        <a:cs typeface="+mn-cs"/>
+      </a:defRPr>
+    </a:lvl2pPr>
+    <a:lvl3pPr marL="914400" algn="l" defTabSz="914400" rtl="0" eaLnBrk="1" latinLnBrk="0" hangingPunct="1">
+      <a:defRPr sz="1200" kern="1200">
+        <a:solidFill>
+          <a:schemeClr val="tx1"/>
+        </a:solidFill>
+        <a:latin typeface="+mn-lt"/>
+        <a:ea typeface="+mn-ea"/>
+        <a:cs typeface="+mn-cs"/>
+      </a:defRPr>
+    </a:lvl3pPr>
+    <a:lvl4pPr marL="1371600" algn="l" defTabSz="914400" rtl="0" eaLnBrk="1" latinLnBrk="0" hangingPunct="1">
+      <a:defRPr sz="1200" kern="1200">
+        <a:solidFill>
+          <a:schemeClr val="tx1"/>
+        </a:solidFill>
+        <a:latin typeface="+mn-lt"/>
+        <a:ea typeface="+mn-ea"/>
+        <a:cs typeface="+mn-cs"/>
+      </a:defRPr>
+    </a:lvl4pPr>
+    <a:lvl5pPr marL="1828800" algn="l" defTabSz="914400" rtl="0" eaLnBrk="1" latinLnBrk="0" hangingPunct="1">
+      <a:defRPr sz="1200" kern="1200">
+        <a:solidFill>
+          <a:schemeClr val="tx1"/>
+        </a:solidFill>
+        <a:latin typeface="+mn-lt"/>
+        <a:ea typeface="+mn-ea"/>
+        <a:cs typeface="+mn-cs"/>
+      </a:defRPr>
+    </a:lvl5pPr>
+    <a:lvl6pPr marL="2286000" algn="l" defTabSz="914400" rtl="0" eaLnBrk="1" latinLnBrk="0" hangingPunct="1">
+      <a:defRPr sz="1200" kern="1200">
+        <a:solidFill>
+          <a:schemeClr val="tx1"/>
+        </a:solidFill>
+        <a:latin typeface="+mn-lt"/>
+        <a:ea typeface="+mn-ea"/>
+        <a:cs typeface="+mn-cs"/>
+      </a:defRPr>
+    </a:lvl6pPr>
+    <a:lvl7pPr marL="2743200" algn="l" defTabSz="914400" rtl="0" eaLnBrk="1" latinLnBrk="0" hangingPunct="1">
+      <a:defRPr sz="1200" kern="1200">
+        <a:solidFill>
+          <a:schemeClr val="tx1"/>
+        </a:solidFill>
+        <a:latin typeface="+mn-lt"/>
+        <a:ea typeface="+mn-ea"/>
+        <a:cs typeface="+mn-cs"/>
+      </a:defRPr>
+    </a:lvl7pPr>
+    <a:lvl8pPr marL="3200400" algn="l" defTabSz="914400" rtl="0" eaLnBrk="1" latinLnBrk="0" hangingPunct="1">
+      <a:defRPr sz="1200" kern="1200">
+        <a:solidFill>
+          <a:schemeClr val="tx1"/>
+        </a:solidFill>
+        <a:latin typeface="+mn-lt"/>
+        <a:ea typeface="+mn-ea"/>
+        <a:cs typeface="+mn-cs"/>
+      </a:defRPr>
+    </a:lvl8pPr>
+    <a:lvl9pPr marL="3657600" algn="l" defTabSz="914400" rtl="0" eaLnBrk="1" latinLnBrk="0" hangingPunct="1">
+      <a:defRPr sz="1200" kern="1200">
+        <a:solidFill>
+          <a:schemeClr val="tx1"/>
+        </a:solidFill>
+        <a:latin typeface="+mn-lt"/>
+        <a:ea typeface="+mn-ea"/>
+        <a:cs typeface="+mn-cs"/>
+      </a:defRPr>
+    </a:lvl9pPr>
+  </p:notesStyle>
+</p:notesMaster>
 </file>
 
 <file path=ppt/slideLayouts/slideLayout1.xml><?xml version="1.0" encoding="utf-8"?>
@@ -149,13 +501,7 @@
       </p:grpSpPr>
       <p:sp>
         <p:nvSpPr>
-          <p:cNvPr id="2" name="Заголовок 1">
-            <a:extLst>
-              <a:ext uri="{FF2B5EF4-FFF2-40B4-BE49-F238E27FC236}">
-                <a16:creationId xmlns:a16="http://schemas.microsoft.com/office/drawing/2014/main" id="{239D380F-8689-395F-61E4-3642527AC802}"/>
-              </a:ext>
-            </a:extLst>
-          </p:cNvPr>
+          <p:cNvPr id="2" name="Title 1"/>
           <p:cNvSpPr>
             <a:spLocks noGrp="1"/>
           </p:cNvSpPr>
@@ -165,8 +511,8 @@
         </p:nvSpPr>
         <p:spPr>
           <a:xfrm>
-            <a:off x="1524000" y="1122363"/>
-            <a:ext cx="9144000" cy="2387600"/>
+            <a:off x="685800" y="1122363"/>
+            <a:ext cx="7772400" cy="2387600"/>
           </a:xfrm>
         </p:spPr>
         <p:txBody>
@@ -181,18 +527,13 @@
               <a:rPr lang="ru-RU"/>
               <a:t>Образец заголовка</a:t>
             </a:r>
-          </a:p>
-        </p:txBody>
-      </p:sp>
-      <p:sp>
-        <p:nvSpPr>
-          <p:cNvPr id="3" name="Подзаголовок 2">
-            <a:extLst>
-              <a:ext uri="{FF2B5EF4-FFF2-40B4-BE49-F238E27FC236}">
-                <a16:creationId xmlns:a16="http://schemas.microsoft.com/office/drawing/2014/main" id="{AD15A77A-9B1D-AE92-194F-6FD73061BF78}"/>
-              </a:ext>
-            </a:extLst>
-          </p:cNvPr>
+            <a:endParaRPr lang="en-US" dirty="0"/>
+          </a:p>
+        </p:txBody>
+      </p:sp>
+      <p:sp>
+        <p:nvSpPr>
+          <p:cNvPr id="3" name="Subtitle 2"/>
           <p:cNvSpPr>
             <a:spLocks noGrp="1"/>
           </p:cNvSpPr>
@@ -202,8 +543,8 @@
         </p:nvSpPr>
         <p:spPr>
           <a:xfrm>
-            <a:off x="1524000" y="3602038"/>
-            <a:ext cx="9144000" cy="1655762"/>
+            <a:off x="1143000" y="3602038"/>
+            <a:ext cx="6858000" cy="1655762"/>
           </a:xfrm>
         </p:spPr>
         <p:txBody>
@@ -251,18 +592,13 @@
               <a:rPr lang="ru-RU"/>
               <a:t>Образец подзаголовка</a:t>
             </a:r>
-          </a:p>
-        </p:txBody>
-      </p:sp>
-      <p:sp>
-        <p:nvSpPr>
-          <p:cNvPr id="4" name="Дата 3">
-            <a:extLst>
-              <a:ext uri="{FF2B5EF4-FFF2-40B4-BE49-F238E27FC236}">
-                <a16:creationId xmlns:a16="http://schemas.microsoft.com/office/drawing/2014/main" id="{8A3AA812-5841-8649-9224-91FF5C595D4F}"/>
-              </a:ext>
-            </a:extLst>
-          </p:cNvPr>
+            <a:endParaRPr lang="en-US" dirty="0"/>
+          </a:p>
+        </p:txBody>
+      </p:sp>
+      <p:sp>
+        <p:nvSpPr>
+          <p:cNvPr id="4" name="Date Placeholder 3"/>
           <p:cNvSpPr>
             <a:spLocks noGrp="1"/>
           </p:cNvSpPr>
@@ -277,7 +613,7 @@
           <a:p>
             <a:fld id="{7E88C1EE-FCA6-406D-BA06-BACF41E080F7}" type="datetimeFigureOut">
               <a:rPr lang="ru-RU" smtClean="0"/>
-              <a:t>04.06.2025</a:t>
+              <a:t>13.06.2025</a:t>
             </a:fld>
             <a:endParaRPr lang="ru-RU"/>
           </a:p>
@@ -285,13 +621,7 @@
       </p:sp>
       <p:sp>
         <p:nvSpPr>
-          <p:cNvPr id="5" name="Нижний колонтитул 4">
-            <a:extLst>
-              <a:ext uri="{FF2B5EF4-FFF2-40B4-BE49-F238E27FC236}">
-                <a16:creationId xmlns:a16="http://schemas.microsoft.com/office/drawing/2014/main" id="{BF87E17C-A387-2429-D710-7DEE2C2AC24C}"/>
-              </a:ext>
-            </a:extLst>
-          </p:cNvPr>
+          <p:cNvPr id="5" name="Footer Placeholder 4"/>
           <p:cNvSpPr>
             <a:spLocks noGrp="1"/>
           </p:cNvSpPr>
@@ -310,13 +640,7 @@
       </p:sp>
       <p:sp>
         <p:nvSpPr>
-          <p:cNvPr id="6" name="Номер слайда 5">
-            <a:extLst>
-              <a:ext uri="{FF2B5EF4-FFF2-40B4-BE49-F238E27FC236}">
-                <a16:creationId xmlns:a16="http://schemas.microsoft.com/office/drawing/2014/main" id="{5DA270AA-660F-E44D-F327-4E2EACA73056}"/>
-              </a:ext>
-            </a:extLst>
-          </p:cNvPr>
+          <p:cNvPr id="6" name="Slide Number Placeholder 5"/>
           <p:cNvSpPr>
             <a:spLocks noGrp="1"/>
           </p:cNvSpPr>
@@ -340,7 +664,7 @@
     </p:spTree>
     <p:extLst>
       <p:ext uri="{BB962C8B-B14F-4D97-AF65-F5344CB8AC3E}">
-        <p14:creationId xmlns:p14="http://schemas.microsoft.com/office/powerpoint/2010/main" val="777523533"/>
+        <p14:creationId xmlns:p14="http://schemas.microsoft.com/office/powerpoint/2010/main" val="2790979996"/>
       </p:ext>
     </p:extLst>
   </p:cSld>
@@ -369,13 +693,7 @@
       </p:grpSpPr>
       <p:sp>
         <p:nvSpPr>
-          <p:cNvPr id="2" name="Заголовок 1">
-            <a:extLst>
-              <a:ext uri="{FF2B5EF4-FFF2-40B4-BE49-F238E27FC236}">
-                <a16:creationId xmlns:a16="http://schemas.microsoft.com/office/drawing/2014/main" id="{6FD00671-24CC-EA79-5709-1748572F8782}"/>
-              </a:ext>
-            </a:extLst>
-          </p:cNvPr>
+          <p:cNvPr id="2" name="Title 1"/>
           <p:cNvSpPr>
             <a:spLocks noGrp="1"/>
           </p:cNvSpPr>
@@ -392,18 +710,13 @@
               <a:rPr lang="ru-RU"/>
               <a:t>Образец заголовка</a:t>
             </a:r>
-          </a:p>
-        </p:txBody>
-      </p:sp>
-      <p:sp>
-        <p:nvSpPr>
-          <p:cNvPr id="3" name="Вертикальный текст 2">
-            <a:extLst>
-              <a:ext uri="{FF2B5EF4-FFF2-40B4-BE49-F238E27FC236}">
-                <a16:creationId xmlns:a16="http://schemas.microsoft.com/office/drawing/2014/main" id="{E0B892BE-6AC3-F6B5-5F9D-A9F43BEF431A}"/>
-              </a:ext>
-            </a:extLst>
-          </p:cNvPr>
+            <a:endParaRPr lang="en-US" dirty="0"/>
+          </a:p>
+        </p:txBody>
+      </p:sp>
+      <p:sp>
+        <p:nvSpPr>
+          <p:cNvPr id="3" name="Vertical Text Placeholder 2"/>
           <p:cNvSpPr>
             <a:spLocks noGrp="1"/>
           </p:cNvSpPr>
@@ -449,18 +762,13 @@
               <a:rPr lang="ru-RU"/>
               <a:t>Пятый уровень</a:t>
             </a:r>
-          </a:p>
-        </p:txBody>
-      </p:sp>
-      <p:sp>
-        <p:nvSpPr>
-          <p:cNvPr id="4" name="Дата 3">
-            <a:extLst>
-              <a:ext uri="{FF2B5EF4-FFF2-40B4-BE49-F238E27FC236}">
-                <a16:creationId xmlns:a16="http://schemas.microsoft.com/office/drawing/2014/main" id="{D2E80658-6683-1587-BEDA-EFE0473EABB2}"/>
-              </a:ext>
-            </a:extLst>
-          </p:cNvPr>
+            <a:endParaRPr lang="en-US" dirty="0"/>
+          </a:p>
+        </p:txBody>
+      </p:sp>
+      <p:sp>
+        <p:nvSpPr>
+          <p:cNvPr id="4" name="Date Placeholder 3"/>
           <p:cNvSpPr>
             <a:spLocks noGrp="1"/>
           </p:cNvSpPr>
@@ -475,7 +783,7 @@
           <a:p>
             <a:fld id="{7E88C1EE-FCA6-406D-BA06-BACF41E080F7}" type="datetimeFigureOut">
               <a:rPr lang="ru-RU" smtClean="0"/>
-              <a:t>04.06.2025</a:t>
+              <a:t>13.06.2025</a:t>
             </a:fld>
             <a:endParaRPr lang="ru-RU"/>
           </a:p>
@@ -483,13 +791,7 @@
       </p:sp>
       <p:sp>
         <p:nvSpPr>
-          <p:cNvPr id="5" name="Нижний колонтитул 4">
-            <a:extLst>
-              <a:ext uri="{FF2B5EF4-FFF2-40B4-BE49-F238E27FC236}">
-                <a16:creationId xmlns:a16="http://schemas.microsoft.com/office/drawing/2014/main" id="{96D06E31-0F06-7A56-EBDC-B07D3E3F8C24}"/>
-              </a:ext>
-            </a:extLst>
-          </p:cNvPr>
+          <p:cNvPr id="5" name="Footer Placeholder 4"/>
           <p:cNvSpPr>
             <a:spLocks noGrp="1"/>
           </p:cNvSpPr>
@@ -508,13 +810,7 @@
       </p:sp>
       <p:sp>
         <p:nvSpPr>
-          <p:cNvPr id="6" name="Номер слайда 5">
-            <a:extLst>
-              <a:ext uri="{FF2B5EF4-FFF2-40B4-BE49-F238E27FC236}">
-                <a16:creationId xmlns:a16="http://schemas.microsoft.com/office/drawing/2014/main" id="{A0F2BF65-1397-4102-8D99-9989C3C6F254}"/>
-              </a:ext>
-            </a:extLst>
-          </p:cNvPr>
+          <p:cNvPr id="6" name="Slide Number Placeholder 5"/>
           <p:cNvSpPr>
             <a:spLocks noGrp="1"/>
           </p:cNvSpPr>
@@ -538,7 +834,7 @@
     </p:spTree>
     <p:extLst>
       <p:ext uri="{BB962C8B-B14F-4D97-AF65-F5344CB8AC3E}">
-        <p14:creationId xmlns:p14="http://schemas.microsoft.com/office/powerpoint/2010/main" val="444513299"/>
+        <p14:creationId xmlns:p14="http://schemas.microsoft.com/office/powerpoint/2010/main" val="863549557"/>
       </p:ext>
     </p:extLst>
   </p:cSld>
@@ -567,13 +863,7 @@
       </p:grpSpPr>
       <p:sp>
         <p:nvSpPr>
-          <p:cNvPr id="2" name="Вертикальный заголовок 1">
-            <a:extLst>
-              <a:ext uri="{FF2B5EF4-FFF2-40B4-BE49-F238E27FC236}">
-                <a16:creationId xmlns:a16="http://schemas.microsoft.com/office/drawing/2014/main" id="{4DD2142D-23F3-EFB7-B21F-C6193647F00D}"/>
-              </a:ext>
-            </a:extLst>
-          </p:cNvPr>
+          <p:cNvPr id="2" name="Vertical Title 1"/>
           <p:cNvSpPr>
             <a:spLocks noGrp="1"/>
           </p:cNvSpPr>
@@ -583,8 +873,8 @@
         </p:nvSpPr>
         <p:spPr>
           <a:xfrm>
-            <a:off x="8724900" y="365125"/>
-            <a:ext cx="2628900" cy="5811838"/>
+            <a:off x="6543675" y="365125"/>
+            <a:ext cx="1971675" cy="5811838"/>
           </a:xfrm>
         </p:spPr>
         <p:txBody>
@@ -595,18 +885,13 @@
               <a:rPr lang="ru-RU"/>
               <a:t>Образец заголовка</a:t>
             </a:r>
-          </a:p>
-        </p:txBody>
-      </p:sp>
-      <p:sp>
-        <p:nvSpPr>
-          <p:cNvPr id="3" name="Вертикальный текст 2">
-            <a:extLst>
-              <a:ext uri="{FF2B5EF4-FFF2-40B4-BE49-F238E27FC236}">
-                <a16:creationId xmlns:a16="http://schemas.microsoft.com/office/drawing/2014/main" id="{6280AE6C-000D-AD55-8983-070B047879ED}"/>
-              </a:ext>
-            </a:extLst>
-          </p:cNvPr>
+            <a:endParaRPr lang="en-US" dirty="0"/>
+          </a:p>
+        </p:txBody>
+      </p:sp>
+      <p:sp>
+        <p:nvSpPr>
+          <p:cNvPr id="3" name="Vertical Text Placeholder 2"/>
           <p:cNvSpPr>
             <a:spLocks noGrp="1"/>
           </p:cNvSpPr>
@@ -616,8 +901,8 @@
         </p:nvSpPr>
         <p:spPr>
           <a:xfrm>
-            <a:off x="838200" y="365125"/>
-            <a:ext cx="7734300" cy="5811838"/>
+            <a:off x="628650" y="365125"/>
+            <a:ext cx="5800725" cy="5811838"/>
           </a:xfrm>
         </p:spPr>
         <p:txBody>
@@ -657,18 +942,13 @@
               <a:rPr lang="ru-RU"/>
               <a:t>Пятый уровень</a:t>
             </a:r>
-          </a:p>
-        </p:txBody>
-      </p:sp>
-      <p:sp>
-        <p:nvSpPr>
-          <p:cNvPr id="4" name="Дата 3">
-            <a:extLst>
-              <a:ext uri="{FF2B5EF4-FFF2-40B4-BE49-F238E27FC236}">
-                <a16:creationId xmlns:a16="http://schemas.microsoft.com/office/drawing/2014/main" id="{9050464B-955F-282D-CEFB-BB9B509987EE}"/>
-              </a:ext>
-            </a:extLst>
-          </p:cNvPr>
+            <a:endParaRPr lang="en-US" dirty="0"/>
+          </a:p>
+        </p:txBody>
+      </p:sp>
+      <p:sp>
+        <p:nvSpPr>
+          <p:cNvPr id="4" name="Date Placeholder 3"/>
           <p:cNvSpPr>
             <a:spLocks noGrp="1"/>
           </p:cNvSpPr>
@@ -683,7 +963,7 @@
           <a:p>
             <a:fld id="{7E88C1EE-FCA6-406D-BA06-BACF41E080F7}" type="datetimeFigureOut">
               <a:rPr lang="ru-RU" smtClean="0"/>
-              <a:t>04.06.2025</a:t>
+              <a:t>13.06.2025</a:t>
             </a:fld>
             <a:endParaRPr lang="ru-RU"/>
           </a:p>
@@ -691,13 +971,7 @@
       </p:sp>
       <p:sp>
         <p:nvSpPr>
-          <p:cNvPr id="5" name="Нижний колонтитул 4">
-            <a:extLst>
-              <a:ext uri="{FF2B5EF4-FFF2-40B4-BE49-F238E27FC236}">
-                <a16:creationId xmlns:a16="http://schemas.microsoft.com/office/drawing/2014/main" id="{B9E62ABB-FD30-7DA7-64FF-898E8057C576}"/>
-              </a:ext>
-            </a:extLst>
-          </p:cNvPr>
+          <p:cNvPr id="5" name="Footer Placeholder 4"/>
           <p:cNvSpPr>
             <a:spLocks noGrp="1"/>
           </p:cNvSpPr>
@@ -716,13 +990,7 @@
       </p:sp>
       <p:sp>
         <p:nvSpPr>
-          <p:cNvPr id="6" name="Номер слайда 5">
-            <a:extLst>
-              <a:ext uri="{FF2B5EF4-FFF2-40B4-BE49-F238E27FC236}">
-                <a16:creationId xmlns:a16="http://schemas.microsoft.com/office/drawing/2014/main" id="{9D3F03EE-202A-EB3D-E05D-6E325B4587DE}"/>
-              </a:ext>
-            </a:extLst>
-          </p:cNvPr>
+          <p:cNvPr id="6" name="Slide Number Placeholder 5"/>
           <p:cNvSpPr>
             <a:spLocks noGrp="1"/>
           </p:cNvSpPr>
@@ -746,7 +1014,7 @@
     </p:spTree>
     <p:extLst>
       <p:ext uri="{BB962C8B-B14F-4D97-AF65-F5344CB8AC3E}">
-        <p14:creationId xmlns:p14="http://schemas.microsoft.com/office/powerpoint/2010/main" val="3641767444"/>
+        <p14:creationId xmlns:p14="http://schemas.microsoft.com/office/powerpoint/2010/main" val="49490453"/>
       </p:ext>
     </p:extLst>
   </p:cSld>
@@ -775,13 +1043,7 @@
       </p:grpSpPr>
       <p:sp>
         <p:nvSpPr>
-          <p:cNvPr id="2" name="Заголовок 1">
-            <a:extLst>
-              <a:ext uri="{FF2B5EF4-FFF2-40B4-BE49-F238E27FC236}">
-                <a16:creationId xmlns:a16="http://schemas.microsoft.com/office/drawing/2014/main" id="{4948CF8A-95D3-7E47-8BB1-E8A9E1BF39A2}"/>
-              </a:ext>
-            </a:extLst>
-          </p:cNvPr>
+          <p:cNvPr id="2" name="Title 1"/>
           <p:cNvSpPr>
             <a:spLocks noGrp="1"/>
           </p:cNvSpPr>
@@ -798,18 +1060,13 @@
               <a:rPr lang="ru-RU"/>
               <a:t>Образец заголовка</a:t>
             </a:r>
-          </a:p>
-        </p:txBody>
-      </p:sp>
-      <p:sp>
-        <p:nvSpPr>
-          <p:cNvPr id="3" name="Объект 2">
-            <a:extLst>
-              <a:ext uri="{FF2B5EF4-FFF2-40B4-BE49-F238E27FC236}">
-                <a16:creationId xmlns:a16="http://schemas.microsoft.com/office/drawing/2014/main" id="{03D28486-ACB5-781C-09B4-5C900776A73C}"/>
-              </a:ext>
-            </a:extLst>
-          </p:cNvPr>
+            <a:endParaRPr lang="en-US" dirty="0"/>
+          </a:p>
+        </p:txBody>
+      </p:sp>
+      <p:sp>
+        <p:nvSpPr>
+          <p:cNvPr id="3" name="Content Placeholder 2"/>
           <p:cNvSpPr>
             <a:spLocks noGrp="1"/>
           </p:cNvSpPr>
@@ -855,18 +1112,13 @@
               <a:rPr lang="ru-RU"/>
               <a:t>Пятый уровень</a:t>
             </a:r>
-          </a:p>
-        </p:txBody>
-      </p:sp>
-      <p:sp>
-        <p:nvSpPr>
-          <p:cNvPr id="4" name="Дата 3">
-            <a:extLst>
-              <a:ext uri="{FF2B5EF4-FFF2-40B4-BE49-F238E27FC236}">
-                <a16:creationId xmlns:a16="http://schemas.microsoft.com/office/drawing/2014/main" id="{7AA738DE-58BD-051F-4DBD-6E8BEA35B7B7}"/>
-              </a:ext>
-            </a:extLst>
-          </p:cNvPr>
+            <a:endParaRPr lang="en-US" dirty="0"/>
+          </a:p>
+        </p:txBody>
+      </p:sp>
+      <p:sp>
+        <p:nvSpPr>
+          <p:cNvPr id="4" name="Date Placeholder 3"/>
           <p:cNvSpPr>
             <a:spLocks noGrp="1"/>
           </p:cNvSpPr>
@@ -881,7 +1133,7 @@
           <a:p>
             <a:fld id="{7E88C1EE-FCA6-406D-BA06-BACF41E080F7}" type="datetimeFigureOut">
               <a:rPr lang="ru-RU" smtClean="0"/>
-              <a:t>04.06.2025</a:t>
+              <a:t>13.06.2025</a:t>
             </a:fld>
             <a:endParaRPr lang="ru-RU"/>
           </a:p>
@@ -889,13 +1141,7 @@
       </p:sp>
       <p:sp>
         <p:nvSpPr>
-          <p:cNvPr id="5" name="Нижний колонтитул 4">
-            <a:extLst>
-              <a:ext uri="{FF2B5EF4-FFF2-40B4-BE49-F238E27FC236}">
-                <a16:creationId xmlns:a16="http://schemas.microsoft.com/office/drawing/2014/main" id="{B80D1D78-2DB2-A98A-9059-1DE95F1AB883}"/>
-              </a:ext>
-            </a:extLst>
-          </p:cNvPr>
+          <p:cNvPr id="5" name="Footer Placeholder 4"/>
           <p:cNvSpPr>
             <a:spLocks noGrp="1"/>
           </p:cNvSpPr>
@@ -914,13 +1160,7 @@
       </p:sp>
       <p:sp>
         <p:nvSpPr>
-          <p:cNvPr id="6" name="Номер слайда 5">
-            <a:extLst>
-              <a:ext uri="{FF2B5EF4-FFF2-40B4-BE49-F238E27FC236}">
-                <a16:creationId xmlns:a16="http://schemas.microsoft.com/office/drawing/2014/main" id="{1787B1AA-4F6E-43D7-023D-734E42A5A62C}"/>
-              </a:ext>
-            </a:extLst>
-          </p:cNvPr>
+          <p:cNvPr id="6" name="Slide Number Placeholder 5"/>
           <p:cNvSpPr>
             <a:spLocks noGrp="1"/>
           </p:cNvSpPr>
@@ -944,7 +1184,7 @@
     </p:spTree>
     <p:extLst>
       <p:ext uri="{BB962C8B-B14F-4D97-AF65-F5344CB8AC3E}">
-        <p14:creationId xmlns:p14="http://schemas.microsoft.com/office/powerpoint/2010/main" val="3156262110"/>
+        <p14:creationId xmlns:p14="http://schemas.microsoft.com/office/powerpoint/2010/main" val="3671515008"/>
       </p:ext>
     </p:extLst>
   </p:cSld>
@@ -973,13 +1213,7 @@
       </p:grpSpPr>
       <p:sp>
         <p:nvSpPr>
-          <p:cNvPr id="2" name="Заголовок 1">
-            <a:extLst>
-              <a:ext uri="{FF2B5EF4-FFF2-40B4-BE49-F238E27FC236}">
-                <a16:creationId xmlns:a16="http://schemas.microsoft.com/office/drawing/2014/main" id="{8B2A3C77-21A7-7FC0-3418-A685E5CB3949}"/>
-              </a:ext>
-            </a:extLst>
-          </p:cNvPr>
+          <p:cNvPr id="2" name="Title 1"/>
           <p:cNvSpPr>
             <a:spLocks noGrp="1"/>
           </p:cNvSpPr>
@@ -989,8 +1223,8 @@
         </p:nvSpPr>
         <p:spPr>
           <a:xfrm>
-            <a:off x="831850" y="1709738"/>
-            <a:ext cx="10515600" cy="2852737"/>
+            <a:off x="623888" y="1709739"/>
+            <a:ext cx="7886700" cy="2852737"/>
           </a:xfrm>
         </p:spPr>
         <p:txBody>
@@ -1005,18 +1239,13 @@
               <a:rPr lang="ru-RU"/>
               <a:t>Образец заголовка</a:t>
             </a:r>
-          </a:p>
-        </p:txBody>
-      </p:sp>
-      <p:sp>
-        <p:nvSpPr>
-          <p:cNvPr id="3" name="Текст 2">
-            <a:extLst>
-              <a:ext uri="{FF2B5EF4-FFF2-40B4-BE49-F238E27FC236}">
-                <a16:creationId xmlns:a16="http://schemas.microsoft.com/office/drawing/2014/main" id="{B448EEC9-1883-017E-0FEA-9CE9480A7E78}"/>
-              </a:ext>
-            </a:extLst>
-          </p:cNvPr>
+            <a:endParaRPr lang="en-US" dirty="0"/>
+          </a:p>
+        </p:txBody>
+      </p:sp>
+      <p:sp>
+        <p:nvSpPr>
+          <p:cNvPr id="3" name="Text Placeholder 2"/>
           <p:cNvSpPr>
             <a:spLocks noGrp="1"/>
           </p:cNvSpPr>
@@ -1026,8 +1255,8 @@
         </p:nvSpPr>
         <p:spPr>
           <a:xfrm>
-            <a:off x="831850" y="4589463"/>
-            <a:ext cx="10515600" cy="1500187"/>
+            <a:off x="623888" y="4589464"/>
+            <a:ext cx="7886700" cy="1500187"/>
           </a:xfrm>
         </p:spPr>
         <p:txBody>
@@ -1135,13 +1364,7 @@
       </p:sp>
       <p:sp>
         <p:nvSpPr>
-          <p:cNvPr id="4" name="Дата 3">
-            <a:extLst>
-              <a:ext uri="{FF2B5EF4-FFF2-40B4-BE49-F238E27FC236}">
-                <a16:creationId xmlns:a16="http://schemas.microsoft.com/office/drawing/2014/main" id="{7D4C1C38-6F7E-C83F-F285-184F336ADFE6}"/>
-              </a:ext>
-            </a:extLst>
-          </p:cNvPr>
+          <p:cNvPr id="4" name="Date Placeholder 3"/>
           <p:cNvSpPr>
             <a:spLocks noGrp="1"/>
           </p:cNvSpPr>
@@ -1156,7 +1379,7 @@
           <a:p>
             <a:fld id="{7E88C1EE-FCA6-406D-BA06-BACF41E080F7}" type="datetimeFigureOut">
               <a:rPr lang="ru-RU" smtClean="0"/>
-              <a:t>04.06.2025</a:t>
+              <a:t>13.06.2025</a:t>
             </a:fld>
             <a:endParaRPr lang="ru-RU"/>
           </a:p>
@@ -1164,13 +1387,7 @@
       </p:sp>
       <p:sp>
         <p:nvSpPr>
-          <p:cNvPr id="5" name="Нижний колонтитул 4">
-            <a:extLst>
-              <a:ext uri="{FF2B5EF4-FFF2-40B4-BE49-F238E27FC236}">
-                <a16:creationId xmlns:a16="http://schemas.microsoft.com/office/drawing/2014/main" id="{7CB6F865-A2FD-64E4-7497-ACBB7B8B13E9}"/>
-              </a:ext>
-            </a:extLst>
-          </p:cNvPr>
+          <p:cNvPr id="5" name="Footer Placeholder 4"/>
           <p:cNvSpPr>
             <a:spLocks noGrp="1"/>
           </p:cNvSpPr>
@@ -1189,13 +1406,7 @@
       </p:sp>
       <p:sp>
         <p:nvSpPr>
-          <p:cNvPr id="6" name="Номер слайда 5">
-            <a:extLst>
-              <a:ext uri="{FF2B5EF4-FFF2-40B4-BE49-F238E27FC236}">
-                <a16:creationId xmlns:a16="http://schemas.microsoft.com/office/drawing/2014/main" id="{C7CB65AF-9BFE-35F1-865E-5107DF268E0B}"/>
-              </a:ext>
-            </a:extLst>
-          </p:cNvPr>
+          <p:cNvPr id="6" name="Slide Number Placeholder 5"/>
           <p:cNvSpPr>
             <a:spLocks noGrp="1"/>
           </p:cNvSpPr>
@@ -1219,7 +1430,7 @@
     </p:spTree>
     <p:extLst>
       <p:ext uri="{BB962C8B-B14F-4D97-AF65-F5344CB8AC3E}">
-        <p14:creationId xmlns:p14="http://schemas.microsoft.com/office/powerpoint/2010/main" val="503828811"/>
+        <p14:creationId xmlns:p14="http://schemas.microsoft.com/office/powerpoint/2010/main" val="1856493325"/>
       </p:ext>
     </p:extLst>
   </p:cSld>
@@ -1248,13 +1459,7 @@
       </p:grpSpPr>
       <p:sp>
         <p:nvSpPr>
-          <p:cNvPr id="2" name="Заголовок 1">
-            <a:extLst>
-              <a:ext uri="{FF2B5EF4-FFF2-40B4-BE49-F238E27FC236}">
-                <a16:creationId xmlns:a16="http://schemas.microsoft.com/office/drawing/2014/main" id="{994A1C4A-2276-E152-CAC3-99800DBEF8B4}"/>
-              </a:ext>
-            </a:extLst>
-          </p:cNvPr>
+          <p:cNvPr id="2" name="Title 1"/>
           <p:cNvSpPr>
             <a:spLocks noGrp="1"/>
           </p:cNvSpPr>
@@ -1271,18 +1476,13 @@
               <a:rPr lang="ru-RU"/>
               <a:t>Образец заголовка</a:t>
             </a:r>
-          </a:p>
-        </p:txBody>
-      </p:sp>
-      <p:sp>
-        <p:nvSpPr>
-          <p:cNvPr id="3" name="Объект 2">
-            <a:extLst>
-              <a:ext uri="{FF2B5EF4-FFF2-40B4-BE49-F238E27FC236}">
-                <a16:creationId xmlns:a16="http://schemas.microsoft.com/office/drawing/2014/main" id="{B4E92CED-AB86-E353-D85A-F6EDAA21DA06}"/>
-              </a:ext>
-            </a:extLst>
-          </p:cNvPr>
+            <a:endParaRPr lang="en-US" dirty="0"/>
+          </a:p>
+        </p:txBody>
+      </p:sp>
+      <p:sp>
+        <p:nvSpPr>
+          <p:cNvPr id="3" name="Content Placeholder 2"/>
           <p:cNvSpPr>
             <a:spLocks noGrp="1"/>
           </p:cNvSpPr>
@@ -1292,8 +1492,8 @@
         </p:nvSpPr>
         <p:spPr>
           <a:xfrm>
-            <a:off x="838200" y="1825625"/>
-            <a:ext cx="5181600" cy="4351338"/>
+            <a:off x="628650" y="1825625"/>
+            <a:ext cx="3886200" cy="4351338"/>
           </a:xfrm>
         </p:spPr>
         <p:txBody>
@@ -1333,18 +1533,13 @@
               <a:rPr lang="ru-RU"/>
               <a:t>Пятый уровень</a:t>
             </a:r>
-          </a:p>
-        </p:txBody>
-      </p:sp>
-      <p:sp>
-        <p:nvSpPr>
-          <p:cNvPr id="4" name="Объект 3">
-            <a:extLst>
-              <a:ext uri="{FF2B5EF4-FFF2-40B4-BE49-F238E27FC236}">
-                <a16:creationId xmlns:a16="http://schemas.microsoft.com/office/drawing/2014/main" id="{FC5D11C1-51AF-B0ED-BA5C-FB18F699B0D4}"/>
-              </a:ext>
-            </a:extLst>
-          </p:cNvPr>
+            <a:endParaRPr lang="en-US" dirty="0"/>
+          </a:p>
+        </p:txBody>
+      </p:sp>
+      <p:sp>
+        <p:nvSpPr>
+          <p:cNvPr id="4" name="Content Placeholder 3"/>
           <p:cNvSpPr>
             <a:spLocks noGrp="1"/>
           </p:cNvSpPr>
@@ -1354,8 +1549,8 @@
         </p:nvSpPr>
         <p:spPr>
           <a:xfrm>
-            <a:off x="6172200" y="1825625"/>
-            <a:ext cx="5181600" cy="4351338"/>
+            <a:off x="4629150" y="1825625"/>
+            <a:ext cx="3886200" cy="4351338"/>
           </a:xfrm>
         </p:spPr>
         <p:txBody>
@@ -1395,18 +1590,13 @@
               <a:rPr lang="ru-RU"/>
               <a:t>Пятый уровень</a:t>
             </a:r>
-          </a:p>
-        </p:txBody>
-      </p:sp>
-      <p:sp>
-        <p:nvSpPr>
-          <p:cNvPr id="5" name="Дата 4">
-            <a:extLst>
-              <a:ext uri="{FF2B5EF4-FFF2-40B4-BE49-F238E27FC236}">
-                <a16:creationId xmlns:a16="http://schemas.microsoft.com/office/drawing/2014/main" id="{839FFB56-ACC7-5D50-1525-1F2BC35BA104}"/>
-              </a:ext>
-            </a:extLst>
-          </p:cNvPr>
+            <a:endParaRPr lang="en-US" dirty="0"/>
+          </a:p>
+        </p:txBody>
+      </p:sp>
+      <p:sp>
+        <p:nvSpPr>
+          <p:cNvPr id="5" name="Date Placeholder 4"/>
           <p:cNvSpPr>
             <a:spLocks noGrp="1"/>
           </p:cNvSpPr>
@@ -1421,7 +1611,7 @@
           <a:p>
             <a:fld id="{7E88C1EE-FCA6-406D-BA06-BACF41E080F7}" type="datetimeFigureOut">
               <a:rPr lang="ru-RU" smtClean="0"/>
-              <a:t>04.06.2025</a:t>
+              <a:t>13.06.2025</a:t>
             </a:fld>
             <a:endParaRPr lang="ru-RU"/>
           </a:p>
@@ -1429,13 +1619,7 @@
       </p:sp>
       <p:sp>
         <p:nvSpPr>
-          <p:cNvPr id="6" name="Нижний колонтитул 5">
-            <a:extLst>
-              <a:ext uri="{FF2B5EF4-FFF2-40B4-BE49-F238E27FC236}">
-                <a16:creationId xmlns:a16="http://schemas.microsoft.com/office/drawing/2014/main" id="{78125362-FF10-1EBA-151F-611A6DB45241}"/>
-              </a:ext>
-            </a:extLst>
-          </p:cNvPr>
+          <p:cNvPr id="6" name="Footer Placeholder 5"/>
           <p:cNvSpPr>
             <a:spLocks noGrp="1"/>
           </p:cNvSpPr>
@@ -1454,13 +1638,7 @@
       </p:sp>
       <p:sp>
         <p:nvSpPr>
-          <p:cNvPr id="7" name="Номер слайда 6">
-            <a:extLst>
-              <a:ext uri="{FF2B5EF4-FFF2-40B4-BE49-F238E27FC236}">
-                <a16:creationId xmlns:a16="http://schemas.microsoft.com/office/drawing/2014/main" id="{68297701-4D34-BD7D-CF65-4EFB5EB3C08B}"/>
-              </a:ext>
-            </a:extLst>
-          </p:cNvPr>
+          <p:cNvPr id="7" name="Slide Number Placeholder 6"/>
           <p:cNvSpPr>
             <a:spLocks noGrp="1"/>
           </p:cNvSpPr>
@@ -1484,7 +1662,7 @@
     </p:spTree>
     <p:extLst>
       <p:ext uri="{BB962C8B-B14F-4D97-AF65-F5344CB8AC3E}">
-        <p14:creationId xmlns:p14="http://schemas.microsoft.com/office/powerpoint/2010/main" val="2075411971"/>
+        <p14:creationId xmlns:p14="http://schemas.microsoft.com/office/powerpoint/2010/main" val="3980209245"/>
       </p:ext>
     </p:extLst>
   </p:cSld>
@@ -1513,13 +1691,7 @@
       </p:grpSpPr>
       <p:sp>
         <p:nvSpPr>
-          <p:cNvPr id="2" name="Заголовок 1">
-            <a:extLst>
-              <a:ext uri="{FF2B5EF4-FFF2-40B4-BE49-F238E27FC236}">
-                <a16:creationId xmlns:a16="http://schemas.microsoft.com/office/drawing/2014/main" id="{3B8FAD45-8F8F-09BF-10AC-2D84968B4CAE}"/>
-              </a:ext>
-            </a:extLst>
-          </p:cNvPr>
+          <p:cNvPr id="2" name="Title 1"/>
           <p:cNvSpPr>
             <a:spLocks noGrp="1"/>
           </p:cNvSpPr>
@@ -1529,8 +1701,8 @@
         </p:nvSpPr>
         <p:spPr>
           <a:xfrm>
-            <a:off x="839788" y="365125"/>
-            <a:ext cx="10515600" cy="1325563"/>
+            <a:off x="629841" y="365126"/>
+            <a:ext cx="7886700" cy="1325563"/>
           </a:xfrm>
         </p:spPr>
         <p:txBody>
@@ -1541,18 +1713,13 @@
               <a:rPr lang="ru-RU"/>
               <a:t>Образец заголовка</a:t>
             </a:r>
-          </a:p>
-        </p:txBody>
-      </p:sp>
-      <p:sp>
-        <p:nvSpPr>
-          <p:cNvPr id="3" name="Текст 2">
-            <a:extLst>
-              <a:ext uri="{FF2B5EF4-FFF2-40B4-BE49-F238E27FC236}">
-                <a16:creationId xmlns:a16="http://schemas.microsoft.com/office/drawing/2014/main" id="{CCCFB248-D624-22F0-43C7-E39CA0CD4862}"/>
-              </a:ext>
-            </a:extLst>
-          </p:cNvPr>
+            <a:endParaRPr lang="en-US" dirty="0"/>
+          </a:p>
+        </p:txBody>
+      </p:sp>
+      <p:sp>
+        <p:nvSpPr>
+          <p:cNvPr id="3" name="Text Placeholder 2"/>
           <p:cNvSpPr>
             <a:spLocks noGrp="1"/>
           </p:cNvSpPr>
@@ -1562,8 +1729,8 @@
         </p:nvSpPr>
         <p:spPr>
           <a:xfrm>
-            <a:off x="839788" y="1681163"/>
-            <a:ext cx="5157787" cy="823912"/>
+            <a:off x="629842" y="1681163"/>
+            <a:ext cx="3868340" cy="823912"/>
           </a:xfrm>
         </p:spPr>
         <p:txBody>
@@ -1617,13 +1784,7 @@
       </p:sp>
       <p:sp>
         <p:nvSpPr>
-          <p:cNvPr id="4" name="Объект 3">
-            <a:extLst>
-              <a:ext uri="{FF2B5EF4-FFF2-40B4-BE49-F238E27FC236}">
-                <a16:creationId xmlns:a16="http://schemas.microsoft.com/office/drawing/2014/main" id="{E308E29D-5F6F-11FD-0A2C-E5B1E7D8324C}"/>
-              </a:ext>
-            </a:extLst>
-          </p:cNvPr>
+          <p:cNvPr id="4" name="Content Placeholder 3"/>
           <p:cNvSpPr>
             <a:spLocks noGrp="1"/>
           </p:cNvSpPr>
@@ -1633,8 +1794,8 @@
         </p:nvSpPr>
         <p:spPr>
           <a:xfrm>
-            <a:off x="839788" y="2505075"/>
-            <a:ext cx="5157787" cy="3684588"/>
+            <a:off x="629842" y="2505075"/>
+            <a:ext cx="3868340" cy="3684588"/>
           </a:xfrm>
         </p:spPr>
         <p:txBody>
@@ -1674,18 +1835,13 @@
               <a:rPr lang="ru-RU"/>
               <a:t>Пятый уровень</a:t>
             </a:r>
-          </a:p>
-        </p:txBody>
-      </p:sp>
-      <p:sp>
-        <p:nvSpPr>
-          <p:cNvPr id="5" name="Текст 4">
-            <a:extLst>
-              <a:ext uri="{FF2B5EF4-FFF2-40B4-BE49-F238E27FC236}">
-                <a16:creationId xmlns:a16="http://schemas.microsoft.com/office/drawing/2014/main" id="{0C970BBB-2E15-0978-04F2-38548F96AAD5}"/>
-              </a:ext>
-            </a:extLst>
-          </p:cNvPr>
+            <a:endParaRPr lang="en-US" dirty="0"/>
+          </a:p>
+        </p:txBody>
+      </p:sp>
+      <p:sp>
+        <p:nvSpPr>
+          <p:cNvPr id="5" name="Text Placeholder 4"/>
           <p:cNvSpPr>
             <a:spLocks noGrp="1"/>
           </p:cNvSpPr>
@@ -1695,8 +1851,8 @@
         </p:nvSpPr>
         <p:spPr>
           <a:xfrm>
-            <a:off x="6172200" y="1681163"/>
-            <a:ext cx="5183188" cy="823912"/>
+            <a:off x="4629150" y="1681163"/>
+            <a:ext cx="3887391" cy="823912"/>
           </a:xfrm>
         </p:spPr>
         <p:txBody>
@@ -1750,13 +1906,7 @@
       </p:sp>
       <p:sp>
         <p:nvSpPr>
-          <p:cNvPr id="6" name="Объект 5">
-            <a:extLst>
-              <a:ext uri="{FF2B5EF4-FFF2-40B4-BE49-F238E27FC236}">
-                <a16:creationId xmlns:a16="http://schemas.microsoft.com/office/drawing/2014/main" id="{3AED7083-DC48-9ECB-4038-68B1F0C04B85}"/>
-              </a:ext>
-            </a:extLst>
-          </p:cNvPr>
+          <p:cNvPr id="6" name="Content Placeholder 5"/>
           <p:cNvSpPr>
             <a:spLocks noGrp="1"/>
           </p:cNvSpPr>
@@ -1766,8 +1916,8 @@
         </p:nvSpPr>
         <p:spPr>
           <a:xfrm>
-            <a:off x="6172200" y="2505075"/>
-            <a:ext cx="5183188" cy="3684588"/>
+            <a:off x="4629150" y="2505075"/>
+            <a:ext cx="3887391" cy="3684588"/>
           </a:xfrm>
         </p:spPr>
         <p:txBody>
@@ -1807,18 +1957,13 @@
               <a:rPr lang="ru-RU"/>
               <a:t>Пятый уровень</a:t>
             </a:r>
-          </a:p>
-        </p:txBody>
-      </p:sp>
-      <p:sp>
-        <p:nvSpPr>
-          <p:cNvPr id="7" name="Дата 6">
-            <a:extLst>
-              <a:ext uri="{FF2B5EF4-FFF2-40B4-BE49-F238E27FC236}">
-                <a16:creationId xmlns:a16="http://schemas.microsoft.com/office/drawing/2014/main" id="{B805459A-C15B-DB79-A46C-52337B97C31F}"/>
-              </a:ext>
-            </a:extLst>
-          </p:cNvPr>
+            <a:endParaRPr lang="en-US" dirty="0"/>
+          </a:p>
+        </p:txBody>
+      </p:sp>
+      <p:sp>
+        <p:nvSpPr>
+          <p:cNvPr id="7" name="Date Placeholder 6"/>
           <p:cNvSpPr>
             <a:spLocks noGrp="1"/>
           </p:cNvSpPr>
@@ -1833,7 +1978,7 @@
           <a:p>
             <a:fld id="{7E88C1EE-FCA6-406D-BA06-BACF41E080F7}" type="datetimeFigureOut">
               <a:rPr lang="ru-RU" smtClean="0"/>
-              <a:t>04.06.2025</a:t>
+              <a:t>13.06.2025</a:t>
             </a:fld>
             <a:endParaRPr lang="ru-RU"/>
           </a:p>
@@ -1841,13 +1986,7 @@
       </p:sp>
       <p:sp>
         <p:nvSpPr>
-          <p:cNvPr id="8" name="Нижний колонтитул 7">
-            <a:extLst>
-              <a:ext uri="{FF2B5EF4-FFF2-40B4-BE49-F238E27FC236}">
-                <a16:creationId xmlns:a16="http://schemas.microsoft.com/office/drawing/2014/main" id="{40B66B83-E92F-49C6-612C-8F43B31176C6}"/>
-              </a:ext>
-            </a:extLst>
-          </p:cNvPr>
+          <p:cNvPr id="8" name="Footer Placeholder 7"/>
           <p:cNvSpPr>
             <a:spLocks noGrp="1"/>
           </p:cNvSpPr>
@@ -1866,13 +2005,7 @@
       </p:sp>
       <p:sp>
         <p:nvSpPr>
-          <p:cNvPr id="9" name="Номер слайда 8">
-            <a:extLst>
-              <a:ext uri="{FF2B5EF4-FFF2-40B4-BE49-F238E27FC236}">
-                <a16:creationId xmlns:a16="http://schemas.microsoft.com/office/drawing/2014/main" id="{B6CB94F5-FCFE-78CD-4B73-D8D1E1CF3D24}"/>
-              </a:ext>
-            </a:extLst>
-          </p:cNvPr>
+          <p:cNvPr id="9" name="Slide Number Placeholder 8"/>
           <p:cNvSpPr>
             <a:spLocks noGrp="1"/>
           </p:cNvSpPr>
@@ -1896,7 +2029,7 @@
     </p:spTree>
     <p:extLst>
       <p:ext uri="{BB962C8B-B14F-4D97-AF65-F5344CB8AC3E}">
-        <p14:creationId xmlns:p14="http://schemas.microsoft.com/office/powerpoint/2010/main" val="3151304799"/>
+        <p14:creationId xmlns:p14="http://schemas.microsoft.com/office/powerpoint/2010/main" val="3925555773"/>
       </p:ext>
     </p:extLst>
   </p:cSld>
@@ -1925,13 +2058,7 @@
       </p:grpSpPr>
       <p:sp>
         <p:nvSpPr>
-          <p:cNvPr id="2" name="Заголовок 1">
-            <a:extLst>
-              <a:ext uri="{FF2B5EF4-FFF2-40B4-BE49-F238E27FC236}">
-                <a16:creationId xmlns:a16="http://schemas.microsoft.com/office/drawing/2014/main" id="{31C71C99-C62A-EC93-8746-EF176C026F9F}"/>
-              </a:ext>
-            </a:extLst>
-          </p:cNvPr>
+          <p:cNvPr id="2" name="Title 1"/>
           <p:cNvSpPr>
             <a:spLocks noGrp="1"/>
           </p:cNvSpPr>
@@ -1948,18 +2075,13 @@
               <a:rPr lang="ru-RU"/>
               <a:t>Образец заголовка</a:t>
             </a:r>
-          </a:p>
-        </p:txBody>
-      </p:sp>
-      <p:sp>
-        <p:nvSpPr>
-          <p:cNvPr id="3" name="Дата 2">
-            <a:extLst>
-              <a:ext uri="{FF2B5EF4-FFF2-40B4-BE49-F238E27FC236}">
-                <a16:creationId xmlns:a16="http://schemas.microsoft.com/office/drawing/2014/main" id="{F425861C-63A2-3EC7-3B53-D8CC2BD75F26}"/>
-              </a:ext>
-            </a:extLst>
-          </p:cNvPr>
+            <a:endParaRPr lang="en-US" dirty="0"/>
+          </a:p>
+        </p:txBody>
+      </p:sp>
+      <p:sp>
+        <p:nvSpPr>
+          <p:cNvPr id="3" name="Date Placeholder 2"/>
           <p:cNvSpPr>
             <a:spLocks noGrp="1"/>
           </p:cNvSpPr>
@@ -1974,7 +2096,7 @@
           <a:p>
             <a:fld id="{7E88C1EE-FCA6-406D-BA06-BACF41E080F7}" type="datetimeFigureOut">
               <a:rPr lang="ru-RU" smtClean="0"/>
-              <a:t>04.06.2025</a:t>
+              <a:t>13.06.2025</a:t>
             </a:fld>
             <a:endParaRPr lang="ru-RU"/>
           </a:p>
@@ -1982,13 +2104,7 @@
       </p:sp>
       <p:sp>
         <p:nvSpPr>
-          <p:cNvPr id="4" name="Нижний колонтитул 3">
-            <a:extLst>
-              <a:ext uri="{FF2B5EF4-FFF2-40B4-BE49-F238E27FC236}">
-                <a16:creationId xmlns:a16="http://schemas.microsoft.com/office/drawing/2014/main" id="{890E7787-07C2-C596-38D7-F5EAB7E9BC7A}"/>
-              </a:ext>
-            </a:extLst>
-          </p:cNvPr>
+          <p:cNvPr id="4" name="Footer Placeholder 3"/>
           <p:cNvSpPr>
             <a:spLocks noGrp="1"/>
           </p:cNvSpPr>
@@ -2007,13 +2123,7 @@
       </p:sp>
       <p:sp>
         <p:nvSpPr>
-          <p:cNvPr id="5" name="Номер слайда 4">
-            <a:extLst>
-              <a:ext uri="{FF2B5EF4-FFF2-40B4-BE49-F238E27FC236}">
-                <a16:creationId xmlns:a16="http://schemas.microsoft.com/office/drawing/2014/main" id="{80065472-49B8-8AF4-1BEF-4766BBF23082}"/>
-              </a:ext>
-            </a:extLst>
-          </p:cNvPr>
+          <p:cNvPr id="5" name="Slide Number Placeholder 4"/>
           <p:cNvSpPr>
             <a:spLocks noGrp="1"/>
           </p:cNvSpPr>
@@ -2037,7 +2147,7 @@
     </p:spTree>
     <p:extLst>
       <p:ext uri="{BB962C8B-B14F-4D97-AF65-F5344CB8AC3E}">
-        <p14:creationId xmlns:p14="http://schemas.microsoft.com/office/powerpoint/2010/main" val="568941982"/>
+        <p14:creationId xmlns:p14="http://schemas.microsoft.com/office/powerpoint/2010/main" val="876132164"/>
       </p:ext>
     </p:extLst>
   </p:cSld>
@@ -2066,13 +2176,7 @@
       </p:grpSpPr>
       <p:sp>
         <p:nvSpPr>
-          <p:cNvPr id="2" name="Дата 1">
-            <a:extLst>
-              <a:ext uri="{FF2B5EF4-FFF2-40B4-BE49-F238E27FC236}">
-                <a16:creationId xmlns:a16="http://schemas.microsoft.com/office/drawing/2014/main" id="{B27E1E2C-2BDD-9515-CA21-61DD406CCDCD}"/>
-              </a:ext>
-            </a:extLst>
-          </p:cNvPr>
+          <p:cNvPr id="2" name="Date Placeholder 1"/>
           <p:cNvSpPr>
             <a:spLocks noGrp="1"/>
           </p:cNvSpPr>
@@ -2087,7 +2191,7 @@
           <a:p>
             <a:fld id="{7E88C1EE-FCA6-406D-BA06-BACF41E080F7}" type="datetimeFigureOut">
               <a:rPr lang="ru-RU" smtClean="0"/>
-              <a:t>04.06.2025</a:t>
+              <a:t>13.06.2025</a:t>
             </a:fld>
             <a:endParaRPr lang="ru-RU"/>
           </a:p>
@@ -2095,13 +2199,7 @@
       </p:sp>
       <p:sp>
         <p:nvSpPr>
-          <p:cNvPr id="3" name="Нижний колонтитул 2">
-            <a:extLst>
-              <a:ext uri="{FF2B5EF4-FFF2-40B4-BE49-F238E27FC236}">
-                <a16:creationId xmlns:a16="http://schemas.microsoft.com/office/drawing/2014/main" id="{B00A7C4A-4A13-83C4-353C-07323C5F0EFB}"/>
-              </a:ext>
-            </a:extLst>
-          </p:cNvPr>
+          <p:cNvPr id="3" name="Footer Placeholder 2"/>
           <p:cNvSpPr>
             <a:spLocks noGrp="1"/>
           </p:cNvSpPr>
@@ -2120,13 +2218,7 @@
       </p:sp>
       <p:sp>
         <p:nvSpPr>
-          <p:cNvPr id="4" name="Номер слайда 3">
-            <a:extLst>
-              <a:ext uri="{FF2B5EF4-FFF2-40B4-BE49-F238E27FC236}">
-                <a16:creationId xmlns:a16="http://schemas.microsoft.com/office/drawing/2014/main" id="{74E02CDF-1758-3A29-9F6A-EA73D45661B1}"/>
-              </a:ext>
-            </a:extLst>
-          </p:cNvPr>
+          <p:cNvPr id="4" name="Slide Number Placeholder 3"/>
           <p:cNvSpPr>
             <a:spLocks noGrp="1"/>
           </p:cNvSpPr>
@@ -2150,7 +2242,7 @@
     </p:spTree>
     <p:extLst>
       <p:ext uri="{BB962C8B-B14F-4D97-AF65-F5344CB8AC3E}">
-        <p14:creationId xmlns:p14="http://schemas.microsoft.com/office/powerpoint/2010/main" val="64826993"/>
+        <p14:creationId xmlns:p14="http://schemas.microsoft.com/office/powerpoint/2010/main" val="3578820839"/>
       </p:ext>
     </p:extLst>
   </p:cSld>
@@ -2179,13 +2271,7 @@
       </p:grpSpPr>
       <p:sp>
         <p:nvSpPr>
-          <p:cNvPr id="2" name="Заголовок 1">
-            <a:extLst>
-              <a:ext uri="{FF2B5EF4-FFF2-40B4-BE49-F238E27FC236}">
-                <a16:creationId xmlns:a16="http://schemas.microsoft.com/office/drawing/2014/main" id="{C8CFC4A7-F7D5-2DF8-1E69-40CF5FD06758}"/>
-              </a:ext>
-            </a:extLst>
-          </p:cNvPr>
+          <p:cNvPr id="2" name="Title 1"/>
           <p:cNvSpPr>
             <a:spLocks noGrp="1"/>
           </p:cNvSpPr>
@@ -2195,8 +2281,8 @@
         </p:nvSpPr>
         <p:spPr>
           <a:xfrm>
-            <a:off x="839788" y="457200"/>
-            <a:ext cx="3932237" cy="1600200"/>
+            <a:off x="629841" y="457200"/>
+            <a:ext cx="2949178" cy="1600200"/>
           </a:xfrm>
         </p:spPr>
         <p:txBody>
@@ -2211,18 +2297,13 @@
               <a:rPr lang="ru-RU"/>
               <a:t>Образец заголовка</a:t>
             </a:r>
-          </a:p>
-        </p:txBody>
-      </p:sp>
-      <p:sp>
-        <p:nvSpPr>
-          <p:cNvPr id="3" name="Объект 2">
-            <a:extLst>
-              <a:ext uri="{FF2B5EF4-FFF2-40B4-BE49-F238E27FC236}">
-                <a16:creationId xmlns:a16="http://schemas.microsoft.com/office/drawing/2014/main" id="{847D3289-5C90-33AF-2F03-C2B11DF47558}"/>
-              </a:ext>
-            </a:extLst>
-          </p:cNvPr>
+            <a:endParaRPr lang="en-US" dirty="0"/>
+          </a:p>
+        </p:txBody>
+      </p:sp>
+      <p:sp>
+        <p:nvSpPr>
+          <p:cNvPr id="3" name="Content Placeholder 2"/>
           <p:cNvSpPr>
             <a:spLocks noGrp="1"/>
           </p:cNvSpPr>
@@ -2232,8 +2313,8 @@
         </p:nvSpPr>
         <p:spPr>
           <a:xfrm>
-            <a:off x="5183188" y="987425"/>
-            <a:ext cx="6172200" cy="4873625"/>
+            <a:off x="3887391" y="987426"/>
+            <a:ext cx="4629150" cy="4873625"/>
           </a:xfrm>
         </p:spPr>
         <p:txBody>
@@ -2301,18 +2382,13 @@
               <a:rPr lang="ru-RU"/>
               <a:t>Пятый уровень</a:t>
             </a:r>
-          </a:p>
-        </p:txBody>
-      </p:sp>
-      <p:sp>
-        <p:nvSpPr>
-          <p:cNvPr id="4" name="Текст 3">
-            <a:extLst>
-              <a:ext uri="{FF2B5EF4-FFF2-40B4-BE49-F238E27FC236}">
-                <a16:creationId xmlns:a16="http://schemas.microsoft.com/office/drawing/2014/main" id="{FD77E78F-C650-670A-6BC2-397B491F547F}"/>
-              </a:ext>
-            </a:extLst>
-          </p:cNvPr>
+            <a:endParaRPr lang="en-US" dirty="0"/>
+          </a:p>
+        </p:txBody>
+      </p:sp>
+      <p:sp>
+        <p:nvSpPr>
+          <p:cNvPr id="4" name="Text Placeholder 3"/>
           <p:cNvSpPr>
             <a:spLocks noGrp="1"/>
           </p:cNvSpPr>
@@ -2322,8 +2398,8 @@
         </p:nvSpPr>
         <p:spPr>
           <a:xfrm>
-            <a:off x="839788" y="2057400"/>
-            <a:ext cx="3932237" cy="3811588"/>
+            <a:off x="629841" y="2057400"/>
+            <a:ext cx="2949178" cy="3811588"/>
           </a:xfrm>
         </p:spPr>
         <p:txBody>
@@ -2377,13 +2453,7 @@
       </p:sp>
       <p:sp>
         <p:nvSpPr>
-          <p:cNvPr id="5" name="Дата 4">
-            <a:extLst>
-              <a:ext uri="{FF2B5EF4-FFF2-40B4-BE49-F238E27FC236}">
-                <a16:creationId xmlns:a16="http://schemas.microsoft.com/office/drawing/2014/main" id="{FDC9462E-EA06-8315-1568-74C050A4D458}"/>
-              </a:ext>
-            </a:extLst>
-          </p:cNvPr>
+          <p:cNvPr id="5" name="Date Placeholder 4"/>
           <p:cNvSpPr>
             <a:spLocks noGrp="1"/>
           </p:cNvSpPr>
@@ -2398,7 +2468,7 @@
           <a:p>
             <a:fld id="{7E88C1EE-FCA6-406D-BA06-BACF41E080F7}" type="datetimeFigureOut">
               <a:rPr lang="ru-RU" smtClean="0"/>
-              <a:t>04.06.2025</a:t>
+              <a:t>13.06.2025</a:t>
             </a:fld>
             <a:endParaRPr lang="ru-RU"/>
           </a:p>
@@ -2406,13 +2476,7 @@
       </p:sp>
       <p:sp>
         <p:nvSpPr>
-          <p:cNvPr id="6" name="Нижний колонтитул 5">
-            <a:extLst>
-              <a:ext uri="{FF2B5EF4-FFF2-40B4-BE49-F238E27FC236}">
-                <a16:creationId xmlns:a16="http://schemas.microsoft.com/office/drawing/2014/main" id="{1BC62A7C-BF84-A3EF-4AAE-0655D17EFA82}"/>
-              </a:ext>
-            </a:extLst>
-          </p:cNvPr>
+          <p:cNvPr id="6" name="Footer Placeholder 5"/>
           <p:cNvSpPr>
             <a:spLocks noGrp="1"/>
           </p:cNvSpPr>
@@ -2431,13 +2495,7 @@
       </p:sp>
       <p:sp>
         <p:nvSpPr>
-          <p:cNvPr id="7" name="Номер слайда 6">
-            <a:extLst>
-              <a:ext uri="{FF2B5EF4-FFF2-40B4-BE49-F238E27FC236}">
-                <a16:creationId xmlns:a16="http://schemas.microsoft.com/office/drawing/2014/main" id="{4B81A520-105E-FF2C-FA66-100F7345AF6E}"/>
-              </a:ext>
-            </a:extLst>
-          </p:cNvPr>
+          <p:cNvPr id="7" name="Slide Number Placeholder 6"/>
           <p:cNvSpPr>
             <a:spLocks noGrp="1"/>
           </p:cNvSpPr>
@@ -2461,7 +2519,7 @@
     </p:spTree>
     <p:extLst>
       <p:ext uri="{BB962C8B-B14F-4D97-AF65-F5344CB8AC3E}">
-        <p14:creationId xmlns:p14="http://schemas.microsoft.com/office/powerpoint/2010/main" val="2731283668"/>
+        <p14:creationId xmlns:p14="http://schemas.microsoft.com/office/powerpoint/2010/main" val="570319928"/>
       </p:ext>
     </p:extLst>
   </p:cSld>
@@ -2490,13 +2548,7 @@
       </p:grpSpPr>
       <p:sp>
         <p:nvSpPr>
-          <p:cNvPr id="2" name="Заголовок 1">
-            <a:extLst>
-              <a:ext uri="{FF2B5EF4-FFF2-40B4-BE49-F238E27FC236}">
-                <a16:creationId xmlns:a16="http://schemas.microsoft.com/office/drawing/2014/main" id="{AB835A2C-4A65-4DE3-CA11-D43EE5AD635C}"/>
-              </a:ext>
-            </a:extLst>
-          </p:cNvPr>
+          <p:cNvPr id="2" name="Title 1"/>
           <p:cNvSpPr>
             <a:spLocks noGrp="1"/>
           </p:cNvSpPr>
@@ -2506,8 +2558,8 @@
         </p:nvSpPr>
         <p:spPr>
           <a:xfrm>
-            <a:off x="839788" y="457200"/>
-            <a:ext cx="3932237" cy="1600200"/>
+            <a:off x="629841" y="457200"/>
+            <a:ext cx="2949178" cy="1600200"/>
           </a:xfrm>
         </p:spPr>
         <p:txBody>
@@ -2522,20 +2574,15 @@
               <a:rPr lang="ru-RU"/>
               <a:t>Образец заголовка</a:t>
             </a:r>
-          </a:p>
-        </p:txBody>
-      </p:sp>
-      <p:sp>
-        <p:nvSpPr>
-          <p:cNvPr id="3" name="Рисунок 2">
-            <a:extLst>
-              <a:ext uri="{FF2B5EF4-FFF2-40B4-BE49-F238E27FC236}">
-                <a16:creationId xmlns:a16="http://schemas.microsoft.com/office/drawing/2014/main" id="{40E1712F-938C-43C9-66A7-1021F29C8F61}"/>
-              </a:ext>
-            </a:extLst>
-          </p:cNvPr>
-          <p:cNvSpPr>
-            <a:spLocks noGrp="1"/>
+            <a:endParaRPr lang="en-US" dirty="0"/>
+          </a:p>
+        </p:txBody>
+      </p:sp>
+      <p:sp>
+        <p:nvSpPr>
+          <p:cNvPr id="3" name="Picture Placeholder 2"/>
+          <p:cNvSpPr>
+            <a:spLocks noGrp="1" noChangeAspect="1"/>
           </p:cNvSpPr>
           <p:nvPr>
             <p:ph type="pic" idx="1"/>
@@ -2543,8 +2590,73 @@
         </p:nvSpPr>
         <p:spPr>
           <a:xfrm>
-            <a:off x="5183188" y="987425"/>
-            <a:ext cx="6172200" cy="4873625"/>
+            <a:off x="3887391" y="987426"/>
+            <a:ext cx="4629150" cy="4873625"/>
+          </a:xfrm>
+        </p:spPr>
+        <p:txBody>
+          <a:bodyPr anchor="t"/>
+          <a:lstStyle>
+            <a:lvl1pPr marL="0" indent="0">
+              <a:buNone/>
+              <a:defRPr sz="3200"/>
+            </a:lvl1pPr>
+            <a:lvl2pPr marL="457200" indent="0">
+              <a:buNone/>
+              <a:defRPr sz="2800"/>
+            </a:lvl2pPr>
+            <a:lvl3pPr marL="914400" indent="0">
+              <a:buNone/>
+              <a:defRPr sz="2400"/>
+            </a:lvl3pPr>
+            <a:lvl4pPr marL="1371600" indent="0">
+              <a:buNone/>
+              <a:defRPr sz="2000"/>
+            </a:lvl4pPr>
+            <a:lvl5pPr marL="1828800" indent="0">
+              <a:buNone/>
+              <a:defRPr sz="2000"/>
+            </a:lvl5pPr>
+            <a:lvl6pPr marL="2286000" indent="0">
+              <a:buNone/>
+              <a:defRPr sz="2000"/>
+            </a:lvl6pPr>
+            <a:lvl7pPr marL="2743200" indent="0">
+              <a:buNone/>
+              <a:defRPr sz="2000"/>
+            </a:lvl7pPr>
+            <a:lvl8pPr marL="3200400" indent="0">
+              <a:buNone/>
+              <a:defRPr sz="2000"/>
+            </a:lvl8pPr>
+            <a:lvl9pPr marL="3657600" indent="0">
+              <a:buNone/>
+              <a:defRPr sz="2000"/>
+            </a:lvl9pPr>
+          </a:lstStyle>
+          <a:p>
+            <a:r>
+              <a:rPr lang="ru-RU"/>
+              <a:t>Вставка рисунка</a:t>
+            </a:r>
+            <a:endParaRPr lang="en-US" dirty="0"/>
+          </a:p>
+        </p:txBody>
+      </p:sp>
+      <p:sp>
+        <p:nvSpPr>
+          <p:cNvPr id="4" name="Text Placeholder 3"/>
+          <p:cNvSpPr>
+            <a:spLocks noGrp="1"/>
+          </p:cNvSpPr>
+          <p:nvPr>
+            <p:ph type="body" sz="half" idx="2"/>
+          </p:nvPr>
+        </p:nvSpPr>
+        <p:spPr>
+          <a:xfrm>
+            <a:off x="629841" y="2057400"/>
+            <a:ext cx="2949178" cy="3811588"/>
           </a:xfrm>
         </p:spPr>
         <p:txBody>
@@ -2552,73 +2664,6 @@
           <a:lstStyle>
             <a:lvl1pPr marL="0" indent="0">
               <a:buNone/>
-              <a:defRPr sz="3200"/>
-            </a:lvl1pPr>
-            <a:lvl2pPr marL="457200" indent="0">
-              <a:buNone/>
-              <a:defRPr sz="2800"/>
-            </a:lvl2pPr>
-            <a:lvl3pPr marL="914400" indent="0">
-              <a:buNone/>
-              <a:defRPr sz="2400"/>
-            </a:lvl3pPr>
-            <a:lvl4pPr marL="1371600" indent="0">
-              <a:buNone/>
-              <a:defRPr sz="2000"/>
-            </a:lvl4pPr>
-            <a:lvl5pPr marL="1828800" indent="0">
-              <a:buNone/>
-              <a:defRPr sz="2000"/>
-            </a:lvl5pPr>
-            <a:lvl6pPr marL="2286000" indent="0">
-              <a:buNone/>
-              <a:defRPr sz="2000"/>
-            </a:lvl6pPr>
-            <a:lvl7pPr marL="2743200" indent="0">
-              <a:buNone/>
-              <a:defRPr sz="2000"/>
-            </a:lvl7pPr>
-            <a:lvl8pPr marL="3200400" indent="0">
-              <a:buNone/>
-              <a:defRPr sz="2000"/>
-            </a:lvl8pPr>
-            <a:lvl9pPr marL="3657600" indent="0">
-              <a:buNone/>
-              <a:defRPr sz="2000"/>
-            </a:lvl9pPr>
-          </a:lstStyle>
-          <a:p>
-            <a:endParaRPr lang="ru-RU"/>
-          </a:p>
-        </p:txBody>
-      </p:sp>
-      <p:sp>
-        <p:nvSpPr>
-          <p:cNvPr id="4" name="Текст 3">
-            <a:extLst>
-              <a:ext uri="{FF2B5EF4-FFF2-40B4-BE49-F238E27FC236}">
-                <a16:creationId xmlns:a16="http://schemas.microsoft.com/office/drawing/2014/main" id="{F2640CDD-DB6F-FFDC-B5CC-003F3D1367E2}"/>
-              </a:ext>
-            </a:extLst>
-          </p:cNvPr>
-          <p:cNvSpPr>
-            <a:spLocks noGrp="1"/>
-          </p:cNvSpPr>
-          <p:nvPr>
-            <p:ph type="body" sz="half" idx="2"/>
-          </p:nvPr>
-        </p:nvSpPr>
-        <p:spPr>
-          <a:xfrm>
-            <a:off x="839788" y="2057400"/>
-            <a:ext cx="3932237" cy="3811588"/>
-          </a:xfrm>
-        </p:spPr>
-        <p:txBody>
-          <a:bodyPr/>
-          <a:lstStyle>
-            <a:lvl1pPr marL="0" indent="0">
-              <a:buNone/>
               <a:defRPr sz="1600"/>
             </a:lvl1pPr>
             <a:lvl2pPr marL="457200" indent="0">
@@ -2665,13 +2710,7 @@
       </p:sp>
       <p:sp>
         <p:nvSpPr>
-          <p:cNvPr id="5" name="Дата 4">
-            <a:extLst>
-              <a:ext uri="{FF2B5EF4-FFF2-40B4-BE49-F238E27FC236}">
-                <a16:creationId xmlns:a16="http://schemas.microsoft.com/office/drawing/2014/main" id="{92CACB93-4751-5064-23EB-AA6C44750084}"/>
-              </a:ext>
-            </a:extLst>
-          </p:cNvPr>
+          <p:cNvPr id="5" name="Date Placeholder 4"/>
           <p:cNvSpPr>
             <a:spLocks noGrp="1"/>
           </p:cNvSpPr>
@@ -2686,7 +2725,7 @@
           <a:p>
             <a:fld id="{7E88C1EE-FCA6-406D-BA06-BACF41E080F7}" type="datetimeFigureOut">
               <a:rPr lang="ru-RU" smtClean="0"/>
-              <a:t>04.06.2025</a:t>
+              <a:t>13.06.2025</a:t>
             </a:fld>
             <a:endParaRPr lang="ru-RU"/>
           </a:p>
@@ -2694,13 +2733,7 @@
       </p:sp>
       <p:sp>
         <p:nvSpPr>
-          <p:cNvPr id="6" name="Нижний колонтитул 5">
-            <a:extLst>
-              <a:ext uri="{FF2B5EF4-FFF2-40B4-BE49-F238E27FC236}">
-                <a16:creationId xmlns:a16="http://schemas.microsoft.com/office/drawing/2014/main" id="{7E2DA631-C7A5-2D02-93F8-52806EDC02ED}"/>
-              </a:ext>
-            </a:extLst>
-          </p:cNvPr>
+          <p:cNvPr id="6" name="Footer Placeholder 5"/>
           <p:cNvSpPr>
             <a:spLocks noGrp="1"/>
           </p:cNvSpPr>
@@ -2719,13 +2752,7 @@
       </p:sp>
       <p:sp>
         <p:nvSpPr>
-          <p:cNvPr id="7" name="Номер слайда 6">
-            <a:extLst>
-              <a:ext uri="{FF2B5EF4-FFF2-40B4-BE49-F238E27FC236}">
-                <a16:creationId xmlns:a16="http://schemas.microsoft.com/office/drawing/2014/main" id="{07A3BDE7-51A2-C02B-6EDA-1DAA5BD1D686}"/>
-              </a:ext>
-            </a:extLst>
-          </p:cNvPr>
+          <p:cNvPr id="7" name="Slide Number Placeholder 6"/>
           <p:cNvSpPr>
             <a:spLocks noGrp="1"/>
           </p:cNvSpPr>
@@ -2749,7 +2776,7 @@
     </p:spTree>
     <p:extLst>
       <p:ext uri="{BB962C8B-B14F-4D97-AF65-F5344CB8AC3E}">
-        <p14:creationId xmlns:p14="http://schemas.microsoft.com/office/powerpoint/2010/main" val="2745510954"/>
+        <p14:creationId xmlns:p14="http://schemas.microsoft.com/office/powerpoint/2010/main" val="221786720"/>
       </p:ext>
     </p:extLst>
   </p:cSld>
@@ -2783,13 +2810,7 @@
       </p:grpSpPr>
       <p:sp>
         <p:nvSpPr>
-          <p:cNvPr id="2" name="Заголовок 1">
-            <a:extLst>
-              <a:ext uri="{FF2B5EF4-FFF2-40B4-BE49-F238E27FC236}">
-                <a16:creationId xmlns:a16="http://schemas.microsoft.com/office/drawing/2014/main" id="{FD6C5B8F-AE9D-5959-41C3-1EA53FC1D6AE}"/>
-              </a:ext>
-            </a:extLst>
-          </p:cNvPr>
+          <p:cNvPr id="2" name="Title Placeholder 1"/>
           <p:cNvSpPr>
             <a:spLocks noGrp="1"/>
           </p:cNvSpPr>
@@ -2799,8 +2820,8 @@
         </p:nvSpPr>
         <p:spPr>
           <a:xfrm>
-            <a:off x="838200" y="365125"/>
-            <a:ext cx="10515600" cy="1325563"/>
+            <a:off x="628650" y="365126"/>
+            <a:ext cx="7886700" cy="1325563"/>
           </a:xfrm>
           <a:prstGeom prst="rect">
             <a:avLst/>
@@ -2816,18 +2837,13 @@
               <a:rPr lang="ru-RU"/>
               <a:t>Образец заголовка</a:t>
             </a:r>
-          </a:p>
-        </p:txBody>
-      </p:sp>
-      <p:sp>
-        <p:nvSpPr>
-          <p:cNvPr id="3" name="Текст 2">
-            <a:extLst>
-              <a:ext uri="{FF2B5EF4-FFF2-40B4-BE49-F238E27FC236}">
-                <a16:creationId xmlns:a16="http://schemas.microsoft.com/office/drawing/2014/main" id="{73998B2B-62C4-923D-EA38-DACBDFF146E1}"/>
-              </a:ext>
-            </a:extLst>
-          </p:cNvPr>
+            <a:endParaRPr lang="en-US" dirty="0"/>
+          </a:p>
+        </p:txBody>
+      </p:sp>
+      <p:sp>
+        <p:nvSpPr>
+          <p:cNvPr id="3" name="Text Placeholder 2"/>
           <p:cNvSpPr>
             <a:spLocks noGrp="1"/>
           </p:cNvSpPr>
@@ -2837,8 +2853,8 @@
         </p:nvSpPr>
         <p:spPr>
           <a:xfrm>
-            <a:off x="838200" y="1825625"/>
-            <a:ext cx="10515600" cy="4351338"/>
+            <a:off x="628650" y="1825625"/>
+            <a:ext cx="7886700" cy="4351338"/>
           </a:xfrm>
           <a:prstGeom prst="rect">
             <a:avLst/>
@@ -2883,18 +2899,13 @@
               <a:rPr lang="ru-RU"/>
               <a:t>Пятый уровень</a:t>
             </a:r>
-          </a:p>
-        </p:txBody>
-      </p:sp>
-      <p:sp>
-        <p:nvSpPr>
-          <p:cNvPr id="4" name="Дата 3">
-            <a:extLst>
-              <a:ext uri="{FF2B5EF4-FFF2-40B4-BE49-F238E27FC236}">
-                <a16:creationId xmlns:a16="http://schemas.microsoft.com/office/drawing/2014/main" id="{06244B60-3FD3-2319-D2F1-99CE1E96CCC4}"/>
-              </a:ext>
-            </a:extLst>
-          </p:cNvPr>
+            <a:endParaRPr lang="en-US" dirty="0"/>
+          </a:p>
+        </p:txBody>
+      </p:sp>
+      <p:sp>
+        <p:nvSpPr>
+          <p:cNvPr id="4" name="Date Placeholder 3"/>
           <p:cNvSpPr>
             <a:spLocks noGrp="1"/>
           </p:cNvSpPr>
@@ -2904,8 +2915,8 @@
         </p:nvSpPr>
         <p:spPr>
           <a:xfrm>
-            <a:off x="838200" y="6356350"/>
-            <a:ext cx="2743200" cy="365125"/>
+            <a:off x="628650" y="6356351"/>
+            <a:ext cx="2057400" cy="365125"/>
           </a:xfrm>
           <a:prstGeom prst="rect">
             <a:avLst/>
@@ -2927,7 +2938,7 @@
           <a:p>
             <a:fld id="{7E88C1EE-FCA6-406D-BA06-BACF41E080F7}" type="datetimeFigureOut">
               <a:rPr lang="ru-RU" smtClean="0"/>
-              <a:t>04.06.2025</a:t>
+              <a:t>13.06.2025</a:t>
             </a:fld>
             <a:endParaRPr lang="ru-RU"/>
           </a:p>
@@ -2935,13 +2946,7 @@
       </p:sp>
       <p:sp>
         <p:nvSpPr>
-          <p:cNvPr id="5" name="Нижний колонтитул 4">
-            <a:extLst>
-              <a:ext uri="{FF2B5EF4-FFF2-40B4-BE49-F238E27FC236}">
-                <a16:creationId xmlns:a16="http://schemas.microsoft.com/office/drawing/2014/main" id="{C537412D-7BB6-FC32-FFF7-A987DFBBEFC8}"/>
-              </a:ext>
-            </a:extLst>
-          </p:cNvPr>
+          <p:cNvPr id="5" name="Footer Placeholder 4"/>
           <p:cNvSpPr>
             <a:spLocks noGrp="1"/>
           </p:cNvSpPr>
@@ -2951,8 +2956,8 @@
         </p:nvSpPr>
         <p:spPr>
           <a:xfrm>
-            <a:off x="4038600" y="6356350"/>
-            <a:ext cx="4114800" cy="365125"/>
+            <a:off x="3028950" y="6356351"/>
+            <a:ext cx="3086100" cy="365125"/>
           </a:xfrm>
           <a:prstGeom prst="rect">
             <a:avLst/>
@@ -2978,13 +2983,7 @@
       </p:sp>
       <p:sp>
         <p:nvSpPr>
-          <p:cNvPr id="6" name="Номер слайда 5">
-            <a:extLst>
-              <a:ext uri="{FF2B5EF4-FFF2-40B4-BE49-F238E27FC236}">
-                <a16:creationId xmlns:a16="http://schemas.microsoft.com/office/drawing/2014/main" id="{3909AABC-AC8C-1D2D-7B30-A916BDD86388}"/>
-              </a:ext>
-            </a:extLst>
-          </p:cNvPr>
+          <p:cNvPr id="6" name="Slide Number Placeholder 5"/>
           <p:cNvSpPr>
             <a:spLocks noGrp="1"/>
           </p:cNvSpPr>
@@ -2994,8 +2993,8 @@
         </p:nvSpPr>
         <p:spPr>
           <a:xfrm>
-            <a:off x="8610600" y="6356350"/>
-            <a:ext cx="2743200" cy="365125"/>
+            <a:off x="6457950" y="6356351"/>
+            <a:ext cx="2057400" cy="365125"/>
           </a:xfrm>
           <a:prstGeom prst="rect">
             <a:avLst/>
@@ -3026,23 +3025,23 @@
     </p:spTree>
     <p:extLst>
       <p:ext uri="{BB962C8B-B14F-4D97-AF65-F5344CB8AC3E}">
-        <p14:creationId xmlns:p14="http://schemas.microsoft.com/office/powerpoint/2010/main" val="3198101947"/>
+        <p14:creationId xmlns:p14="http://schemas.microsoft.com/office/powerpoint/2010/main" val="4225065564"/>
       </p:ext>
     </p:extLst>
   </p:cSld>
   <p:clrMap bg1="lt1" tx1="dk1" bg2="lt2" tx2="dk2" accent1="accent1" accent2="accent2" accent3="accent3" accent4="accent4" accent5="accent5" accent6="accent6" hlink="hlink" folHlink="folHlink"/>
   <p:sldLayoutIdLst>
-    <p:sldLayoutId id="2147483649" r:id="rId1"/>
-    <p:sldLayoutId id="2147483650" r:id="rId2"/>
-    <p:sldLayoutId id="2147483651" r:id="rId3"/>
-    <p:sldLayoutId id="2147483652" r:id="rId4"/>
-    <p:sldLayoutId id="2147483653" r:id="rId5"/>
-    <p:sldLayoutId id="2147483654" r:id="rId6"/>
-    <p:sldLayoutId id="2147483655" r:id="rId7"/>
-    <p:sldLayoutId id="2147483656" r:id="rId8"/>
-    <p:sldLayoutId id="2147483657" r:id="rId9"/>
-    <p:sldLayoutId id="2147483658" r:id="rId10"/>
-    <p:sldLayoutId id="2147483659" r:id="rId11"/>
+    <p:sldLayoutId id="2147483661" r:id="rId1"/>
+    <p:sldLayoutId id="2147483662" r:id="rId2"/>
+    <p:sldLayoutId id="2147483663" r:id="rId3"/>
+    <p:sldLayoutId id="2147483664" r:id="rId4"/>
+    <p:sldLayoutId id="2147483665" r:id="rId5"/>
+    <p:sldLayoutId id="2147483666" r:id="rId6"/>
+    <p:sldLayoutId id="2147483667" r:id="rId7"/>
+    <p:sldLayoutId id="2147483668" r:id="rId8"/>
+    <p:sldLayoutId id="2147483669" r:id="rId9"/>
+    <p:sldLayoutId id="2147483670" r:id="rId10"/>
+    <p:sldLayoutId id="2147483671" r:id="rId11"/>
   </p:sldLayoutIdLst>
   <p:txStyles>
     <p:titleStyle>
@@ -3230,7 +3229,7 @@
     </p:bodyStyle>
     <p:otherStyle>
       <a:defPPr>
-        <a:defRPr lang="ru-RU"/>
+        <a:defRPr lang="en-US"/>
       </a:defPPr>
       <a:lvl1pPr marL="0" algn="l" defTabSz="914400" rtl="0" eaLnBrk="1" latinLnBrk="0" hangingPunct="1">
         <a:defRPr sz="1800" kern="1200">
@@ -3362,18 +3361,22 @@
         </p:nvSpPr>
         <p:spPr>
           <a:xfrm>
-            <a:off x="1261872" y="347472"/>
-            <a:ext cx="9406128" cy="3162491"/>
+            <a:off x="100584" y="96013"/>
+            <a:ext cx="9043416" cy="3008374"/>
           </a:xfrm>
         </p:spPr>
         <p:txBody>
           <a:bodyPr>
-            <a:normAutofit fontScale="90000"/>
+            <a:normAutofit/>
           </a:bodyPr>
           <a:lstStyle/>
           <a:p>
             <a:r>
-              <a:rPr lang="ru-RU" dirty="0"/>
+              <a:rPr lang="ru-RU" sz="5200" dirty="0">
+                <a:latin typeface="Calibri" panose="020F0502020204030204" pitchFamily="34" charset="0"/>
+                <a:ea typeface="Calibri" panose="020F0502020204030204" pitchFamily="34" charset="0"/>
+                <a:cs typeface="Calibri" panose="020F0502020204030204" pitchFamily="34" charset="0"/>
+              </a:rPr>
               <a:t>Проектирование и разработка интерактивного конфигуратора системы вентиляции</a:t>
             </a:r>
           </a:p>
@@ -3395,14 +3398,39 @@
             <p:ph type="subTitle" idx="1"/>
           </p:nvPr>
         </p:nvSpPr>
-        <p:spPr/>
+        <p:spPr>
+          <a:xfrm>
+            <a:off x="1193292" y="3214115"/>
+            <a:ext cx="6858000" cy="1655762"/>
+          </a:xfrm>
+        </p:spPr>
         <p:txBody>
           <a:bodyPr/>
           <a:lstStyle/>
           <a:p>
             <a:r>
-              <a:rPr lang="ru-RU" dirty="0"/>
-              <a:t>на материалах АО «ТИОН Умный микроклимат»</a:t>
+              <a:rPr lang="ru-RU" dirty="0">
+                <a:latin typeface="Calibri" panose="020F0502020204030204" pitchFamily="34" charset="0"/>
+                <a:ea typeface="Calibri" panose="020F0502020204030204" pitchFamily="34" charset="0"/>
+                <a:cs typeface="Calibri" panose="020F0502020204030204" pitchFamily="34" charset="0"/>
+              </a:rPr>
+              <a:t>на материалах АО «ТИОН Умный микроклимат» г</a:t>
+            </a:r>
+            <a:r>
+              <a:rPr lang="en-US" dirty="0">
+                <a:latin typeface="Calibri" panose="020F0502020204030204" pitchFamily="34" charset="0"/>
+                <a:ea typeface="Calibri" panose="020F0502020204030204" pitchFamily="34" charset="0"/>
+                <a:cs typeface="Calibri" panose="020F0502020204030204" pitchFamily="34" charset="0"/>
+              </a:rPr>
+              <a:t>.</a:t>
+            </a:r>
+            <a:r>
+              <a:rPr lang="ru-RU" dirty="0">
+                <a:latin typeface="Calibri" panose="020F0502020204030204" pitchFamily="34" charset="0"/>
+                <a:ea typeface="Calibri" panose="020F0502020204030204" pitchFamily="34" charset="0"/>
+                <a:cs typeface="Calibri" panose="020F0502020204030204" pitchFamily="34" charset="0"/>
+              </a:rPr>
+              <a:t> Новосибирска</a:t>
             </a:r>
           </a:p>
         </p:txBody>
@@ -3421,7 +3449,7 @@
         </p:nvSpPr>
         <p:spPr>
           <a:xfrm>
-            <a:off x="502920" y="4796135"/>
+            <a:off x="210312" y="5477360"/>
             <a:ext cx="3739896" cy="923330"/>
           </a:xfrm>
           <a:prstGeom prst="rect">
@@ -3436,68 +3464,136 @@
           <a:lstStyle/>
           <a:p>
             <a:r>
-              <a:rPr lang="ru-RU" dirty="0"/>
+              <a:rPr lang="ru-RU" dirty="0">
+                <a:latin typeface="Calibri" panose="020F0502020204030204" pitchFamily="34" charset="0"/>
+                <a:ea typeface="Calibri" panose="020F0502020204030204" pitchFamily="34" charset="0"/>
+                <a:cs typeface="Calibri" panose="020F0502020204030204" pitchFamily="34" charset="0"/>
+              </a:rPr>
               <a:t>Выполнил</a:t>
             </a:r>
             <a:r>
-              <a:rPr lang="en-US" dirty="0"/>
+              <a:rPr lang="en-US" dirty="0">
+                <a:latin typeface="Calibri" panose="020F0502020204030204" pitchFamily="34" charset="0"/>
+                <a:ea typeface="Calibri" panose="020F0502020204030204" pitchFamily="34" charset="0"/>
+                <a:cs typeface="Calibri" panose="020F0502020204030204" pitchFamily="34" charset="0"/>
+              </a:rPr>
               <a:t> </a:t>
             </a:r>
             <a:r>
-              <a:rPr lang="ru-RU" dirty="0"/>
+              <a:rPr lang="ru-RU" dirty="0">
+                <a:latin typeface="Calibri" panose="020F0502020204030204" pitchFamily="34" charset="0"/>
+                <a:ea typeface="Calibri" panose="020F0502020204030204" pitchFamily="34" charset="0"/>
+                <a:cs typeface="Calibri" panose="020F0502020204030204" pitchFamily="34" charset="0"/>
+              </a:rPr>
               <a:t>– Колесников С</a:t>
             </a:r>
             <a:r>
-              <a:rPr lang="en-US" dirty="0"/>
+              <a:rPr lang="en-US" dirty="0">
+                <a:latin typeface="Calibri" panose="020F0502020204030204" pitchFamily="34" charset="0"/>
+                <a:ea typeface="Calibri" panose="020F0502020204030204" pitchFamily="34" charset="0"/>
+                <a:cs typeface="Calibri" panose="020F0502020204030204" pitchFamily="34" charset="0"/>
+              </a:rPr>
               <a:t>.</a:t>
             </a:r>
             <a:r>
-              <a:rPr lang="ru-RU" dirty="0"/>
+              <a:rPr lang="ru-RU" dirty="0">
+                <a:latin typeface="Calibri" panose="020F0502020204030204" pitchFamily="34" charset="0"/>
+                <a:ea typeface="Calibri" panose="020F0502020204030204" pitchFamily="34" charset="0"/>
+                <a:cs typeface="Calibri" panose="020F0502020204030204" pitchFamily="34" charset="0"/>
+              </a:rPr>
               <a:t>А</a:t>
             </a:r>
             <a:r>
-              <a:rPr lang="en-US" dirty="0"/>
+              <a:rPr lang="en-US" dirty="0">
+                <a:latin typeface="Calibri" panose="020F0502020204030204" pitchFamily="34" charset="0"/>
+                <a:ea typeface="Calibri" panose="020F0502020204030204" pitchFamily="34" charset="0"/>
+                <a:cs typeface="Calibri" panose="020F0502020204030204" pitchFamily="34" charset="0"/>
+              </a:rPr>
               <a:t>.</a:t>
             </a:r>
             <a:br>
-              <a:rPr lang="en-US" dirty="0"/>
+              <a:rPr lang="en-US" dirty="0">
+                <a:latin typeface="Calibri" panose="020F0502020204030204" pitchFamily="34" charset="0"/>
+                <a:ea typeface="Calibri" panose="020F0502020204030204" pitchFamily="34" charset="0"/>
+                <a:cs typeface="Calibri" panose="020F0502020204030204" pitchFamily="34" charset="0"/>
+              </a:rPr>
             </a:br>
             <a:br>
-              <a:rPr lang="en-US" dirty="0"/>
+              <a:rPr lang="en-US" dirty="0">
+                <a:latin typeface="Calibri" panose="020F0502020204030204" pitchFamily="34" charset="0"/>
+                <a:ea typeface="Calibri" panose="020F0502020204030204" pitchFamily="34" charset="0"/>
+                <a:cs typeface="Calibri" panose="020F0502020204030204" pitchFamily="34" charset="0"/>
+              </a:rPr>
             </a:br>
             <a:r>
-              <a:rPr lang="ru-RU" dirty="0"/>
+              <a:rPr lang="ru-RU" dirty="0">
+                <a:latin typeface="Calibri" panose="020F0502020204030204" pitchFamily="34" charset="0"/>
+                <a:ea typeface="Calibri" panose="020F0502020204030204" pitchFamily="34" charset="0"/>
+                <a:cs typeface="Calibri" panose="020F0502020204030204" pitchFamily="34" charset="0"/>
+              </a:rPr>
               <a:t>Руководитель</a:t>
             </a:r>
             <a:r>
-              <a:rPr lang="en-US" dirty="0"/>
+              <a:rPr lang="en-US" dirty="0">
+                <a:latin typeface="Calibri" panose="020F0502020204030204" pitchFamily="34" charset="0"/>
+                <a:ea typeface="Calibri" panose="020F0502020204030204" pitchFamily="34" charset="0"/>
+                <a:cs typeface="Calibri" panose="020F0502020204030204" pitchFamily="34" charset="0"/>
+              </a:rPr>
               <a:t> </a:t>
             </a:r>
             <a:r>
-              <a:rPr lang="ru-RU" dirty="0"/>
+              <a:rPr lang="ru-RU" dirty="0">
+                <a:latin typeface="Calibri" panose="020F0502020204030204" pitchFamily="34" charset="0"/>
+                <a:ea typeface="Calibri" panose="020F0502020204030204" pitchFamily="34" charset="0"/>
+                <a:cs typeface="Calibri" panose="020F0502020204030204" pitchFamily="34" charset="0"/>
+              </a:rPr>
               <a:t>–</a:t>
             </a:r>
             <a:r>
-              <a:rPr lang="en-US" dirty="0"/>
+              <a:rPr lang="en-US" dirty="0">
+                <a:latin typeface="Calibri" panose="020F0502020204030204" pitchFamily="34" charset="0"/>
+                <a:ea typeface="Calibri" panose="020F0502020204030204" pitchFamily="34" charset="0"/>
+                <a:cs typeface="Calibri" panose="020F0502020204030204" pitchFamily="34" charset="0"/>
+              </a:rPr>
               <a:t> </a:t>
             </a:r>
             <a:r>
-              <a:rPr lang="ru-RU" dirty="0"/>
+              <a:rPr lang="ru-RU" dirty="0">
+                <a:latin typeface="Calibri" panose="020F0502020204030204" pitchFamily="34" charset="0"/>
+                <a:ea typeface="Calibri" panose="020F0502020204030204" pitchFamily="34" charset="0"/>
+                <a:cs typeface="Calibri" panose="020F0502020204030204" pitchFamily="34" charset="0"/>
+              </a:rPr>
               <a:t> Блок И</a:t>
             </a:r>
             <a:r>
-              <a:rPr lang="en-US" dirty="0"/>
+              <a:rPr lang="en-US" dirty="0">
+                <a:latin typeface="Calibri" panose="020F0502020204030204" pitchFamily="34" charset="0"/>
+                <a:ea typeface="Calibri" panose="020F0502020204030204" pitchFamily="34" charset="0"/>
+                <a:cs typeface="Calibri" panose="020F0502020204030204" pitchFamily="34" charset="0"/>
+              </a:rPr>
               <a:t>.</a:t>
             </a:r>
             <a:r>
-              <a:rPr lang="ru-RU" dirty="0"/>
+              <a:rPr lang="ru-RU" dirty="0">
+                <a:latin typeface="Calibri" panose="020F0502020204030204" pitchFamily="34" charset="0"/>
+                <a:ea typeface="Calibri" panose="020F0502020204030204" pitchFamily="34" charset="0"/>
+                <a:cs typeface="Calibri" panose="020F0502020204030204" pitchFamily="34" charset="0"/>
+              </a:rPr>
               <a:t>Н</a:t>
             </a:r>
             <a:r>
-              <a:rPr lang="en-US" dirty="0"/>
+              <a:rPr lang="en-US" dirty="0">
+                <a:latin typeface="Calibri" panose="020F0502020204030204" pitchFamily="34" charset="0"/>
+                <a:ea typeface="Calibri" panose="020F0502020204030204" pitchFamily="34" charset="0"/>
+                <a:cs typeface="Calibri" panose="020F0502020204030204" pitchFamily="34" charset="0"/>
+              </a:rPr>
               <a:t>.</a:t>
             </a:r>
-            <a:endParaRPr lang="ru-RU" dirty="0"/>
+            <a:endParaRPr lang="ru-RU" dirty="0">
+              <a:latin typeface="Calibri" panose="020F0502020204030204" pitchFamily="34" charset="0"/>
+              <a:ea typeface="Calibri" panose="020F0502020204030204" pitchFamily="34" charset="0"/>
+              <a:cs typeface="Calibri" panose="020F0502020204030204" pitchFamily="34" charset="0"/>
+            </a:endParaRPr>
           </a:p>
         </p:txBody>
       </p:sp>
@@ -3553,7 +3649,11 @@
           <a:lstStyle/>
           <a:p>
             <a:r>
-              <a:rPr lang="ru-RU" b="1" dirty="0"/>
+              <a:rPr lang="ru-RU" b="1" dirty="0">
+                <a:latin typeface="Calibri" panose="020F0502020204030204" pitchFamily="34" charset="0"/>
+                <a:ea typeface="Calibri" panose="020F0502020204030204" pitchFamily="34" charset="0"/>
+                <a:cs typeface="Calibri" panose="020F0502020204030204" pitchFamily="34" charset="0"/>
+              </a:rPr>
               <a:t>ИИ-консультант</a:t>
             </a:r>
           </a:p>
@@ -3561,7 +3661,7 @@
       </p:sp>
       <p:pic>
         <p:nvPicPr>
-          <p:cNvPr id="4" name="Объект 3" descr="Изображение выглядит как текст, снимок экрана, программное обеспечение, веб-страница&#10;&#10;Контент, сгенерированный ИИ, может содержать ошибки.">
+          <p:cNvPr id="4" name="Объект 3">
             <a:extLst>
               <a:ext uri="{FF2B5EF4-FFF2-40B4-BE49-F238E27FC236}">
                 <a16:creationId xmlns:a16="http://schemas.microsoft.com/office/drawing/2014/main" id="{20CCABE6-6696-1F69-0C14-FEFC737FD7AF}"/>
@@ -3576,15 +3676,20 @@
           </p:nvPr>
         </p:nvPicPr>
         <p:blipFill>
-          <a:blip r:embed="rId2"/>
-          <a:stretch>
-            <a:fillRect/>
-          </a:stretch>
+          <a:blip r:embed="rId2">
+            <a:extLst>
+              <a:ext uri="{28A0092B-C50C-407E-A947-70E740481C1C}">
+                <a14:useLocalDpi xmlns:a14="http://schemas.microsoft.com/office/drawing/2010/main" val="0"/>
+              </a:ext>
+            </a:extLst>
+          </a:blip>
+          <a:srcRect/>
+          <a:stretch/>
         </p:blipFill>
         <p:spPr>
           <a:xfrm>
-            <a:off x="2876951" y="1825625"/>
-            <a:ext cx="6438097" cy="4351338"/>
+            <a:off x="718947" y="1388293"/>
+            <a:ext cx="7706106" cy="5208351"/>
           </a:xfrm>
           <a:prstGeom prst="rect">
             <a:avLst/>
@@ -3643,7 +3748,11 @@
           <a:lstStyle/>
           <a:p>
             <a:r>
-              <a:rPr lang="ru-RU" b="1" dirty="0"/>
+              <a:rPr lang="ru-RU" b="1" dirty="0">
+                <a:latin typeface="Calibri" panose="020F0502020204030204" pitchFamily="34" charset="0"/>
+                <a:ea typeface="Calibri" panose="020F0502020204030204" pitchFamily="34" charset="0"/>
+                <a:cs typeface="Calibri" panose="020F0502020204030204" pitchFamily="34" charset="0"/>
+              </a:rPr>
               <a:t>Каталог</a:t>
             </a:r>
           </a:p>
@@ -3651,7 +3760,7 @@
       </p:sp>
       <p:pic>
         <p:nvPicPr>
-          <p:cNvPr id="4" name="Объект 3" descr="Изображение выглядит как текст, снимок экрана, программное обеспечение, Операционная система&#10;&#10;Контент, сгенерированный ИИ, может содержать ошибки.">
+          <p:cNvPr id="4" name="Объект 3">
             <a:extLst>
               <a:ext uri="{FF2B5EF4-FFF2-40B4-BE49-F238E27FC236}">
                 <a16:creationId xmlns:a16="http://schemas.microsoft.com/office/drawing/2014/main" id="{182D13D4-C978-F364-37D9-575BEDD188DD}"/>
@@ -3666,15 +3775,20 @@
           </p:nvPr>
         </p:nvPicPr>
         <p:blipFill>
-          <a:blip r:embed="rId2"/>
-          <a:stretch>
-            <a:fillRect/>
-          </a:stretch>
+          <a:blip r:embed="rId2">
+            <a:extLst>
+              <a:ext uri="{28A0092B-C50C-407E-A947-70E740481C1C}">
+                <a14:useLocalDpi xmlns:a14="http://schemas.microsoft.com/office/drawing/2010/main" val="0"/>
+              </a:ext>
+            </a:extLst>
+          </a:blip>
+          <a:srcRect/>
+          <a:stretch/>
         </p:blipFill>
         <p:spPr>
           <a:xfrm>
-            <a:off x="3098307" y="1825625"/>
-            <a:ext cx="5995385" cy="4351338"/>
+            <a:off x="1035942" y="1515514"/>
+            <a:ext cx="7072115" cy="5132808"/>
           </a:xfrm>
           <a:prstGeom prst="rect">
             <a:avLst/>
@@ -3733,10 +3847,18 @@
           <a:lstStyle/>
           <a:p>
             <a:r>
-              <a:rPr lang="ru-RU" b="1" dirty="0"/>
+              <a:rPr lang="ru-RU" b="1" dirty="0">
+                <a:latin typeface="Calibri" panose="020F0502020204030204" pitchFamily="34" charset="0"/>
+                <a:ea typeface="Calibri" panose="020F0502020204030204" pitchFamily="34" charset="0"/>
+                <a:cs typeface="Calibri" panose="020F0502020204030204" pitchFamily="34" charset="0"/>
+              </a:rPr>
               <a:t>Модальное окно подробностей об устройстве</a:t>
             </a:r>
-            <a:endParaRPr lang="ru-RU" dirty="0"/>
+            <a:endParaRPr lang="ru-RU" dirty="0">
+              <a:latin typeface="Calibri" panose="020F0502020204030204" pitchFamily="34" charset="0"/>
+              <a:ea typeface="Calibri" panose="020F0502020204030204" pitchFamily="34" charset="0"/>
+              <a:cs typeface="Calibri" panose="020F0502020204030204" pitchFamily="34" charset="0"/>
+            </a:endParaRPr>
           </a:p>
         </p:txBody>
       </p:sp>
@@ -3764,8 +3886,8 @@
         </p:blipFill>
         <p:spPr>
           <a:xfrm>
-            <a:off x="3116356" y="1825625"/>
-            <a:ext cx="5959287" cy="4351338"/>
+            <a:off x="1219743" y="1803542"/>
+            <a:ext cx="6704513" cy="4895485"/>
           </a:xfrm>
           <a:prstGeom prst="rect">
             <a:avLst/>
@@ -3824,7 +3946,11 @@
           <a:lstStyle/>
           <a:p>
             <a:r>
-              <a:rPr lang="ru-RU" b="1" dirty="0"/>
+              <a:rPr lang="ru-RU" b="1" dirty="0">
+                <a:latin typeface="Calibri" panose="020F0502020204030204" pitchFamily="34" charset="0"/>
+                <a:ea typeface="Calibri" panose="020F0502020204030204" pitchFamily="34" charset="0"/>
+                <a:cs typeface="Calibri" panose="020F0502020204030204" pitchFamily="34" charset="0"/>
+              </a:rPr>
               <a:t>Корзина</a:t>
             </a:r>
           </a:p>
@@ -3860,8 +3986,8 @@
         </p:blipFill>
         <p:spPr>
           <a:xfrm>
-            <a:off x="2706313" y="1825625"/>
-            <a:ext cx="6779373" cy="4351338"/>
+            <a:off x="705542" y="1690689"/>
+            <a:ext cx="7732915" cy="4963369"/>
           </a:xfrm>
           <a:prstGeom prst="rect">
             <a:avLst/>
@@ -3920,7 +4046,11 @@
           <a:lstStyle/>
           <a:p>
             <a:r>
-              <a:rPr lang="ru-RU" b="1" dirty="0"/>
+              <a:rPr lang="ru-RU" b="1" dirty="0">
+                <a:latin typeface="Calibri" panose="020F0502020204030204" pitchFamily="34" charset="0"/>
+                <a:ea typeface="Calibri" panose="020F0502020204030204" pitchFamily="34" charset="0"/>
+                <a:cs typeface="Calibri" panose="020F0502020204030204" pitchFamily="34" charset="0"/>
+              </a:rPr>
               <a:t>Заказы</a:t>
             </a:r>
           </a:p>
@@ -3956,8 +4086,8 @@
         </p:blipFill>
         <p:spPr>
           <a:xfrm>
-            <a:off x="2119886" y="1825625"/>
-            <a:ext cx="7952227" cy="4351338"/>
+            <a:off x="244797" y="1757315"/>
+            <a:ext cx="8654405" cy="4735559"/>
           </a:xfrm>
           <a:prstGeom prst="rect">
             <a:avLst/>
@@ -4016,7 +4146,11 @@
           <a:lstStyle/>
           <a:p>
             <a:r>
-              <a:rPr lang="ru-RU" b="1" dirty="0"/>
+              <a:rPr lang="ru-RU" b="1" dirty="0">
+                <a:latin typeface="Calibri" panose="020F0502020204030204" pitchFamily="34" charset="0"/>
+                <a:ea typeface="Calibri" panose="020F0502020204030204" pitchFamily="34" charset="0"/>
+                <a:cs typeface="Calibri" panose="020F0502020204030204" pitchFamily="34" charset="0"/>
+              </a:rPr>
               <a:t>Формы входа и регистрации</a:t>
             </a:r>
           </a:p>
@@ -4052,8 +4186,8 @@
         </p:blipFill>
         <p:spPr>
           <a:xfrm>
-            <a:off x="1583477" y="1837825"/>
-            <a:ext cx="4295191" cy="4351338"/>
+            <a:off x="276809" y="1837836"/>
+            <a:ext cx="4295191" cy="4351339"/>
           </a:xfrm>
           <a:prstGeom prst="rect">
             <a:avLst/>
@@ -4088,7 +4222,7 @@
         </p:blipFill>
         <p:spPr>
           <a:xfrm>
-            <a:off x="7017141" y="1772995"/>
+            <a:off x="5109104" y="1773005"/>
             <a:ext cx="3493647" cy="4480999"/>
           </a:xfrm>
           <a:prstGeom prst="rect">
@@ -4142,40 +4276,24 @@
             <p:ph type="title"/>
           </p:nvPr>
         </p:nvSpPr>
-        <p:spPr/>
+        <p:spPr>
+          <a:xfrm>
+            <a:off x="628650" y="264542"/>
+            <a:ext cx="7886700" cy="1325563"/>
+          </a:xfrm>
+        </p:spPr>
         <p:txBody>
           <a:bodyPr/>
           <a:lstStyle/>
           <a:p>
             <a:r>
-              <a:rPr lang="ru-RU" b="1" dirty="0"/>
+              <a:rPr lang="ru-RU" b="1" dirty="0">
+                <a:latin typeface="Calibri" panose="020F0502020204030204" pitchFamily="34" charset="0"/>
+                <a:ea typeface="Calibri" panose="020F0502020204030204" pitchFamily="34" charset="0"/>
+                <a:cs typeface="Calibri" panose="020F0502020204030204" pitchFamily="34" charset="0"/>
+              </a:rPr>
               <a:t>Форма создания устройства</a:t>
             </a:r>
-          </a:p>
-        </p:txBody>
-      </p:sp>
-      <p:sp>
-        <p:nvSpPr>
-          <p:cNvPr id="3" name="Объект 2">
-            <a:extLst>
-              <a:ext uri="{FF2B5EF4-FFF2-40B4-BE49-F238E27FC236}">
-                <a16:creationId xmlns:a16="http://schemas.microsoft.com/office/drawing/2014/main" id="{3565E6E3-D58A-B0F8-97A4-A0CED102D047}"/>
-              </a:ext>
-            </a:extLst>
-          </p:cNvPr>
-          <p:cNvSpPr>
-            <a:spLocks noGrp="1"/>
-          </p:cNvSpPr>
-          <p:nvPr>
-            <p:ph idx="1"/>
-          </p:nvPr>
-        </p:nvSpPr>
-        <p:spPr/>
-        <p:txBody>
-          <a:bodyPr/>
-          <a:lstStyle/>
-          <a:p>
-            <a:endParaRPr lang="ru-RU" dirty="0"/>
           </a:p>
         </p:txBody>
       </p:sp>
@@ -4207,8 +4325,8 @@
         </p:blipFill>
         <p:spPr>
           <a:xfrm>
-            <a:off x="4015628" y="1380118"/>
-            <a:ext cx="3922999" cy="5242351"/>
+            <a:off x="2404872" y="1334408"/>
+            <a:ext cx="4334256" cy="5394927"/>
           </a:xfrm>
           <a:prstGeom prst="rect">
             <a:avLst/>
@@ -4267,7 +4385,11 @@
           <a:lstStyle/>
           <a:p>
             <a:r>
-              <a:rPr lang="ru-RU" b="1" dirty="0"/>
+              <a:rPr lang="ru-RU" b="1" dirty="0">
+                <a:latin typeface="Calibri" panose="020F0502020204030204" pitchFamily="34" charset="0"/>
+                <a:ea typeface="Calibri" panose="020F0502020204030204" pitchFamily="34" charset="0"/>
+                <a:cs typeface="Calibri" panose="020F0502020204030204" pitchFamily="34" charset="0"/>
+              </a:rPr>
               <a:t>Справочники</a:t>
             </a:r>
           </a:p>
@@ -4275,10 +4397,10 @@
       </p:sp>
       <p:pic>
         <p:nvPicPr>
-          <p:cNvPr id="4" name="Рисунок 3" descr="Изображение выглядит как текст, Шрифт, программное обеспечение, число&#10;&#10;Контент, сгенерированный ИИ, может содержать ошибки.">
+          <p:cNvPr id="3" name="Рисунок 2">
             <a:extLst>
               <a:ext uri="{FF2B5EF4-FFF2-40B4-BE49-F238E27FC236}">
-                <a16:creationId xmlns:a16="http://schemas.microsoft.com/office/drawing/2014/main" id="{B6B0506B-85D3-33A9-41DA-6C00B48BC56D}"/>
+                <a16:creationId xmlns:a16="http://schemas.microsoft.com/office/drawing/2014/main" id="{97107F84-0C55-6754-58A4-1DC4F84B63B8}"/>
               </a:ext>
             </a:extLst>
           </p:cNvPr>
@@ -4288,75 +4410,21 @@
           <p:nvPr/>
         </p:nvPicPr>
         <p:blipFill>
-          <a:blip r:embed="rId2"/>
+          <a:blip r:embed="rId2">
+            <a:extLst>
+              <a:ext uri="{28A0092B-C50C-407E-A947-70E740481C1C}">
+                <a14:useLocalDpi xmlns:a14="http://schemas.microsoft.com/office/drawing/2010/main" val="0"/>
+              </a:ext>
+            </a:extLst>
+          </a:blip>
           <a:stretch>
             <a:fillRect/>
           </a:stretch>
         </p:blipFill>
         <p:spPr>
           <a:xfrm>
-            <a:off x="580339" y="1825625"/>
-            <a:ext cx="6083935" cy="2822575"/>
-          </a:xfrm>
-          <a:prstGeom prst="rect">
-            <a:avLst/>
-          </a:prstGeom>
-        </p:spPr>
-      </p:pic>
-      <p:pic>
-        <p:nvPicPr>
-          <p:cNvPr id="5" name="Рисунок 4" descr="Изображение выглядит как текст, Шрифт, число, программное обеспечение&#10;&#10;Контент, сгенерированный ИИ, может содержать ошибки.">
-            <a:extLst>
-              <a:ext uri="{FF2B5EF4-FFF2-40B4-BE49-F238E27FC236}">
-                <a16:creationId xmlns:a16="http://schemas.microsoft.com/office/drawing/2014/main" id="{4FEDCF81-9F56-75A8-1DF0-2C5C7F0D2C51}"/>
-              </a:ext>
-            </a:extLst>
-          </p:cNvPr>
-          <p:cNvPicPr>
-            <a:picLocks noChangeAspect="1"/>
-          </p:cNvPicPr>
-          <p:nvPr/>
-        </p:nvPicPr>
-        <p:blipFill>
-          <a:blip r:embed="rId3"/>
-          <a:stretch>
-            <a:fillRect/>
-          </a:stretch>
-        </p:blipFill>
-        <p:spPr>
-          <a:xfrm>
-            <a:off x="3179160" y="3942782"/>
-            <a:ext cx="6083935" cy="2764790"/>
-          </a:xfrm>
-          <a:prstGeom prst="rect">
-            <a:avLst/>
-          </a:prstGeom>
-        </p:spPr>
-      </p:pic>
-      <p:pic>
-        <p:nvPicPr>
-          <p:cNvPr id="6" name="Рисунок 5" descr="Изображение выглядит как текст, снимок экрана, программное обеспечение, число&#10;&#10;Контент, сгенерированный ИИ, может содержать ошибки.">
-            <a:extLst>
-              <a:ext uri="{FF2B5EF4-FFF2-40B4-BE49-F238E27FC236}">
-                <a16:creationId xmlns:a16="http://schemas.microsoft.com/office/drawing/2014/main" id="{F76D5C0D-9359-E57F-78DB-756F29194956}"/>
-              </a:ext>
-            </a:extLst>
-          </p:cNvPr>
-          <p:cNvPicPr>
-            <a:picLocks noChangeAspect="1"/>
-          </p:cNvPicPr>
-          <p:nvPr/>
-        </p:nvPicPr>
-        <p:blipFill>
-          <a:blip r:embed="rId4"/>
-          <a:stretch>
-            <a:fillRect/>
-          </a:stretch>
-        </p:blipFill>
-        <p:spPr>
-          <a:xfrm>
-            <a:off x="5864610" y="939199"/>
-            <a:ext cx="6083935" cy="3562350"/>
+            <a:off x="329116" y="1690689"/>
+            <a:ext cx="8485767" cy="5008543"/>
           </a:xfrm>
           <a:prstGeom prst="rect">
             <a:avLst/>
@@ -4415,7 +4483,11 @@
           <a:lstStyle/>
           <a:p>
             <a:r>
-              <a:rPr lang="ru-RU" b="1" dirty="0"/>
+              <a:rPr lang="ru-RU" b="1" dirty="0">
+                <a:latin typeface="Calibri" panose="020F0502020204030204" pitchFamily="34" charset="0"/>
+                <a:ea typeface="Calibri" panose="020F0502020204030204" pitchFamily="34" charset="0"/>
+                <a:cs typeface="Calibri" panose="020F0502020204030204" pitchFamily="34" charset="0"/>
+              </a:rPr>
               <a:t>Заключение</a:t>
             </a:r>
           </a:p>
@@ -4439,27 +4511,41 @@
         </p:nvSpPr>
         <p:spPr>
           <a:xfrm>
-            <a:off x="838200" y="2276855"/>
-            <a:ext cx="10515600" cy="3900107"/>
+            <a:off x="182880" y="2159853"/>
+            <a:ext cx="8332470" cy="3509427"/>
           </a:xfrm>
         </p:spPr>
         <p:txBody>
-          <a:bodyPr/>
+          <a:bodyPr>
+            <a:normAutofit/>
+          </a:bodyPr>
           <a:lstStyle/>
           <a:p>
             <a:pPr marL="0" indent="0">
               <a:buNone/>
             </a:pPr>
             <a:r>
-              <a:rPr lang="ru-RU" dirty="0"/>
+              <a:rPr lang="ru-RU" dirty="0">
+                <a:latin typeface="Calibri" panose="020F0502020204030204" pitchFamily="34" charset="0"/>
+                <a:ea typeface="Calibri" panose="020F0502020204030204" pitchFamily="34" charset="0"/>
+                <a:cs typeface="Calibri" panose="020F0502020204030204" pitchFamily="34" charset="0"/>
+              </a:rPr>
               <a:t>Разработанный интерактивный конфигуратор вентиляционных систем для компании ТИОН успешно автоматизировал процесс подбора оборудования, значительно сократив время обработки заказов и уменьшив количество ошибок. Интеграция ИИ-консультанта на базе </a:t>
             </a:r>
             <a:r>
-              <a:rPr lang="ru-RU" dirty="0" err="1"/>
+              <a:rPr lang="ru-RU" dirty="0" err="1">
+                <a:latin typeface="Calibri" panose="020F0502020204030204" pitchFamily="34" charset="0"/>
+                <a:ea typeface="Calibri" panose="020F0502020204030204" pitchFamily="34" charset="0"/>
+                <a:cs typeface="Calibri" panose="020F0502020204030204" pitchFamily="34" charset="0"/>
+              </a:rPr>
               <a:t>GigaChat</a:t>
             </a:r>
             <a:r>
-              <a:rPr lang="ru-RU" dirty="0"/>
+              <a:rPr lang="ru-RU" dirty="0">
+                <a:latin typeface="Calibri" panose="020F0502020204030204" pitchFamily="34" charset="0"/>
+                <a:ea typeface="Calibri" panose="020F0502020204030204" pitchFamily="34" charset="0"/>
+                <a:cs typeface="Calibri" panose="020F0502020204030204" pitchFamily="34" charset="0"/>
+              </a:rPr>
               <a:t> API позволила создать современный и удобный инструмент взаимодействия с клиентами.</a:t>
             </a:r>
           </a:p>
@@ -4513,8 +4599,8 @@
         </p:nvSpPr>
         <p:spPr>
           <a:xfrm>
-            <a:off x="3329138" y="2766218"/>
-            <a:ext cx="5533724" cy="1325563"/>
+            <a:off x="1751076" y="2729650"/>
+            <a:ext cx="5641848" cy="1147406"/>
           </a:xfrm>
         </p:spPr>
         <p:txBody>
@@ -4522,7 +4608,11 @@
           <a:lstStyle/>
           <a:p>
             <a:r>
-              <a:rPr lang="ru-RU" dirty="0"/>
+              <a:rPr lang="ru-RU" dirty="0">
+                <a:latin typeface="Calibri" panose="020F0502020204030204" pitchFamily="34" charset="0"/>
+                <a:ea typeface="Calibri" panose="020F0502020204030204" pitchFamily="34" charset="0"/>
+                <a:cs typeface="Calibri" panose="020F0502020204030204" pitchFamily="34" charset="0"/>
+              </a:rPr>
               <a:t>Спасибо за внимание!</a:t>
             </a:r>
           </a:p>
@@ -4563,7 +4653,7 @@
           <p:cNvPr id="2" name="Заголовок 1">
             <a:extLst>
               <a:ext uri="{FF2B5EF4-FFF2-40B4-BE49-F238E27FC236}">
-                <a16:creationId xmlns:a16="http://schemas.microsoft.com/office/drawing/2014/main" id="{5DDC3DD0-E5EE-3AEC-AAFC-D9E61BED696C}"/>
+                <a16:creationId xmlns:a16="http://schemas.microsoft.com/office/drawing/2014/main" id="{3B321E1F-47CC-085F-28BE-763C54200363}"/>
               </a:ext>
             </a:extLst>
           </p:cNvPr>
@@ -4580,10 +4670,18 @@
           <a:lstStyle/>
           <a:p>
             <a:r>
-              <a:rPr lang="ru-RU" b="1" dirty="0"/>
-              <a:t>Цель и задачи работы</a:t>
-            </a:r>
-            <a:endParaRPr lang="ru-RU" dirty="0"/>
+              <a:rPr lang="ru-RU" b="1" dirty="0">
+                <a:latin typeface="Calibri" panose="020F0502020204030204" pitchFamily="34" charset="0"/>
+                <a:ea typeface="Calibri" panose="020F0502020204030204" pitchFamily="34" charset="0"/>
+                <a:cs typeface="Calibri" panose="020F0502020204030204" pitchFamily="34" charset="0"/>
+              </a:rPr>
+              <a:t>Актуальность</a:t>
+            </a:r>
+            <a:endParaRPr lang="ru-RU" dirty="0">
+              <a:latin typeface="Calibri" panose="020F0502020204030204" pitchFamily="34" charset="0"/>
+              <a:ea typeface="Calibri" panose="020F0502020204030204" pitchFamily="34" charset="0"/>
+              <a:cs typeface="Calibri" panose="020F0502020204030204" pitchFamily="34" charset="0"/>
+            </a:endParaRPr>
           </a:p>
         </p:txBody>
       </p:sp>
@@ -4592,7 +4690,7 @@
           <p:cNvPr id="3" name="Объект 2">
             <a:extLst>
               <a:ext uri="{FF2B5EF4-FFF2-40B4-BE49-F238E27FC236}">
-                <a16:creationId xmlns:a16="http://schemas.microsoft.com/office/drawing/2014/main" id="{3C3AE746-E54C-7A82-6DB8-26195579C773}"/>
+                <a16:creationId xmlns:a16="http://schemas.microsoft.com/office/drawing/2014/main" id="{0DFBB26F-4D7C-BE30-AB94-85216E00F440}"/>
               </a:ext>
             </a:extLst>
           </p:cNvPr>
@@ -4603,36 +4701,17 @@
             <p:ph idx="1"/>
           </p:nvPr>
         </p:nvSpPr>
-        <p:spPr/>
-        <p:txBody>
-          <a:bodyPr/>
-          <a:lstStyle/>
-          <a:p>
-            <a:pPr marL="0" indent="0">
-              <a:buNone/>
-            </a:pPr>
-            <a:r>
-              <a:rPr lang="ru-RU" b="1" dirty="0"/>
-              <a:t>Цель:</a:t>
-            </a:r>
-            <a:br>
-              <a:rPr lang="ru-RU" dirty="0"/>
-            </a:br>
-            <a:r>
-              <a:rPr lang="ru-RU" dirty="0"/>
-              <a:t>Разработка информационной системы для автоматизированного подбора и конфигурирования вентиляционного оборудования.</a:t>
-            </a:r>
-          </a:p>
-          <a:p>
-            <a:pPr marL="0" indent="0">
-              <a:buNone/>
-            </a:pPr>
-            <a:r>
-              <a:rPr lang="ru-RU" b="1" dirty="0"/>
-              <a:t>Задачи:</a:t>
-            </a:r>
-            <a:endParaRPr lang="ru-RU" dirty="0"/>
-          </a:p>
+        <p:spPr>
+          <a:xfrm>
+            <a:off x="963890" y="2455786"/>
+            <a:ext cx="7425965" cy="2219909"/>
+          </a:xfrm>
+        </p:spPr>
+        <p:txBody>
+          <a:bodyPr>
+            <a:normAutofit lnSpcReduction="10000"/>
+          </a:bodyPr>
+          <a:lstStyle/>
           <a:p>
             <a:pPr>
               <a:buFont typeface="Aptos" panose="020B0004020202020204" pitchFamily="34" charset="0"/>
@@ -4640,7 +4719,7 @@
             </a:pPr>
             <a:r>
               <a:rPr lang="ru-RU" dirty="0"/>
-              <a:t>Анализ предметной области и существующих решений.</a:t>
+              <a:t>Рост спроса на системы вентиляции.</a:t>
             </a:r>
           </a:p>
           <a:p>
@@ -4650,7 +4729,7 @@
             </a:pPr>
             <a:r>
               <a:rPr lang="ru-RU" dirty="0"/>
-              <a:t>Проектирование архитектуры системы.</a:t>
+              <a:t>Необходимость автоматизации подбора оборудования.</a:t>
             </a:r>
           </a:p>
           <a:p>
@@ -4660,20 +4739,13 @@
             </a:pPr>
             <a:r>
               <a:rPr lang="ru-RU" dirty="0"/>
-              <a:t>Выбор инструментальных средств.</a:t>
-            </a:r>
-          </a:p>
-          <a:p>
-            <a:pPr>
-              <a:buFont typeface="Aptos" panose="020B0004020202020204" pitchFamily="34" charset="0"/>
-              <a:buChar char="-"/>
+              <a:t>Улучшение взаимодействия с клиентами и сокращение времени обработки заказов.</a:t>
+            </a:r>
+          </a:p>
+          <a:p>
+            <a:pPr marL="0" indent="0">
+              <a:buNone/>
             </a:pPr>
-            <a:r>
-              <a:rPr lang="ru-RU" dirty="0"/>
-              <a:t>Разработка конфигуратора.</a:t>
-            </a:r>
-          </a:p>
-          <a:p>
             <a:endParaRPr lang="ru-RU" dirty="0"/>
           </a:p>
         </p:txBody>
@@ -4681,7 +4753,7 @@
     </p:spTree>
     <p:extLst>
       <p:ext uri="{BB962C8B-B14F-4D97-AF65-F5344CB8AC3E}">
-        <p14:creationId xmlns:p14="http://schemas.microsoft.com/office/powerpoint/2010/main" val="413677010"/>
+        <p14:creationId xmlns:p14="http://schemas.microsoft.com/office/powerpoint/2010/main" val="1078084735"/>
       </p:ext>
     </p:extLst>
   </p:cSld>
@@ -4710,10 +4782,10 @@
       </p:grpSpPr>
       <p:sp>
         <p:nvSpPr>
-          <p:cNvPr id="2" name="Заголовок 1">
+          <p:cNvPr id="3" name="Объект 2">
             <a:extLst>
               <a:ext uri="{FF2B5EF4-FFF2-40B4-BE49-F238E27FC236}">
-                <a16:creationId xmlns:a16="http://schemas.microsoft.com/office/drawing/2014/main" id="{3B321E1F-47CC-085F-28BE-763C54200363}"/>
+                <a16:creationId xmlns:a16="http://schemas.microsoft.com/office/drawing/2014/main" id="{3C3AE746-E54C-7A82-6DB8-26195579C773}"/>
               </a:ext>
             </a:extLst>
           </p:cNvPr>
@@ -4721,47 +4793,41 @@
             <a:spLocks noGrp="1"/>
           </p:cNvSpPr>
           <p:nvPr>
-            <p:ph type="title"/>
+            <p:ph idx="1"/>
           </p:nvPr>
         </p:nvSpPr>
         <p:spPr/>
         <p:txBody>
-          <a:bodyPr/>
-          <a:lstStyle/>
-          <a:p>
+          <a:bodyPr>
+            <a:normAutofit fontScale="92500" lnSpcReduction="10000"/>
+          </a:bodyPr>
+          <a:lstStyle/>
+          <a:p>
+            <a:pPr marL="0" indent="0">
+              <a:buNone/>
+            </a:pPr>
             <a:r>
               <a:rPr lang="ru-RU" b="1" dirty="0"/>
-              <a:t>Актуальность</a:t>
+              <a:t>Цель:</a:t>
+            </a:r>
+            <a:br>
+              <a:rPr lang="ru-RU" dirty="0"/>
+            </a:br>
+            <a:r>
+              <a:rPr lang="ru-RU" dirty="0"/>
+              <a:t>Разработка информационной системы для автоматизированного подбора и конфигурирования вентиляционного оборудования.</a:t>
+            </a:r>
+          </a:p>
+          <a:p>
+            <a:pPr marL="0" indent="0">
+              <a:buNone/>
+            </a:pPr>
+            <a:r>
+              <a:rPr lang="ru-RU" b="1" dirty="0"/>
+              <a:t>Задачи:</a:t>
             </a:r>
             <a:endParaRPr lang="ru-RU" dirty="0"/>
           </a:p>
-        </p:txBody>
-      </p:sp>
-      <p:sp>
-        <p:nvSpPr>
-          <p:cNvPr id="3" name="Объект 2">
-            <a:extLst>
-              <a:ext uri="{FF2B5EF4-FFF2-40B4-BE49-F238E27FC236}">
-                <a16:creationId xmlns:a16="http://schemas.microsoft.com/office/drawing/2014/main" id="{0DFBB26F-4D7C-BE30-AB94-85216E00F440}"/>
-              </a:ext>
-            </a:extLst>
-          </p:cNvPr>
-          <p:cNvSpPr>
-            <a:spLocks noGrp="1"/>
-          </p:cNvSpPr>
-          <p:nvPr>
-            <p:ph idx="1"/>
-          </p:nvPr>
-        </p:nvSpPr>
-        <p:spPr>
-          <a:xfrm>
-            <a:off x="838200" y="2587751"/>
-            <a:ext cx="10515600" cy="3589211"/>
-          </a:xfrm>
-        </p:spPr>
-        <p:txBody>
-          <a:bodyPr/>
-          <a:lstStyle/>
           <a:p>
             <a:pPr>
               <a:buFont typeface="Aptos" panose="020B0004020202020204" pitchFamily="34" charset="0"/>
@@ -4769,7 +4835,7 @@
             </a:pPr>
             <a:r>
               <a:rPr lang="ru-RU" dirty="0"/>
-              <a:t>Рост спроса на системы вентиляции.</a:t>
+              <a:t>Анализ предметной области и существующих решений.</a:t>
             </a:r>
           </a:p>
           <a:p>
@@ -4779,7 +4845,7 @@
             </a:pPr>
             <a:r>
               <a:rPr lang="ru-RU" dirty="0"/>
-              <a:t>Необходимость автоматизации подбора оборудования.</a:t>
+              <a:t>Проектирование архитектуры системы.</a:t>
             </a:r>
           </a:p>
           <a:p>
@@ -4789,21 +4855,91 @@
             </a:pPr>
             <a:r>
               <a:rPr lang="ru-RU" dirty="0"/>
-              <a:t>Улучшение взаимодействия с клиентами и сокращение времени обработки заказов.</a:t>
-            </a:r>
-          </a:p>
-          <a:p>
-            <a:pPr marL="0" indent="0">
-              <a:buNone/>
+              <a:t>Выбор инструментальных средств.</a:t>
+            </a:r>
+          </a:p>
+          <a:p>
+            <a:pPr>
+              <a:buFont typeface="Aptos" panose="020B0004020202020204" pitchFamily="34" charset="0"/>
+              <a:buChar char="-"/>
             </a:pPr>
+            <a:r>
+              <a:rPr lang="ru-RU" dirty="0"/>
+              <a:t>Разработка конфигуратора.</a:t>
+            </a:r>
+          </a:p>
+          <a:p>
             <a:endParaRPr lang="ru-RU" dirty="0"/>
+          </a:p>
+        </p:txBody>
+      </p:sp>
+      <p:sp>
+        <p:nvSpPr>
+          <p:cNvPr id="4" name="Заголовок 1">
+            <a:extLst>
+              <a:ext uri="{FF2B5EF4-FFF2-40B4-BE49-F238E27FC236}">
+                <a16:creationId xmlns:a16="http://schemas.microsoft.com/office/drawing/2014/main" id="{1F9B8C8C-99B0-20F6-2AF5-E8020E40DC92}"/>
+              </a:ext>
+            </a:extLst>
+          </p:cNvPr>
+          <p:cNvSpPr txBox="1">
+            <a:spLocks/>
+          </p:cNvSpPr>
+          <p:nvPr/>
+        </p:nvSpPr>
+        <p:spPr>
+          <a:xfrm>
+            <a:off x="628650" y="365126"/>
+            <a:ext cx="7886700" cy="1325563"/>
+          </a:xfrm>
+          <a:prstGeom prst="rect">
+            <a:avLst/>
+          </a:prstGeom>
+        </p:spPr>
+        <p:txBody>
+          <a:bodyPr vert="horz" lIns="91440" tIns="45720" rIns="91440" bIns="45720" rtlCol="0" anchor="ctr">
+            <a:normAutofit/>
+          </a:bodyPr>
+          <a:lstStyle>
+            <a:lvl1pPr algn="l" defTabSz="914400" rtl="0" eaLnBrk="1" latinLnBrk="0" hangingPunct="1">
+              <a:lnSpc>
+                <a:spcPct val="90000"/>
+              </a:lnSpc>
+              <a:spcBef>
+                <a:spcPct val="0"/>
+              </a:spcBef>
+              <a:buNone/>
+              <a:defRPr sz="4400" kern="1200">
+                <a:solidFill>
+                  <a:schemeClr val="tx1"/>
+                </a:solidFill>
+                <a:latin typeface="+mj-lt"/>
+                <a:ea typeface="+mj-ea"/>
+                <a:cs typeface="+mj-cs"/>
+              </a:defRPr>
+            </a:lvl1pPr>
+          </a:lstStyle>
+          <a:p>
+            <a:r>
+              <a:rPr lang="ru-RU" b="1" dirty="0">
+                <a:latin typeface="Calibri" panose="020F0502020204030204" pitchFamily="34" charset="0"/>
+                <a:ea typeface="Calibri" panose="020F0502020204030204" pitchFamily="34" charset="0"/>
+                <a:cs typeface="Calibri" panose="020F0502020204030204" pitchFamily="34" charset="0"/>
+              </a:rPr>
+              <a:t>Цель и задачи работы</a:t>
+            </a:r>
+            <a:endParaRPr lang="ru-RU" dirty="0">
+              <a:latin typeface="Calibri" panose="020F0502020204030204" pitchFamily="34" charset="0"/>
+              <a:ea typeface="Calibri" panose="020F0502020204030204" pitchFamily="34" charset="0"/>
+              <a:cs typeface="Calibri" panose="020F0502020204030204" pitchFamily="34" charset="0"/>
+            </a:endParaRPr>
           </a:p>
         </p:txBody>
       </p:sp>
     </p:spTree>
     <p:extLst>
       <p:ext uri="{BB962C8B-B14F-4D97-AF65-F5344CB8AC3E}">
-        <p14:creationId xmlns:p14="http://schemas.microsoft.com/office/powerpoint/2010/main" val="1078084735"/>
+        <p14:creationId xmlns:p14="http://schemas.microsoft.com/office/powerpoint/2010/main" val="413677010"/>
       </p:ext>
     </p:extLst>
   </p:cSld>
@@ -4830,133 +4966,624 @@
           <a:chExt cx="0" cy="0"/>
         </a:xfrm>
       </p:grpSpPr>
-      <p:sp>
-        <p:nvSpPr>
-          <p:cNvPr id="2" name="Заголовок 1">
+      <p:pic>
+        <p:nvPicPr>
+          <p:cNvPr id="4" name="Image 0" descr="preencoded.png">
             <a:extLst>
               <a:ext uri="{FF2B5EF4-FFF2-40B4-BE49-F238E27FC236}">
-                <a16:creationId xmlns:a16="http://schemas.microsoft.com/office/drawing/2014/main" id="{8FD38FDC-CD72-F147-4C35-FA93F2A25FFF}"/>
+                <a16:creationId xmlns:a16="http://schemas.microsoft.com/office/drawing/2014/main" id="{04DD2847-7459-CD94-C326-8044A0CC9BD4}"/>
               </a:ext>
             </a:extLst>
           </p:cNvPr>
-          <p:cNvSpPr>
-            <a:spLocks noGrp="1"/>
-          </p:cNvSpPr>
-          <p:nvPr>
-            <p:ph type="title"/>
-          </p:nvPr>
-        </p:nvSpPr>
-        <p:spPr/>
-        <p:txBody>
-          <a:bodyPr/>
-          <a:lstStyle/>
-          <a:p>
-            <a:r>
-              <a:rPr lang="ru-RU" b="1" dirty="0"/>
-              <a:t>Инструменты разработки</a:t>
-            </a:r>
-          </a:p>
-        </p:txBody>
-      </p:sp>
-      <p:sp>
-        <p:nvSpPr>
-          <p:cNvPr id="3" name="Объект 2">
+          <p:cNvPicPr>
+            <a:picLocks noChangeAspect="1"/>
+          </p:cNvPicPr>
+          <p:nvPr/>
+        </p:nvPicPr>
+        <p:blipFill>
+          <a:blip r:embed="rId2"/>
+          <a:stretch>
+            <a:fillRect/>
+          </a:stretch>
+        </p:blipFill>
+        <p:spPr>
+          <a:xfrm>
+            <a:off x="1027475" y="1966797"/>
+            <a:ext cx="566976" cy="566976"/>
+          </a:xfrm>
+          <a:prstGeom prst="rect">
+            <a:avLst/>
+          </a:prstGeom>
+        </p:spPr>
+      </p:pic>
+      <p:sp>
+        <p:nvSpPr>
+          <p:cNvPr id="5" name="Text 1">
             <a:extLst>
               <a:ext uri="{FF2B5EF4-FFF2-40B4-BE49-F238E27FC236}">
-                <a16:creationId xmlns:a16="http://schemas.microsoft.com/office/drawing/2014/main" id="{956990CA-00E0-BCD8-2367-F493BA7B3AD1}"/>
+                <a16:creationId xmlns:a16="http://schemas.microsoft.com/office/drawing/2014/main" id="{54668EDC-9768-E394-7B3C-40D056F95730}"/>
               </a:ext>
             </a:extLst>
           </p:cNvPr>
-          <p:cNvSpPr>
-            <a:spLocks noGrp="1"/>
-          </p:cNvSpPr>
-          <p:nvPr>
-            <p:ph idx="1"/>
-          </p:nvPr>
+          <p:cNvSpPr/>
+          <p:nvPr/>
         </p:nvSpPr>
         <p:spPr>
           <a:xfrm>
-            <a:off x="838200" y="2478023"/>
-            <a:ext cx="10515600" cy="3698939"/>
+            <a:off x="1821263" y="2073120"/>
+            <a:ext cx="2254210" cy="354330"/>
           </a:xfrm>
+          <a:prstGeom prst="rect">
+            <a:avLst/>
+          </a:prstGeom>
+          <a:noFill/>
+          <a:ln/>
         </p:spPr>
         <p:txBody>
-          <a:bodyPr/>
-          <a:lstStyle/>
-          <a:p>
-            <a:pPr>
-              <a:buFont typeface="Aptos" panose="020B0004020202020204" pitchFamily="34" charset="0"/>
-              <a:buChar char="-"/>
+          <a:bodyPr wrap="none" lIns="0" tIns="0" rIns="0" bIns="0" rtlCol="0" anchor="t"/>
+          <a:lstStyle/>
+          <a:p>
+            <a:pPr marL="0" indent="0" algn="l">
+              <a:lnSpc>
+                <a:spcPts val="2750"/>
+              </a:lnSpc>
+              <a:buNone/>
             </a:pPr>
             <a:r>
-              <a:rPr lang="ru-RU" b="1" dirty="0"/>
+              <a:rPr lang="en-US" sz="2200" dirty="0">
+                <a:solidFill>
+                  <a:srgbClr val="384653"/>
+                </a:solidFill>
+                <a:latin typeface="Calibri" panose="020F0502020204030204" pitchFamily="34" charset="0"/>
+                <a:ea typeface="Calibri" panose="020F0502020204030204" pitchFamily="34" charset="0"/>
+                <a:cs typeface="Calibri" panose="020F0502020204030204" pitchFamily="34" charset="0"/>
+              </a:rPr>
               <a:t>Сервер:</a:t>
             </a:r>
-            <a:r>
-              <a:rPr lang="ru-RU" dirty="0"/>
-              <a:t> </a:t>
-            </a:r>
-            <a:r>
-              <a:rPr lang="en-US" dirty="0"/>
-              <a:t>ASP.NET Core (C#), Entity Framework Core.</a:t>
-            </a:r>
-          </a:p>
-          <a:p>
-            <a:pPr>
-              <a:buFont typeface="Aptos" panose="020B0004020202020204" pitchFamily="34" charset="0"/>
-              <a:buChar char="-"/>
+            <a:endParaRPr lang="en-US" sz="2200" dirty="0">
+              <a:latin typeface="Calibri" panose="020F0502020204030204" pitchFamily="34" charset="0"/>
+              <a:ea typeface="Calibri" panose="020F0502020204030204" pitchFamily="34" charset="0"/>
+              <a:cs typeface="Calibri" panose="020F0502020204030204" pitchFamily="34" charset="0"/>
+            </a:endParaRPr>
+          </a:p>
+        </p:txBody>
+      </p:sp>
+      <p:sp>
+        <p:nvSpPr>
+          <p:cNvPr id="6" name="Text 2">
+            <a:extLst>
+              <a:ext uri="{FF2B5EF4-FFF2-40B4-BE49-F238E27FC236}">
+                <a16:creationId xmlns:a16="http://schemas.microsoft.com/office/drawing/2014/main" id="{FB6186F2-2C64-DD6C-576C-B2D27ECFEE63}"/>
+              </a:ext>
+            </a:extLst>
+          </p:cNvPr>
+          <p:cNvSpPr/>
+          <p:nvPr/>
+        </p:nvSpPr>
+        <p:spPr>
+          <a:xfrm>
+            <a:off x="4416441" y="1963806"/>
+            <a:ext cx="2672515" cy="354330"/>
+          </a:xfrm>
+          <a:prstGeom prst="rect">
+            <a:avLst/>
+          </a:prstGeom>
+          <a:noFill/>
+          <a:ln/>
+        </p:spPr>
+        <p:txBody>
+          <a:bodyPr wrap="square" lIns="0" tIns="0" rIns="0" bIns="0" rtlCol="0" anchor="t"/>
+          <a:lstStyle/>
+          <a:p>
+            <a:pPr marL="0" indent="0" algn="l">
+              <a:lnSpc>
+                <a:spcPts val="2650"/>
+              </a:lnSpc>
+              <a:buNone/>
             </a:pPr>
             <a:r>
-              <a:rPr lang="ru-RU" b="1" dirty="0"/>
+              <a:rPr lang="en-US" sz="2200" dirty="0">
+                <a:solidFill>
+                  <a:srgbClr val="384653"/>
+                </a:solidFill>
+                <a:latin typeface="Calibri" panose="020F0502020204030204" pitchFamily="34" charset="0"/>
+                <a:ea typeface="Calibri" panose="020F0502020204030204" pitchFamily="34" charset="0"/>
+                <a:cs typeface="Calibri" panose="020F0502020204030204" pitchFamily="34" charset="0"/>
+              </a:rPr>
+              <a:t>ASP.NET Core (C#), Entity</a:t>
+            </a:r>
+            <a:r>
+              <a:rPr lang="ru-RU" sz="2200" dirty="0">
+                <a:solidFill>
+                  <a:srgbClr val="384653"/>
+                </a:solidFill>
+                <a:latin typeface="Calibri" panose="020F0502020204030204" pitchFamily="34" charset="0"/>
+                <a:ea typeface="Calibri" panose="020F0502020204030204" pitchFamily="34" charset="0"/>
+                <a:cs typeface="Calibri" panose="020F0502020204030204" pitchFamily="34" charset="0"/>
+              </a:rPr>
+              <a:t> </a:t>
+            </a:r>
+            <a:r>
+              <a:rPr lang="en-US" sz="2200" dirty="0">
+                <a:solidFill>
+                  <a:srgbClr val="384653"/>
+                </a:solidFill>
+                <a:latin typeface="Calibri" panose="020F0502020204030204" pitchFamily="34" charset="0"/>
+                <a:ea typeface="Calibri" panose="020F0502020204030204" pitchFamily="34" charset="0"/>
+                <a:cs typeface="Calibri" panose="020F0502020204030204" pitchFamily="34" charset="0"/>
+              </a:rPr>
+              <a:t>Framework Core.</a:t>
+            </a:r>
+            <a:endParaRPr lang="en-US" sz="2200" dirty="0">
+              <a:latin typeface="Calibri" panose="020F0502020204030204" pitchFamily="34" charset="0"/>
+              <a:ea typeface="Calibri" panose="020F0502020204030204" pitchFamily="34" charset="0"/>
+              <a:cs typeface="Calibri" panose="020F0502020204030204" pitchFamily="34" charset="0"/>
+            </a:endParaRPr>
+          </a:p>
+        </p:txBody>
+      </p:sp>
+      <p:pic>
+        <p:nvPicPr>
+          <p:cNvPr id="7" name="Image 1" descr="preencoded.png">
+            <a:extLst>
+              <a:ext uri="{FF2B5EF4-FFF2-40B4-BE49-F238E27FC236}">
+                <a16:creationId xmlns:a16="http://schemas.microsoft.com/office/drawing/2014/main" id="{7E2F27FA-3912-98D2-8EA8-7A71FCFB408E}"/>
+              </a:ext>
+            </a:extLst>
+          </p:cNvPr>
+          <p:cNvPicPr>
+            <a:picLocks noChangeAspect="1"/>
+          </p:cNvPicPr>
+          <p:nvPr/>
+        </p:nvPicPr>
+        <p:blipFill>
+          <a:blip r:embed="rId3"/>
+          <a:stretch>
+            <a:fillRect/>
+          </a:stretch>
+        </p:blipFill>
+        <p:spPr>
+          <a:xfrm>
+            <a:off x="1027475" y="2953100"/>
+            <a:ext cx="566976" cy="566976"/>
+          </a:xfrm>
+          <a:prstGeom prst="rect">
+            <a:avLst/>
+          </a:prstGeom>
+        </p:spPr>
+      </p:pic>
+      <p:sp>
+        <p:nvSpPr>
+          <p:cNvPr id="8" name="Text 3">
+            <a:extLst>
+              <a:ext uri="{FF2B5EF4-FFF2-40B4-BE49-F238E27FC236}">
+                <a16:creationId xmlns:a16="http://schemas.microsoft.com/office/drawing/2014/main" id="{1D25FAAF-6B36-5D63-8F24-56EB4E9F4A61}"/>
+              </a:ext>
+            </a:extLst>
+          </p:cNvPr>
+          <p:cNvSpPr/>
+          <p:nvPr/>
+        </p:nvSpPr>
+        <p:spPr>
+          <a:xfrm>
+            <a:off x="1821144" y="3052339"/>
+            <a:ext cx="2254329" cy="354330"/>
+          </a:xfrm>
+          <a:prstGeom prst="rect">
+            <a:avLst/>
+          </a:prstGeom>
+          <a:noFill/>
+          <a:ln/>
+        </p:spPr>
+        <p:txBody>
+          <a:bodyPr wrap="none" lIns="0" tIns="0" rIns="0" bIns="0" rtlCol="0" anchor="t"/>
+          <a:lstStyle/>
+          <a:p>
+            <a:pPr marL="0" indent="0" algn="l">
+              <a:lnSpc>
+                <a:spcPts val="2750"/>
+              </a:lnSpc>
+              <a:buNone/>
+            </a:pPr>
+            <a:r>
+              <a:rPr lang="en-US" sz="2200" dirty="0">
+                <a:solidFill>
+                  <a:srgbClr val="384653"/>
+                </a:solidFill>
+                <a:latin typeface="Calibri" panose="020F0502020204030204" pitchFamily="34" charset="0"/>
+                <a:ea typeface="Calibri" panose="020F0502020204030204" pitchFamily="34" charset="0"/>
+                <a:cs typeface="Calibri" panose="020F0502020204030204" pitchFamily="34" charset="0"/>
+              </a:rPr>
               <a:t>Клиент:</a:t>
             </a:r>
-            <a:r>
-              <a:rPr lang="ru-RU" dirty="0"/>
-              <a:t> </a:t>
-            </a:r>
-            <a:r>
-              <a:rPr lang="en-US" dirty="0"/>
+            <a:endParaRPr lang="en-US" sz="2200" dirty="0">
+              <a:latin typeface="Calibri" panose="020F0502020204030204" pitchFamily="34" charset="0"/>
+              <a:ea typeface="Calibri" panose="020F0502020204030204" pitchFamily="34" charset="0"/>
+              <a:cs typeface="Calibri" panose="020F0502020204030204" pitchFamily="34" charset="0"/>
+            </a:endParaRPr>
+          </a:p>
+        </p:txBody>
+      </p:sp>
+      <p:sp>
+        <p:nvSpPr>
+          <p:cNvPr id="9" name="Text 4">
+            <a:extLst>
+              <a:ext uri="{FF2B5EF4-FFF2-40B4-BE49-F238E27FC236}">
+                <a16:creationId xmlns:a16="http://schemas.microsoft.com/office/drawing/2014/main" id="{748E8FFC-8892-6BF7-3FD5-5BB4F25CB42A}"/>
+              </a:ext>
+            </a:extLst>
+          </p:cNvPr>
+          <p:cNvSpPr/>
+          <p:nvPr/>
+        </p:nvSpPr>
+        <p:spPr>
+          <a:xfrm>
+            <a:off x="4416441" y="3059423"/>
+            <a:ext cx="2254329" cy="340162"/>
+          </a:xfrm>
+          <a:prstGeom prst="rect">
+            <a:avLst/>
+          </a:prstGeom>
+          <a:noFill/>
+          <a:ln/>
+        </p:spPr>
+        <p:txBody>
+          <a:bodyPr wrap="none" lIns="0" tIns="0" rIns="0" bIns="0" rtlCol="0" anchor="t"/>
+          <a:lstStyle/>
+          <a:p>
+            <a:pPr marL="0" indent="0" algn="l">
+              <a:lnSpc>
+                <a:spcPts val="2650"/>
+              </a:lnSpc>
+              <a:buNone/>
+            </a:pPr>
+            <a:r>
+              <a:rPr lang="en-US" sz="2200" dirty="0">
+                <a:solidFill>
+                  <a:srgbClr val="384653"/>
+                </a:solidFill>
+                <a:latin typeface="Calibri" panose="020F0502020204030204" pitchFamily="34" charset="0"/>
+                <a:ea typeface="Calibri" panose="020F0502020204030204" pitchFamily="34" charset="0"/>
+                <a:cs typeface="Calibri" panose="020F0502020204030204" pitchFamily="34" charset="0"/>
+              </a:rPr>
               <a:t>React.js.</a:t>
             </a:r>
-          </a:p>
-          <a:p>
-            <a:pPr>
-              <a:buFont typeface="Aptos" panose="020B0004020202020204" pitchFamily="34" charset="0"/>
-              <a:buChar char="-"/>
+            <a:endParaRPr lang="en-US" sz="2200" dirty="0">
+              <a:latin typeface="Calibri" panose="020F0502020204030204" pitchFamily="34" charset="0"/>
+              <a:ea typeface="Calibri" panose="020F0502020204030204" pitchFamily="34" charset="0"/>
+              <a:cs typeface="Calibri" panose="020F0502020204030204" pitchFamily="34" charset="0"/>
+            </a:endParaRPr>
+          </a:p>
+        </p:txBody>
+      </p:sp>
+      <p:pic>
+        <p:nvPicPr>
+          <p:cNvPr id="10" name="Image 2" descr="preencoded.png">
+            <a:extLst>
+              <a:ext uri="{FF2B5EF4-FFF2-40B4-BE49-F238E27FC236}">
+                <a16:creationId xmlns:a16="http://schemas.microsoft.com/office/drawing/2014/main" id="{C7F7C4FB-549F-4D8F-A85B-4B3204DEC9C3}"/>
+              </a:ext>
+            </a:extLst>
+          </p:cNvPr>
+          <p:cNvPicPr>
+            <a:picLocks noChangeAspect="1"/>
+          </p:cNvPicPr>
+          <p:nvPr/>
+        </p:nvPicPr>
+        <p:blipFill>
+          <a:blip r:embed="rId4"/>
+          <a:stretch>
+            <a:fillRect/>
+          </a:stretch>
+        </p:blipFill>
+        <p:spPr>
+          <a:xfrm>
+            <a:off x="1027475" y="4016653"/>
+            <a:ext cx="566976" cy="566976"/>
+          </a:xfrm>
+          <a:prstGeom prst="rect">
+            <a:avLst/>
+          </a:prstGeom>
+        </p:spPr>
+      </p:pic>
+      <p:sp>
+        <p:nvSpPr>
+          <p:cNvPr id="11" name="Text 5">
+            <a:extLst>
+              <a:ext uri="{FF2B5EF4-FFF2-40B4-BE49-F238E27FC236}">
+                <a16:creationId xmlns:a16="http://schemas.microsoft.com/office/drawing/2014/main" id="{5944FFCE-D406-EF8B-294F-A1180CB27580}"/>
+              </a:ext>
+            </a:extLst>
+          </p:cNvPr>
+          <p:cNvSpPr/>
+          <p:nvPr/>
+        </p:nvSpPr>
+        <p:spPr>
+          <a:xfrm>
+            <a:off x="1821144" y="4139720"/>
+            <a:ext cx="2254329" cy="354330"/>
+          </a:xfrm>
+          <a:prstGeom prst="rect">
+            <a:avLst/>
+          </a:prstGeom>
+          <a:noFill/>
+          <a:ln/>
+        </p:spPr>
+        <p:txBody>
+          <a:bodyPr wrap="none" lIns="0" tIns="0" rIns="0" bIns="0" rtlCol="0" anchor="t"/>
+          <a:lstStyle/>
+          <a:p>
+            <a:pPr marL="0" indent="0" algn="l">
+              <a:lnSpc>
+                <a:spcPts val="2750"/>
+              </a:lnSpc>
+              <a:buNone/>
             </a:pPr>
             <a:r>
-              <a:rPr lang="ru-RU" b="1" dirty="0"/>
+              <a:rPr lang="en-US" sz="2200" dirty="0">
+                <a:solidFill>
+                  <a:srgbClr val="384653"/>
+                </a:solidFill>
+                <a:latin typeface="Calibri" panose="020F0502020204030204" pitchFamily="34" charset="0"/>
+                <a:ea typeface="Calibri" panose="020F0502020204030204" pitchFamily="34" charset="0"/>
+                <a:cs typeface="Calibri" panose="020F0502020204030204" pitchFamily="34" charset="0"/>
+              </a:rPr>
               <a:t>База данных:</a:t>
             </a:r>
-            <a:r>
-              <a:rPr lang="ru-RU" dirty="0"/>
-              <a:t> </a:t>
-            </a:r>
-            <a:r>
-              <a:rPr lang="en-US" dirty="0"/>
+            <a:endParaRPr lang="en-US" sz="2200" dirty="0">
+              <a:latin typeface="Calibri" panose="020F0502020204030204" pitchFamily="34" charset="0"/>
+              <a:ea typeface="Calibri" panose="020F0502020204030204" pitchFamily="34" charset="0"/>
+              <a:cs typeface="Calibri" panose="020F0502020204030204" pitchFamily="34" charset="0"/>
+            </a:endParaRPr>
+          </a:p>
+        </p:txBody>
+      </p:sp>
+      <p:sp>
+        <p:nvSpPr>
+          <p:cNvPr id="12" name="Text 6">
+            <a:extLst>
+              <a:ext uri="{FF2B5EF4-FFF2-40B4-BE49-F238E27FC236}">
+                <a16:creationId xmlns:a16="http://schemas.microsoft.com/office/drawing/2014/main" id="{C66E736B-132B-AD13-FB9E-E7B1B886DAC4}"/>
+              </a:ext>
+            </a:extLst>
+          </p:cNvPr>
+          <p:cNvSpPr/>
+          <p:nvPr/>
+        </p:nvSpPr>
+        <p:spPr>
+          <a:xfrm>
+            <a:off x="4416442" y="4153888"/>
+            <a:ext cx="2254329" cy="340162"/>
+          </a:xfrm>
+          <a:prstGeom prst="rect">
+            <a:avLst/>
+          </a:prstGeom>
+          <a:noFill/>
+          <a:ln/>
+        </p:spPr>
+        <p:txBody>
+          <a:bodyPr wrap="none" lIns="0" tIns="0" rIns="0" bIns="0" rtlCol="0" anchor="t"/>
+          <a:lstStyle/>
+          <a:p>
+            <a:pPr marL="0" indent="0" algn="l">
+              <a:lnSpc>
+                <a:spcPts val="2650"/>
+              </a:lnSpc>
+              <a:buNone/>
+            </a:pPr>
+            <a:r>
+              <a:rPr lang="en-US" sz="2200" dirty="0">
+                <a:solidFill>
+                  <a:srgbClr val="384653"/>
+                </a:solidFill>
+                <a:latin typeface="Calibri" panose="020F0502020204030204" pitchFamily="34" charset="0"/>
+                <a:ea typeface="Calibri" panose="020F0502020204030204" pitchFamily="34" charset="0"/>
+                <a:cs typeface="Calibri" panose="020F0502020204030204" pitchFamily="34" charset="0"/>
+              </a:rPr>
               <a:t>PostgreSQL.</a:t>
             </a:r>
-          </a:p>
-          <a:p>
-            <a:pPr>
-              <a:buFont typeface="Aptos" panose="020B0004020202020204" pitchFamily="34" charset="0"/>
-              <a:buChar char="-"/>
+            <a:endParaRPr lang="en-US" sz="2200" dirty="0">
+              <a:latin typeface="Calibri" panose="020F0502020204030204" pitchFamily="34" charset="0"/>
+              <a:ea typeface="Calibri" panose="020F0502020204030204" pitchFamily="34" charset="0"/>
+              <a:cs typeface="Calibri" panose="020F0502020204030204" pitchFamily="34" charset="0"/>
+            </a:endParaRPr>
+          </a:p>
+        </p:txBody>
+      </p:sp>
+      <p:pic>
+        <p:nvPicPr>
+          <p:cNvPr id="13" name="Image 3" descr="preencoded.png">
+            <a:extLst>
+              <a:ext uri="{FF2B5EF4-FFF2-40B4-BE49-F238E27FC236}">
+                <a16:creationId xmlns:a16="http://schemas.microsoft.com/office/drawing/2014/main" id="{84CEA30B-9115-764E-C197-44F6D69A4C42}"/>
+              </a:ext>
+            </a:extLst>
+          </p:cNvPr>
+          <p:cNvPicPr>
+            <a:picLocks noChangeAspect="1"/>
+          </p:cNvPicPr>
+          <p:nvPr/>
+        </p:nvPicPr>
+        <p:blipFill>
+          <a:blip r:embed="rId5"/>
+          <a:stretch>
+            <a:fillRect/>
+          </a:stretch>
+        </p:blipFill>
+        <p:spPr>
+          <a:xfrm>
+            <a:off x="985318" y="5080206"/>
+            <a:ext cx="651290" cy="651290"/>
+          </a:xfrm>
+          <a:prstGeom prst="rect">
+            <a:avLst/>
+          </a:prstGeom>
+        </p:spPr>
+      </p:pic>
+      <p:sp>
+        <p:nvSpPr>
+          <p:cNvPr id="14" name="Text 7">
+            <a:extLst>
+              <a:ext uri="{FF2B5EF4-FFF2-40B4-BE49-F238E27FC236}">
+                <a16:creationId xmlns:a16="http://schemas.microsoft.com/office/drawing/2014/main" id="{311856A2-76AD-6E3B-EAFC-D477FB08E108}"/>
+              </a:ext>
+            </a:extLst>
+          </p:cNvPr>
+          <p:cNvSpPr/>
+          <p:nvPr/>
+        </p:nvSpPr>
+        <p:spPr>
+          <a:xfrm>
+            <a:off x="1821144" y="5227101"/>
+            <a:ext cx="2254329" cy="708660"/>
+          </a:xfrm>
+          <a:prstGeom prst="rect">
+            <a:avLst/>
+          </a:prstGeom>
+          <a:noFill/>
+          <a:ln/>
+        </p:spPr>
+        <p:txBody>
+          <a:bodyPr wrap="square" lIns="0" tIns="0" rIns="0" bIns="0" rtlCol="0" anchor="t"/>
+          <a:lstStyle/>
+          <a:p>
+            <a:pPr marL="0" indent="0" algn="l">
+              <a:lnSpc>
+                <a:spcPts val="2750"/>
+              </a:lnSpc>
+              <a:buNone/>
             </a:pPr>
             <a:r>
-              <a:rPr lang="ru-RU" b="1" dirty="0"/>
+              <a:rPr lang="en-US" sz="2200" dirty="0">
+                <a:solidFill>
+                  <a:srgbClr val="384653"/>
+                </a:solidFill>
+                <a:latin typeface="Calibri" panose="020F0502020204030204" pitchFamily="34" charset="0"/>
+                <a:ea typeface="Calibri" panose="020F0502020204030204" pitchFamily="34" charset="0"/>
+                <a:cs typeface="Calibri" panose="020F0502020204030204" pitchFamily="34" charset="0"/>
+              </a:rPr>
               <a:t>Контейнеризация:</a:t>
             </a:r>
-            <a:r>
-              <a:rPr lang="ru-RU" dirty="0"/>
-              <a:t> </a:t>
-            </a:r>
-            <a:r>
-              <a:rPr lang="en-US" dirty="0"/>
+            <a:endParaRPr lang="en-US" sz="2200" dirty="0">
+              <a:latin typeface="Calibri" panose="020F0502020204030204" pitchFamily="34" charset="0"/>
+              <a:ea typeface="Calibri" panose="020F0502020204030204" pitchFamily="34" charset="0"/>
+              <a:cs typeface="Calibri" panose="020F0502020204030204" pitchFamily="34" charset="0"/>
+            </a:endParaRPr>
+          </a:p>
+        </p:txBody>
+      </p:sp>
+      <p:sp>
+        <p:nvSpPr>
+          <p:cNvPr id="15" name="Text 8">
+            <a:extLst>
+              <a:ext uri="{FF2B5EF4-FFF2-40B4-BE49-F238E27FC236}">
+                <a16:creationId xmlns:a16="http://schemas.microsoft.com/office/drawing/2014/main" id="{3DD926C9-1284-9FDD-3FBC-AF8DA98904F8}"/>
+              </a:ext>
+            </a:extLst>
+          </p:cNvPr>
+          <p:cNvSpPr/>
+          <p:nvPr/>
+        </p:nvSpPr>
+        <p:spPr>
+          <a:xfrm>
+            <a:off x="4416441" y="5235770"/>
+            <a:ext cx="2254329" cy="340162"/>
+          </a:xfrm>
+          <a:prstGeom prst="rect">
+            <a:avLst/>
+          </a:prstGeom>
+          <a:noFill/>
+          <a:ln/>
+        </p:spPr>
+        <p:txBody>
+          <a:bodyPr wrap="none" lIns="0" tIns="0" rIns="0" bIns="0" rtlCol="0" anchor="t"/>
+          <a:lstStyle/>
+          <a:p>
+            <a:pPr marL="0" indent="0" algn="l">
+              <a:lnSpc>
+                <a:spcPts val="2650"/>
+              </a:lnSpc>
+              <a:buNone/>
+            </a:pPr>
+            <a:r>
+              <a:rPr lang="en-US" sz="2200" dirty="0">
+                <a:solidFill>
+                  <a:srgbClr val="384653"/>
+                </a:solidFill>
+                <a:latin typeface="Calibri" panose="020F0502020204030204" pitchFamily="34" charset="0"/>
+                <a:ea typeface="Calibri" panose="020F0502020204030204" pitchFamily="34" charset="0"/>
+                <a:cs typeface="Calibri" panose="020F0502020204030204" pitchFamily="34" charset="0"/>
+              </a:rPr>
               <a:t>Docker.</a:t>
             </a:r>
-          </a:p>
-          <a:p>
-            <a:endParaRPr lang="ru-RU" dirty="0"/>
+            <a:endParaRPr lang="en-US" sz="2200" dirty="0">
+              <a:latin typeface="Calibri" panose="020F0502020204030204" pitchFamily="34" charset="0"/>
+              <a:ea typeface="Calibri" panose="020F0502020204030204" pitchFamily="34" charset="0"/>
+              <a:cs typeface="Calibri" panose="020F0502020204030204" pitchFamily="34" charset="0"/>
+            </a:endParaRPr>
+          </a:p>
+        </p:txBody>
+      </p:sp>
+      <p:sp>
+        <p:nvSpPr>
+          <p:cNvPr id="16" name="Заголовок 1">
+            <a:extLst>
+              <a:ext uri="{FF2B5EF4-FFF2-40B4-BE49-F238E27FC236}">
+                <a16:creationId xmlns:a16="http://schemas.microsoft.com/office/drawing/2014/main" id="{57B8AF4F-CD37-2DD4-906F-22A3A2A7C069}"/>
+              </a:ext>
+            </a:extLst>
+          </p:cNvPr>
+          <p:cNvSpPr txBox="1">
+            <a:spLocks/>
+          </p:cNvSpPr>
+          <p:nvPr/>
+        </p:nvSpPr>
+        <p:spPr>
+          <a:xfrm>
+            <a:off x="628650" y="365126"/>
+            <a:ext cx="7886700" cy="1325563"/>
+          </a:xfrm>
+          <a:prstGeom prst="rect">
+            <a:avLst/>
+          </a:prstGeom>
+        </p:spPr>
+        <p:txBody>
+          <a:bodyPr vert="horz" lIns="91440" tIns="45720" rIns="91440" bIns="45720" rtlCol="0" anchor="ctr">
+            <a:normAutofit/>
+          </a:bodyPr>
+          <a:lstStyle>
+            <a:lvl1pPr algn="l" defTabSz="914400" rtl="0" eaLnBrk="1" latinLnBrk="0" hangingPunct="1">
+              <a:lnSpc>
+                <a:spcPct val="90000"/>
+              </a:lnSpc>
+              <a:spcBef>
+                <a:spcPct val="0"/>
+              </a:spcBef>
+              <a:buNone/>
+              <a:defRPr sz="4400" kern="1200">
+                <a:solidFill>
+                  <a:schemeClr val="tx1"/>
+                </a:solidFill>
+                <a:latin typeface="+mj-lt"/>
+                <a:ea typeface="+mj-ea"/>
+                <a:cs typeface="+mj-cs"/>
+              </a:defRPr>
+            </a:lvl1pPr>
+          </a:lstStyle>
+          <a:p>
+            <a:r>
+              <a:rPr lang="ru-RU" b="1" dirty="0">
+                <a:latin typeface="Calibri" panose="020F0502020204030204" pitchFamily="34" charset="0"/>
+                <a:ea typeface="Calibri" panose="020F0502020204030204" pitchFamily="34" charset="0"/>
+                <a:cs typeface="Calibri" panose="020F0502020204030204" pitchFamily="34" charset="0"/>
+              </a:rPr>
+              <a:t>Инструменты разработки</a:t>
+            </a:r>
+            <a:endParaRPr lang="ru-RU" dirty="0">
+              <a:latin typeface="Calibri" panose="020F0502020204030204" pitchFamily="34" charset="0"/>
+              <a:ea typeface="Calibri" panose="020F0502020204030204" pitchFamily="34" charset="0"/>
+              <a:cs typeface="Calibri" panose="020F0502020204030204" pitchFamily="34" charset="0"/>
+            </a:endParaRPr>
           </a:p>
         </p:txBody>
       </p:sp>
@@ -5012,103 +5639,24 @@
           <a:lstStyle/>
           <a:p>
             <a:r>
-              <a:rPr lang="ru-RU" b="1" dirty="0"/>
+              <a:rPr lang="ru-RU" b="1" dirty="0">
+                <a:latin typeface="Calibri" panose="020F0502020204030204" pitchFamily="34" charset="0"/>
+                <a:ea typeface="Calibri" panose="020F0502020204030204" pitchFamily="34" charset="0"/>
+                <a:cs typeface="Calibri" panose="020F0502020204030204" pitchFamily="34" charset="0"/>
+              </a:rPr>
               <a:t>Архитектура системы</a:t>
             </a:r>
-            <a:endParaRPr lang="ru-RU" dirty="0"/>
-          </a:p>
-        </p:txBody>
-      </p:sp>
-      <p:sp>
-        <p:nvSpPr>
-          <p:cNvPr id="3" name="Объект 2">
-            <a:extLst>
-              <a:ext uri="{FF2B5EF4-FFF2-40B4-BE49-F238E27FC236}">
-                <a16:creationId xmlns:a16="http://schemas.microsoft.com/office/drawing/2014/main" id="{6133F7E8-C4A4-750C-8496-E91401BE1192}"/>
-              </a:ext>
-            </a:extLst>
-          </p:cNvPr>
-          <p:cNvSpPr>
-            <a:spLocks noGrp="1"/>
-          </p:cNvSpPr>
-          <p:nvPr>
-            <p:ph idx="1"/>
-          </p:nvPr>
-        </p:nvSpPr>
-        <p:spPr>
-          <a:xfrm>
-            <a:off x="838200" y="1690689"/>
-            <a:ext cx="10515600" cy="2104072"/>
-          </a:xfrm>
-        </p:spPr>
-        <p:txBody>
-          <a:bodyPr>
-            <a:normAutofit/>
-          </a:bodyPr>
-          <a:lstStyle/>
-          <a:p>
-            <a:pPr marL="0" indent="0">
-              <a:buNone/>
-            </a:pPr>
-            <a:r>
-              <a:rPr lang="ru-RU" b="1" dirty="0"/>
-              <a:t>Трехуровневая архитектура:</a:t>
-            </a:r>
-            <a:endParaRPr lang="ru-RU" dirty="0"/>
-          </a:p>
-          <a:p>
-            <a:r>
-              <a:rPr lang="en-US" b="1" dirty="0"/>
-              <a:t>Frontend:</a:t>
-            </a:r>
-            <a:r>
-              <a:rPr lang="en-US" dirty="0"/>
-              <a:t> React.js (</a:t>
-            </a:r>
-            <a:r>
-              <a:rPr lang="ru-RU" dirty="0"/>
-              <a:t>интерфейс пользователя).</a:t>
-            </a:r>
-          </a:p>
-          <a:p>
-            <a:r>
-              <a:rPr lang="en-US" b="1" dirty="0"/>
-              <a:t>Backend:</a:t>
-            </a:r>
-            <a:r>
-              <a:rPr lang="en-US" dirty="0"/>
-              <a:t> ASP.NET Core Web API (</a:t>
-            </a:r>
-            <a:r>
-              <a:rPr lang="ru-RU" dirty="0"/>
-              <a:t>бизнес-логика).</a:t>
-            </a:r>
-          </a:p>
-          <a:p>
-            <a:r>
-              <a:rPr lang="en-US" b="1" dirty="0"/>
-              <a:t>Database:</a:t>
-            </a:r>
-            <a:r>
-              <a:rPr lang="en-US" dirty="0"/>
-              <a:t> PostgreSQL (</a:t>
-            </a:r>
-            <a:r>
-              <a:rPr lang="ru-RU" dirty="0"/>
-              <a:t>хранение данных).</a:t>
-            </a:r>
-          </a:p>
-          <a:p>
-            <a:pPr marL="0" indent="0">
-              <a:buNone/>
-            </a:pPr>
-            <a:endParaRPr lang="ru-RU" dirty="0"/>
+            <a:endParaRPr lang="ru-RU" dirty="0">
+              <a:latin typeface="Calibri" panose="020F0502020204030204" pitchFamily="34" charset="0"/>
+              <a:ea typeface="Calibri" panose="020F0502020204030204" pitchFamily="34" charset="0"/>
+              <a:cs typeface="Calibri" panose="020F0502020204030204" pitchFamily="34" charset="0"/>
+            </a:endParaRPr>
           </a:p>
         </p:txBody>
       </p:sp>
       <p:pic>
         <p:nvPicPr>
-          <p:cNvPr id="4" name="Рисунок 3" descr="Изображение выглядит как текст, снимок экрана, Прямоугольник, диаграмма&#10;&#10;Контент, сгенерированный ИИ, может содержать ошибки.">
+          <p:cNvPr id="4" name="Рисунок 3">
             <a:extLst>
               <a:ext uri="{FF2B5EF4-FFF2-40B4-BE49-F238E27FC236}">
                 <a16:creationId xmlns:a16="http://schemas.microsoft.com/office/drawing/2014/main" id="{785FE34F-E033-3A8A-BE53-339873AB5D1C}"/>
@@ -5128,14 +5676,13 @@
               </a:ext>
             </a:extLst>
           </a:blip>
-          <a:stretch>
-            <a:fillRect/>
-          </a:stretch>
+          <a:srcRect/>
+          <a:stretch/>
         </p:blipFill>
         <p:spPr>
           <a:xfrm>
-            <a:off x="3054097" y="3744123"/>
-            <a:ext cx="5449824" cy="2846375"/>
+            <a:off x="297248" y="1690689"/>
+            <a:ext cx="8549504" cy="4541621"/>
           </a:xfrm>
           <a:prstGeom prst="rect">
             <a:avLst/>
@@ -5194,7 +5741,11 @@
           <a:lstStyle/>
           <a:p>
             <a:r>
-              <a:rPr lang="ru-RU" b="1" dirty="0"/>
+              <a:rPr lang="ru-RU" b="1" dirty="0">
+                <a:latin typeface="Calibri" panose="020F0502020204030204" pitchFamily="34" charset="0"/>
+                <a:ea typeface="Calibri" panose="020F0502020204030204" pitchFamily="34" charset="0"/>
+                <a:cs typeface="Calibri" panose="020F0502020204030204" pitchFamily="34" charset="0"/>
+              </a:rPr>
               <a:t>Концептуальная модель БД</a:t>
             </a:r>
           </a:p>
@@ -5230,8 +5781,8 @@
         </p:blipFill>
         <p:spPr>
           <a:xfrm>
-            <a:off x="2522231" y="2156059"/>
-            <a:ext cx="6918147" cy="3469247"/>
+            <a:off x="298130" y="1917228"/>
+            <a:ext cx="8717853" cy="4371747"/>
           </a:xfrm>
           <a:prstGeom prst="rect">
             <a:avLst/>
@@ -5290,10 +5841,18 @@
           <a:lstStyle/>
           <a:p>
             <a:r>
-              <a:rPr lang="ru-RU" b="1" dirty="0"/>
+              <a:rPr lang="ru-RU" b="1" dirty="0">
+                <a:latin typeface="Calibri" panose="020F0502020204030204" pitchFamily="34" charset="0"/>
+                <a:ea typeface="Calibri" panose="020F0502020204030204" pitchFamily="34" charset="0"/>
+                <a:cs typeface="Calibri" panose="020F0502020204030204" pitchFamily="34" charset="0"/>
+              </a:rPr>
               <a:t>Реализация функционала</a:t>
             </a:r>
-            <a:endParaRPr lang="ru-RU" dirty="0"/>
+            <a:endParaRPr lang="ru-RU" dirty="0">
+              <a:latin typeface="Calibri" panose="020F0502020204030204" pitchFamily="34" charset="0"/>
+              <a:ea typeface="Calibri" panose="020F0502020204030204" pitchFamily="34" charset="0"/>
+              <a:cs typeface="Calibri" panose="020F0502020204030204" pitchFamily="34" charset="0"/>
+            </a:endParaRPr>
           </a:p>
         </p:txBody>
       </p:sp>
@@ -5322,65 +5881,109 @@
               <a:buNone/>
             </a:pPr>
             <a:r>
-              <a:rPr lang="ru-RU" b="1" dirty="0"/>
+              <a:rPr lang="ru-RU" b="1" dirty="0">
+                <a:latin typeface="Calibri" panose="020F0502020204030204" pitchFamily="34" charset="0"/>
+                <a:ea typeface="Calibri" panose="020F0502020204030204" pitchFamily="34" charset="0"/>
+                <a:cs typeface="Calibri" panose="020F0502020204030204" pitchFamily="34" charset="0"/>
+              </a:rPr>
               <a:t>Ключевые модули:</a:t>
             </a:r>
-            <a:endParaRPr lang="ru-RU" dirty="0"/>
-          </a:p>
-          <a:p>
-            <a:pPr marL="514350" indent="-514350">
+            <a:endParaRPr lang="ru-RU" dirty="0">
+              <a:latin typeface="Calibri" panose="020F0502020204030204" pitchFamily="34" charset="0"/>
+              <a:ea typeface="Calibri" panose="020F0502020204030204" pitchFamily="34" charset="0"/>
+              <a:cs typeface="Calibri" panose="020F0502020204030204" pitchFamily="34" charset="0"/>
+            </a:endParaRPr>
+          </a:p>
+          <a:p>
+            <a:pPr marL="514314" indent="-514314">
               <a:buFont typeface="+mj-lt"/>
               <a:buAutoNum type="arabicPeriod"/>
             </a:pPr>
             <a:r>
-              <a:rPr lang="ru-RU" b="1" dirty="0"/>
+              <a:rPr lang="ru-RU" b="1" dirty="0">
+                <a:latin typeface="Calibri" panose="020F0502020204030204" pitchFamily="34" charset="0"/>
+                <a:ea typeface="Calibri" panose="020F0502020204030204" pitchFamily="34" charset="0"/>
+                <a:cs typeface="Calibri" panose="020F0502020204030204" pitchFamily="34" charset="0"/>
+              </a:rPr>
               <a:t>Каталог продукции:</a:t>
             </a:r>
             <a:r>
-              <a:rPr lang="ru-RU" dirty="0"/>
+              <a:rPr lang="ru-RU" dirty="0">
+                <a:latin typeface="Calibri" panose="020F0502020204030204" pitchFamily="34" charset="0"/>
+                <a:ea typeface="Calibri" panose="020F0502020204030204" pitchFamily="34" charset="0"/>
+                <a:cs typeface="Calibri" panose="020F0502020204030204" pitchFamily="34" charset="0"/>
+              </a:rPr>
               <a:t> Добавление, редактирование, удаление товаров.</a:t>
             </a:r>
           </a:p>
           <a:p>
-            <a:pPr marL="514350" indent="-514350">
+            <a:pPr marL="514314" indent="-514314">
               <a:buFont typeface="+mj-lt"/>
               <a:buAutoNum type="arabicPeriod"/>
             </a:pPr>
             <a:r>
-              <a:rPr lang="ru-RU" b="1" dirty="0"/>
+              <a:rPr lang="ru-RU" b="1" dirty="0">
+                <a:latin typeface="Calibri" panose="020F0502020204030204" pitchFamily="34" charset="0"/>
+                <a:ea typeface="Calibri" panose="020F0502020204030204" pitchFamily="34" charset="0"/>
+                <a:cs typeface="Calibri" panose="020F0502020204030204" pitchFamily="34" charset="0"/>
+              </a:rPr>
               <a:t>Конфигуратор:</a:t>
             </a:r>
             <a:r>
-              <a:rPr lang="ru-RU" dirty="0"/>
+              <a:rPr lang="ru-RU" dirty="0">
+                <a:latin typeface="Calibri" panose="020F0502020204030204" pitchFamily="34" charset="0"/>
+                <a:ea typeface="Calibri" panose="020F0502020204030204" pitchFamily="34" charset="0"/>
+                <a:cs typeface="Calibri" panose="020F0502020204030204" pitchFamily="34" charset="0"/>
+              </a:rPr>
               <a:t> Подбор оборудования по параметрам.</a:t>
             </a:r>
           </a:p>
           <a:p>
-            <a:pPr marL="514350" indent="-514350">
+            <a:pPr marL="514314" indent="-514314">
               <a:buFont typeface="+mj-lt"/>
               <a:buAutoNum type="arabicPeriod"/>
             </a:pPr>
             <a:r>
-              <a:rPr lang="ru-RU" b="1" dirty="0"/>
+              <a:rPr lang="ru-RU" b="1" dirty="0">
+                <a:latin typeface="Calibri" panose="020F0502020204030204" pitchFamily="34" charset="0"/>
+                <a:ea typeface="Calibri" panose="020F0502020204030204" pitchFamily="34" charset="0"/>
+                <a:cs typeface="Calibri" panose="020F0502020204030204" pitchFamily="34" charset="0"/>
+              </a:rPr>
               <a:t>ИИ-консультант:</a:t>
             </a:r>
             <a:r>
-              <a:rPr lang="ru-RU" dirty="0"/>
+              <a:rPr lang="ru-RU" dirty="0">
+                <a:latin typeface="Calibri" panose="020F0502020204030204" pitchFamily="34" charset="0"/>
+                <a:ea typeface="Calibri" panose="020F0502020204030204" pitchFamily="34" charset="0"/>
+                <a:cs typeface="Calibri" panose="020F0502020204030204" pitchFamily="34" charset="0"/>
+              </a:rPr>
               <a:t> Чат-бот для помощи в выборе.</a:t>
             </a:r>
           </a:p>
           <a:p>
-            <a:pPr marL="514350" indent="-514350">
+            <a:pPr marL="514314" indent="-514314">
               <a:buFont typeface="+mj-lt"/>
               <a:buAutoNum type="arabicPeriod"/>
             </a:pPr>
             <a:r>
-              <a:rPr lang="ru-RU" b="1" dirty="0"/>
+              <a:rPr lang="ru-RU" b="1" dirty="0">
+                <a:latin typeface="Calibri" panose="020F0502020204030204" pitchFamily="34" charset="0"/>
+                <a:ea typeface="Calibri" panose="020F0502020204030204" pitchFamily="34" charset="0"/>
+                <a:cs typeface="Calibri" panose="020F0502020204030204" pitchFamily="34" charset="0"/>
+              </a:rPr>
               <a:t>Корзина и заказы:</a:t>
             </a:r>
             <a:r>
+              <a:rPr lang="ru-RU" dirty="0">
+                <a:latin typeface="Calibri" panose="020F0502020204030204" pitchFamily="34" charset="0"/>
+                <a:ea typeface="Calibri" panose="020F0502020204030204" pitchFamily="34" charset="0"/>
+                <a:cs typeface="Calibri" panose="020F0502020204030204" pitchFamily="34" charset="0"/>
+              </a:rPr>
+              <a:t> Оформление и управление заказами</a:t>
+            </a:r>
+            <a:r>
               <a:rPr lang="ru-RU" dirty="0"/>
-              <a:t> Оформление и управление заказами.</a:t>
+              <a:t>.</a:t>
             </a:r>
           </a:p>
           <a:p>
@@ -5440,7 +6043,11 @@
           <a:lstStyle/>
           <a:p>
             <a:r>
-              <a:rPr lang="ru-RU" b="1" dirty="0"/>
+              <a:rPr lang="ru-RU" b="1" dirty="0">
+                <a:latin typeface="Calibri" panose="020F0502020204030204" pitchFamily="34" charset="0"/>
+                <a:ea typeface="Calibri" panose="020F0502020204030204" pitchFamily="34" charset="0"/>
+                <a:cs typeface="Calibri" panose="020F0502020204030204" pitchFamily="34" charset="0"/>
+              </a:rPr>
               <a:t>Конфигуратор</a:t>
             </a:r>
           </a:p>
@@ -5470,8 +6077,8 @@
         </p:blipFill>
         <p:spPr>
           <a:xfrm>
-            <a:off x="2204178" y="1825625"/>
-            <a:ext cx="7783643" cy="4351338"/>
+            <a:off x="130299" y="1690689"/>
+            <a:ext cx="8883401" cy="4966143"/>
           </a:xfrm>
           <a:prstGeom prst="rect">
             <a:avLst/>
@@ -5530,7 +6137,11 @@
           <a:lstStyle/>
           <a:p>
             <a:r>
-              <a:rPr lang="ru-RU" b="1" dirty="0"/>
+              <a:rPr lang="ru-RU" b="1" dirty="0">
+                <a:latin typeface="Calibri" panose="020F0502020204030204" pitchFamily="34" charset="0"/>
+                <a:ea typeface="Calibri" panose="020F0502020204030204" pitchFamily="34" charset="0"/>
+                <a:cs typeface="Calibri" panose="020F0502020204030204" pitchFamily="34" charset="0"/>
+              </a:rPr>
               <a:t>Результат подбора конфигуратора</a:t>
             </a:r>
           </a:p>
@@ -5560,8 +6171,8 @@
         </p:blipFill>
         <p:spPr>
           <a:xfrm>
-            <a:off x="2939247" y="1825625"/>
-            <a:ext cx="6313506" cy="4351338"/>
+            <a:off x="917882" y="1690689"/>
+            <a:ext cx="7308235" cy="5036915"/>
           </a:xfrm>
           <a:prstGeom prst="rect">
             <a:avLst/>
@@ -5582,6 +6193,321 @@
 </file>
 
 <file path=ppt/theme/theme1.xml><?xml version="1.0" encoding="utf-8"?>
+<a:theme xmlns:a="http://schemas.openxmlformats.org/drawingml/2006/main" name="Тема Office">
+  <a:themeElements>
+    <a:clrScheme name="Тема Office">
+      <a:dk1>
+        <a:sysClr val="windowText" lastClr="000000"/>
+      </a:dk1>
+      <a:lt1>
+        <a:sysClr val="window" lastClr="FFFFFF"/>
+      </a:lt1>
+      <a:dk2>
+        <a:srgbClr val="0E2841"/>
+      </a:dk2>
+      <a:lt2>
+        <a:srgbClr val="E8E8E8"/>
+      </a:lt2>
+      <a:accent1>
+        <a:srgbClr val="156082"/>
+      </a:accent1>
+      <a:accent2>
+        <a:srgbClr val="E97132"/>
+      </a:accent2>
+      <a:accent3>
+        <a:srgbClr val="196B24"/>
+      </a:accent3>
+      <a:accent4>
+        <a:srgbClr val="0F9ED5"/>
+      </a:accent4>
+      <a:accent5>
+        <a:srgbClr val="A02B93"/>
+      </a:accent5>
+      <a:accent6>
+        <a:srgbClr val="4EA72E"/>
+      </a:accent6>
+      <a:hlink>
+        <a:srgbClr val="467886"/>
+      </a:hlink>
+      <a:folHlink>
+        <a:srgbClr val="96607D"/>
+      </a:folHlink>
+    </a:clrScheme>
+    <a:fontScheme name="Тема Office">
+      <a:majorFont>
+        <a:latin typeface="Aptos Display" panose="02110004020202020204"/>
+        <a:ea typeface=""/>
+        <a:cs typeface=""/>
+        <a:font script="Jpan" typeface="游ゴシック Light"/>
+        <a:font script="Hang" typeface="맑은 고딕"/>
+        <a:font script="Hans" typeface="等线 Light"/>
+        <a:font script="Hant" typeface="新細明體"/>
+        <a:font script="Arab" typeface="Times New Roman"/>
+        <a:font script="Hebr" typeface="Times New Roman"/>
+        <a:font script="Thai" typeface="Angsana New"/>
+        <a:font script="Ethi" typeface="Nyala"/>
+        <a:font script="Beng" typeface="Vrinda"/>
+        <a:font script="Gujr" typeface="Shruti"/>
+        <a:font script="Khmr" typeface="MoolBoran"/>
+        <a:font script="Knda" typeface="Tunga"/>
+        <a:font script="Guru" typeface="Raavi"/>
+        <a:font script="Cans" typeface="Euphemia"/>
+        <a:font script="Cher" typeface="Plantagenet Cherokee"/>
+        <a:font script="Yiii" typeface="Microsoft Yi Baiti"/>
+        <a:font script="Tibt" typeface="Microsoft Himalaya"/>
+        <a:font script="Thaa" typeface="MV Boli"/>
+        <a:font script="Deva" typeface="Mangal"/>
+        <a:font script="Telu" typeface="Gautami"/>
+        <a:font script="Taml" typeface="Latha"/>
+        <a:font script="Syrc" typeface="Estrangelo Edessa"/>
+        <a:font script="Orya" typeface="Kalinga"/>
+        <a:font script="Mlym" typeface="Kartika"/>
+        <a:font script="Laoo" typeface="DokChampa"/>
+        <a:font script="Sinh" typeface="Iskoola Pota"/>
+        <a:font script="Mong" typeface="Mongolian Baiti"/>
+        <a:font script="Viet" typeface="Times New Roman"/>
+        <a:font script="Uigh" typeface="Microsoft Uighur"/>
+        <a:font script="Geor" typeface="Sylfaen"/>
+        <a:font script="Armn" typeface="Arial"/>
+        <a:font script="Bugi" typeface="Leelawadee UI"/>
+        <a:font script="Bopo" typeface="Microsoft JhengHei"/>
+        <a:font script="Java" typeface="Javanese Text"/>
+        <a:font script="Lisu" typeface="Segoe UI"/>
+        <a:font script="Mymr" typeface="Myanmar Text"/>
+        <a:font script="Nkoo" typeface="Ebrima"/>
+        <a:font script="Olck" typeface="Nirmala UI"/>
+        <a:font script="Osma" typeface="Ebrima"/>
+        <a:font script="Phag" typeface="Phagspa"/>
+        <a:font script="Syrn" typeface="Estrangelo Edessa"/>
+        <a:font script="Syrj" typeface="Estrangelo Edessa"/>
+        <a:font script="Syre" typeface="Estrangelo Edessa"/>
+        <a:font script="Sora" typeface="Nirmala UI"/>
+        <a:font script="Tale" typeface="Microsoft Tai Le"/>
+        <a:font script="Talu" typeface="Microsoft New Tai Lue"/>
+        <a:font script="Tfng" typeface="Ebrima"/>
+      </a:majorFont>
+      <a:minorFont>
+        <a:latin typeface="Aptos" panose="02110004020202020204"/>
+        <a:ea typeface=""/>
+        <a:cs typeface=""/>
+        <a:font script="Jpan" typeface="游ゴシック"/>
+        <a:font script="Hang" typeface="맑은 고딕"/>
+        <a:font script="Hans" typeface="等线"/>
+        <a:font script="Hant" typeface="新細明體"/>
+        <a:font script="Arab" typeface="Arial"/>
+        <a:font script="Hebr" typeface="Arial"/>
+        <a:font script="Thai" typeface="Cordia New"/>
+        <a:font script="Ethi" typeface="Nyala"/>
+        <a:font script="Beng" typeface="Vrinda"/>
+        <a:font script="Gujr" typeface="Shruti"/>
+        <a:font script="Khmr" typeface="DaunPenh"/>
+        <a:font script="Knda" typeface="Tunga"/>
+        <a:font script="Guru" typeface="Raavi"/>
+        <a:font script="Cans" typeface="Euphemia"/>
+        <a:font script="Cher" typeface="Plantagenet Cherokee"/>
+        <a:font script="Yiii" typeface="Microsoft Yi Baiti"/>
+        <a:font script="Tibt" typeface="Microsoft Himalaya"/>
+        <a:font script="Thaa" typeface="MV Boli"/>
+        <a:font script="Deva" typeface="Mangal"/>
+        <a:font script="Telu" typeface="Gautami"/>
+        <a:font script="Taml" typeface="Latha"/>
+        <a:font script="Syrc" typeface="Estrangelo Edessa"/>
+        <a:font script="Orya" typeface="Kalinga"/>
+        <a:font script="Mlym" typeface="Kartika"/>
+        <a:font script="Laoo" typeface="DokChampa"/>
+        <a:font script="Sinh" typeface="Iskoola Pota"/>
+        <a:font script="Mong" typeface="Mongolian Baiti"/>
+        <a:font script="Viet" typeface="Arial"/>
+        <a:font script="Uigh" typeface="Microsoft Uighur"/>
+        <a:font script="Geor" typeface="Sylfaen"/>
+        <a:font script="Armn" typeface="Arial"/>
+        <a:font script="Bugi" typeface="Leelawadee UI"/>
+        <a:font script="Bopo" typeface="Microsoft JhengHei"/>
+        <a:font script="Java" typeface="Javanese Text"/>
+        <a:font script="Lisu" typeface="Segoe UI"/>
+        <a:font script="Mymr" typeface="Myanmar Text"/>
+        <a:font script="Nkoo" typeface="Ebrima"/>
+        <a:font script="Olck" typeface="Nirmala UI"/>
+        <a:font script="Osma" typeface="Ebrima"/>
+        <a:font script="Phag" typeface="Phagspa"/>
+        <a:font script="Syrn" typeface="Estrangelo Edessa"/>
+        <a:font script="Syrj" typeface="Estrangelo Edessa"/>
+        <a:font script="Syre" typeface="Estrangelo Edessa"/>
+        <a:font script="Sora" typeface="Nirmala UI"/>
+        <a:font script="Tale" typeface="Microsoft Tai Le"/>
+        <a:font script="Talu" typeface="Microsoft New Tai Lue"/>
+        <a:font script="Tfng" typeface="Ebrima"/>
+      </a:minorFont>
+    </a:fontScheme>
+    <a:fmtScheme name="Тема Office">
+      <a:fillStyleLst>
+        <a:solidFill>
+          <a:schemeClr val="phClr"/>
+        </a:solidFill>
+        <a:gradFill rotWithShape="1">
+          <a:gsLst>
+            <a:gs pos="0">
+              <a:schemeClr val="phClr">
+                <a:lumMod val="110000"/>
+                <a:satMod val="105000"/>
+                <a:tint val="67000"/>
+              </a:schemeClr>
+            </a:gs>
+            <a:gs pos="50000">
+              <a:schemeClr val="phClr">
+                <a:lumMod val="105000"/>
+                <a:satMod val="103000"/>
+                <a:tint val="73000"/>
+              </a:schemeClr>
+            </a:gs>
+            <a:gs pos="100000">
+              <a:schemeClr val="phClr">
+                <a:lumMod val="105000"/>
+                <a:satMod val="109000"/>
+                <a:tint val="81000"/>
+              </a:schemeClr>
+            </a:gs>
+          </a:gsLst>
+          <a:lin ang="5400000" scaled="0"/>
+        </a:gradFill>
+        <a:gradFill rotWithShape="1">
+          <a:gsLst>
+            <a:gs pos="0">
+              <a:schemeClr val="phClr">
+                <a:satMod val="103000"/>
+                <a:lumMod val="102000"/>
+                <a:tint val="94000"/>
+              </a:schemeClr>
+            </a:gs>
+            <a:gs pos="50000">
+              <a:schemeClr val="phClr">
+                <a:satMod val="110000"/>
+                <a:lumMod val="100000"/>
+                <a:shade val="100000"/>
+              </a:schemeClr>
+            </a:gs>
+            <a:gs pos="100000">
+              <a:schemeClr val="phClr">
+                <a:lumMod val="99000"/>
+                <a:satMod val="120000"/>
+                <a:shade val="78000"/>
+              </a:schemeClr>
+            </a:gs>
+          </a:gsLst>
+          <a:lin ang="5400000" scaled="0"/>
+        </a:gradFill>
+      </a:fillStyleLst>
+      <a:lnStyleLst>
+        <a:ln w="12700" cap="flat" cmpd="sng" algn="ctr">
+          <a:solidFill>
+            <a:schemeClr val="phClr"/>
+          </a:solidFill>
+          <a:prstDash val="solid"/>
+          <a:miter lim="800000"/>
+        </a:ln>
+        <a:ln w="19050" cap="flat" cmpd="sng" algn="ctr">
+          <a:solidFill>
+            <a:schemeClr val="phClr"/>
+          </a:solidFill>
+          <a:prstDash val="solid"/>
+          <a:miter lim="800000"/>
+        </a:ln>
+        <a:ln w="25400" cap="flat" cmpd="sng" algn="ctr">
+          <a:solidFill>
+            <a:schemeClr val="phClr"/>
+          </a:solidFill>
+          <a:prstDash val="solid"/>
+          <a:miter lim="800000"/>
+        </a:ln>
+      </a:lnStyleLst>
+      <a:effectStyleLst>
+        <a:effectStyle>
+          <a:effectLst/>
+        </a:effectStyle>
+        <a:effectStyle>
+          <a:effectLst/>
+        </a:effectStyle>
+        <a:effectStyle>
+          <a:effectLst>
+            <a:outerShdw blurRad="57150" dist="19050" dir="5400000" algn="ctr" rotWithShape="0">
+              <a:srgbClr val="000000">
+                <a:alpha val="63000"/>
+              </a:srgbClr>
+            </a:outerShdw>
+          </a:effectLst>
+        </a:effectStyle>
+      </a:effectStyleLst>
+      <a:bgFillStyleLst>
+        <a:solidFill>
+          <a:schemeClr val="phClr"/>
+        </a:solidFill>
+        <a:solidFill>
+          <a:schemeClr val="phClr">
+            <a:tint val="95000"/>
+            <a:satMod val="170000"/>
+          </a:schemeClr>
+        </a:solidFill>
+        <a:gradFill rotWithShape="1">
+          <a:gsLst>
+            <a:gs pos="0">
+              <a:schemeClr val="phClr">
+                <a:tint val="93000"/>
+                <a:satMod val="150000"/>
+                <a:shade val="98000"/>
+                <a:lumMod val="102000"/>
+              </a:schemeClr>
+            </a:gs>
+            <a:gs pos="50000">
+              <a:schemeClr val="phClr">
+                <a:tint val="98000"/>
+                <a:satMod val="130000"/>
+                <a:shade val="90000"/>
+                <a:lumMod val="103000"/>
+              </a:schemeClr>
+            </a:gs>
+            <a:gs pos="100000">
+              <a:schemeClr val="phClr">
+                <a:shade val="63000"/>
+                <a:satMod val="120000"/>
+              </a:schemeClr>
+            </a:gs>
+          </a:gsLst>
+          <a:lin ang="5400000" scaled="0"/>
+        </a:gradFill>
+      </a:bgFillStyleLst>
+    </a:fmtScheme>
+  </a:themeElements>
+  <a:objectDefaults>
+    <a:lnDef>
+      <a:spPr/>
+      <a:bodyPr/>
+      <a:lstStyle/>
+      <a:style>
+        <a:lnRef idx="2">
+          <a:schemeClr val="accent1"/>
+        </a:lnRef>
+        <a:fillRef idx="0">
+          <a:schemeClr val="accent1"/>
+        </a:fillRef>
+        <a:effectRef idx="1">
+          <a:schemeClr val="accent1"/>
+        </a:effectRef>
+        <a:fontRef idx="minor">
+          <a:schemeClr val="tx1"/>
+        </a:fontRef>
+      </a:style>
+    </a:lnDef>
+  </a:objectDefaults>
+  <a:extraClrSchemeLst/>
+  <a:extLst>
+    <a:ext uri="{05A4C25C-085E-4340-85A3-A5531E510DB2}">
+      <thm15:themeFamily xmlns:thm15="http://schemas.microsoft.com/office/thememl/2012/main" name="Office Theme" id="{2E142A2C-CD16-42D6-873A-C26D2A0506FA}" vid="{1BDDFF52-6CD6-40A5-AB3C-68EB2F1E4D0A}"/>
+    </a:ext>
+  </a:extLst>
+</a:theme>
+</file>
+
+<file path=ppt/theme/theme2.xml><?xml version="1.0" encoding="utf-8"?>
 <a:theme xmlns:a="http://schemas.openxmlformats.org/drawingml/2006/main" name="Тема Office">
   <a:themeElements>
     <a:clrScheme name="Стандартная">

--- a/Презентация.pptx
+++ b/Презентация.pptx
@@ -4511,8 +4511,8 @@
         </p:nvSpPr>
         <p:spPr>
           <a:xfrm>
-            <a:off x="182880" y="2159853"/>
-            <a:ext cx="8332470" cy="3509427"/>
+            <a:off x="201168" y="2159853"/>
+            <a:ext cx="5650992" cy="4085499"/>
           </a:xfrm>
         </p:spPr>
         <p:txBody>
@@ -4521,8 +4521,9 @@
           </a:bodyPr>
           <a:lstStyle/>
           <a:p>
-            <a:pPr marL="0" indent="0">
-              <a:buNone/>
+            <a:pPr>
+              <a:buFont typeface="Aptos" panose="020B0004020202020204" pitchFamily="34" charset="0"/>
+              <a:buChar char="-"/>
             </a:pPr>
             <a:r>
               <a:rPr lang="ru-RU" dirty="0">
@@ -4530,7 +4531,35 @@
                 <a:ea typeface="Calibri" panose="020F0502020204030204" pitchFamily="34" charset="0"/>
                 <a:cs typeface="Calibri" panose="020F0502020204030204" pitchFamily="34" charset="0"/>
               </a:rPr>
-              <a:t>Разработанный интерактивный конфигуратор вентиляционных систем для компании ТИОН успешно автоматизировал процесс подбора оборудования, значительно сократив время обработки заказов и уменьшив количество ошибок. Интеграция ИИ-консультанта на базе </a:t>
+              <a:t>Разработан интерактивный конфигуратор вентиляционных систем для компании ТИОН</a:t>
+            </a:r>
+          </a:p>
+          <a:p>
+            <a:pPr>
+              <a:buFont typeface="Aptos" panose="020B0004020202020204" pitchFamily="34" charset="0"/>
+              <a:buChar char="-"/>
+            </a:pPr>
+            <a:r>
+              <a:rPr lang="ru-RU" dirty="0">
+                <a:latin typeface="Calibri" panose="020F0502020204030204" pitchFamily="34" charset="0"/>
+                <a:ea typeface="Calibri" panose="020F0502020204030204" pitchFamily="34" charset="0"/>
+                <a:cs typeface="Calibri" panose="020F0502020204030204" pitchFamily="34" charset="0"/>
+              </a:rPr>
+              <a:t>Успешно автоматизировал процесс подбора оборудования</a:t>
+            </a:r>
+          </a:p>
+          <a:p>
+            <a:pPr>
+              <a:buFont typeface="Aptos" panose="020B0004020202020204" pitchFamily="34" charset="0"/>
+              <a:buChar char="-"/>
+            </a:pPr>
+            <a:r>
+              <a:rPr lang="ru-RU" dirty="0">
+                <a:latin typeface="Calibri" panose="020F0502020204030204" pitchFamily="34" charset="0"/>
+                <a:ea typeface="Calibri" panose="020F0502020204030204" pitchFamily="34" charset="0"/>
+                <a:cs typeface="Calibri" panose="020F0502020204030204" pitchFamily="34" charset="0"/>
+              </a:rPr>
+              <a:t>Интегрирован ИИ-консультанта на базе </a:t>
             </a:r>
             <a:r>
               <a:rPr lang="ru-RU" dirty="0" err="1">
@@ -4546,11 +4575,46 @@
                 <a:ea typeface="Calibri" panose="020F0502020204030204" pitchFamily="34" charset="0"/>
                 <a:cs typeface="Calibri" panose="020F0502020204030204" pitchFamily="34" charset="0"/>
               </a:rPr>
-              <a:t> API позволила создать современный и удобный инструмент взаимодействия с клиентами.</a:t>
-            </a:r>
-          </a:p>
-        </p:txBody>
-      </p:sp>
+              <a:t> API</a:t>
+            </a:r>
+          </a:p>
+        </p:txBody>
+      </p:sp>
+      <p:pic>
+        <p:nvPicPr>
+          <p:cNvPr id="5" name="Рисунок 4">
+            <a:extLst>
+              <a:ext uri="{FF2B5EF4-FFF2-40B4-BE49-F238E27FC236}">
+                <a16:creationId xmlns:a16="http://schemas.microsoft.com/office/drawing/2014/main" id="{30C9D582-D39A-DB77-8DC1-E1201C637562}"/>
+              </a:ext>
+            </a:extLst>
+          </p:cNvPr>
+          <p:cNvPicPr>
+            <a:picLocks noChangeAspect="1"/>
+          </p:cNvPicPr>
+          <p:nvPr/>
+        </p:nvPicPr>
+        <p:blipFill>
+          <a:blip r:embed="rId2">
+            <a:extLst>
+              <a:ext uri="{28A0092B-C50C-407E-A947-70E740481C1C}">
+                <a14:useLocalDpi xmlns:a14="http://schemas.microsoft.com/office/drawing/2010/main" val="0"/>
+              </a:ext>
+            </a:extLst>
+          </a:blip>
+          <a:srcRect/>
+          <a:stretch/>
+        </p:blipFill>
+        <p:spPr>
+          <a:xfrm>
+            <a:off x="5980177" y="2159853"/>
+            <a:ext cx="2535173" cy="2959273"/>
+          </a:xfrm>
+          <a:prstGeom prst="rect">
+            <a:avLst/>
+          </a:prstGeom>
+        </p:spPr>
+      </p:pic>
     </p:spTree>
     <p:extLst>
       <p:ext uri="{BB962C8B-B14F-4D97-AF65-F5344CB8AC3E}">
@@ -4650,38 +4714,115 @@
       </p:grpSpPr>
       <p:sp>
         <p:nvSpPr>
-          <p:cNvPr id="2" name="Заголовок 1">
+          <p:cNvPr id="8" name="Прямоугольник: скругленные углы 7">
             <a:extLst>
               <a:ext uri="{FF2B5EF4-FFF2-40B4-BE49-F238E27FC236}">
-                <a16:creationId xmlns:a16="http://schemas.microsoft.com/office/drawing/2014/main" id="{3B321E1F-47CC-085F-28BE-763C54200363}"/>
+                <a16:creationId xmlns:a16="http://schemas.microsoft.com/office/drawing/2014/main" id="{3104B8FB-FD6C-B3C4-92A2-CD37C8987379}"/>
               </a:ext>
             </a:extLst>
           </p:cNvPr>
-          <p:cNvSpPr>
-            <a:spLocks noGrp="1"/>
-          </p:cNvSpPr>
-          <p:nvPr>
-            <p:ph type="title"/>
-          </p:nvPr>
-        </p:nvSpPr>
-        <p:spPr/>
-        <p:txBody>
-          <a:bodyPr/>
-          <a:lstStyle/>
-          <a:p>
-            <a:r>
-              <a:rPr lang="ru-RU" b="1" dirty="0">
-                <a:latin typeface="Calibri" panose="020F0502020204030204" pitchFamily="34" charset="0"/>
-                <a:ea typeface="Calibri" panose="020F0502020204030204" pitchFamily="34" charset="0"/>
-                <a:cs typeface="Calibri" panose="020F0502020204030204" pitchFamily="34" charset="0"/>
-              </a:rPr>
-              <a:t>Актуальность</a:t>
-            </a:r>
-            <a:endParaRPr lang="ru-RU" dirty="0">
-              <a:latin typeface="Calibri" panose="020F0502020204030204" pitchFamily="34" charset="0"/>
-              <a:ea typeface="Calibri" panose="020F0502020204030204" pitchFamily="34" charset="0"/>
-              <a:cs typeface="Calibri" panose="020F0502020204030204" pitchFamily="34" charset="0"/>
-            </a:endParaRPr>
+          <p:cNvSpPr/>
+          <p:nvPr/>
+        </p:nvSpPr>
+        <p:spPr>
+          <a:xfrm>
+            <a:off x="4798313" y="2048256"/>
+            <a:ext cx="4194809" cy="3904488"/>
+          </a:xfrm>
+          <a:prstGeom prst="roundRect">
+            <a:avLst/>
+          </a:prstGeom>
+          <a:solidFill>
+            <a:schemeClr val="bg1"/>
+          </a:solidFill>
+          <a:ln>
+            <a:solidFill>
+              <a:schemeClr val="accent1">
+                <a:lumMod val="60000"/>
+                <a:lumOff val="40000"/>
+              </a:schemeClr>
+            </a:solidFill>
+          </a:ln>
+        </p:spPr>
+        <p:style>
+          <a:lnRef idx="2">
+            <a:schemeClr val="accent4">
+              <a:shade val="15000"/>
+            </a:schemeClr>
+          </a:lnRef>
+          <a:fillRef idx="1">
+            <a:schemeClr val="accent4"/>
+          </a:fillRef>
+          <a:effectRef idx="0">
+            <a:schemeClr val="accent4"/>
+          </a:effectRef>
+          <a:fontRef idx="minor">
+            <a:schemeClr val="lt1"/>
+          </a:fontRef>
+        </p:style>
+        <p:txBody>
+          <a:bodyPr rtlCol="0" anchor="ctr"/>
+          <a:lstStyle/>
+          <a:p>
+            <a:pPr algn="ctr"/>
+            <a:endParaRPr lang="ru-RU" dirty="0"/>
+          </a:p>
+        </p:txBody>
+      </p:sp>
+      <p:sp>
+        <p:nvSpPr>
+          <p:cNvPr id="7" name="Прямоугольник: скругленные углы 6">
+            <a:extLst>
+              <a:ext uri="{FF2B5EF4-FFF2-40B4-BE49-F238E27FC236}">
+                <a16:creationId xmlns:a16="http://schemas.microsoft.com/office/drawing/2014/main" id="{3837F73B-2548-FEE8-E254-0E606C6AF76C}"/>
+              </a:ext>
+            </a:extLst>
+          </p:cNvPr>
+          <p:cNvSpPr/>
+          <p:nvPr/>
+        </p:nvSpPr>
+        <p:spPr>
+          <a:xfrm>
+            <a:off x="301752" y="2048256"/>
+            <a:ext cx="4135374" cy="3904488"/>
+          </a:xfrm>
+          <a:prstGeom prst="roundRect">
+            <a:avLst/>
+          </a:prstGeom>
+          <a:solidFill>
+            <a:schemeClr val="bg1"/>
+          </a:solidFill>
+          <a:ln>
+            <a:solidFill>
+              <a:schemeClr val="accent1">
+                <a:lumMod val="60000"/>
+                <a:lumOff val="40000"/>
+              </a:schemeClr>
+            </a:solidFill>
+          </a:ln>
+        </p:spPr>
+        <p:style>
+          <a:lnRef idx="2">
+            <a:schemeClr val="accent4">
+              <a:shade val="15000"/>
+            </a:schemeClr>
+          </a:lnRef>
+          <a:fillRef idx="1">
+            <a:schemeClr val="accent4"/>
+          </a:fillRef>
+          <a:effectRef idx="0">
+            <a:schemeClr val="accent4"/>
+          </a:effectRef>
+          <a:fontRef idx="minor">
+            <a:schemeClr val="lt1"/>
+          </a:fontRef>
+        </p:style>
+        <p:txBody>
+          <a:bodyPr rtlCol="0" anchor="ctr"/>
+          <a:lstStyle/>
+          <a:p>
+            <a:pPr algn="ctr"/>
+            <a:endParaRPr lang="ru-RU"/>
           </a:p>
         </p:txBody>
       </p:sp>
@@ -4703,49 +4844,368 @@
         </p:nvSpPr>
         <p:spPr>
           <a:xfrm>
-            <a:off x="963890" y="2455786"/>
-            <a:ext cx="7425965" cy="2219909"/>
+            <a:off x="438912" y="530352"/>
+            <a:ext cx="4434841" cy="5596128"/>
           </a:xfrm>
         </p:spPr>
         <p:txBody>
           <a:bodyPr>
-            <a:normAutofit lnSpcReduction="10000"/>
+            <a:normAutofit/>
           </a:bodyPr>
           <a:lstStyle/>
           <a:p>
+            <a:pPr marL="0" indent="0">
+              <a:buNone/>
+            </a:pPr>
+            <a:endParaRPr lang="ru-RU" dirty="0"/>
+          </a:p>
+          <a:p>
+            <a:pPr marL="0" indent="0">
+              <a:buNone/>
+            </a:pPr>
+            <a:r>
+              <a:rPr lang="ru-RU" sz="3600" dirty="0">
+                <a:latin typeface="Calibri" panose="020F0502020204030204" pitchFamily="34" charset="0"/>
+                <a:ea typeface="Calibri" panose="020F0502020204030204" pitchFamily="34" charset="0"/>
+                <a:cs typeface="Calibri" panose="020F0502020204030204" pitchFamily="34" charset="0"/>
+              </a:rPr>
+              <a:t>      Проблема</a:t>
+            </a:r>
+            <a:r>
+              <a:rPr lang="en-US" sz="3600" dirty="0">
+                <a:latin typeface="Calibri" panose="020F0502020204030204" pitchFamily="34" charset="0"/>
+                <a:ea typeface="Calibri" panose="020F0502020204030204" pitchFamily="34" charset="0"/>
+                <a:cs typeface="Calibri" panose="020F0502020204030204" pitchFamily="34" charset="0"/>
+              </a:rPr>
+              <a:t>:</a:t>
+            </a:r>
+            <a:endParaRPr lang="ru-RU" sz="3600" dirty="0">
+              <a:latin typeface="Calibri" panose="020F0502020204030204" pitchFamily="34" charset="0"/>
+              <a:ea typeface="Calibri" panose="020F0502020204030204" pitchFamily="34" charset="0"/>
+              <a:cs typeface="Calibri" panose="020F0502020204030204" pitchFamily="34" charset="0"/>
+            </a:endParaRPr>
+          </a:p>
+          <a:p>
+            <a:pPr marL="0" indent="0">
+              <a:buNone/>
+            </a:pPr>
+            <a:endParaRPr lang="en-US" sz="4000" dirty="0">
+              <a:latin typeface="Calibri" panose="020F0502020204030204" pitchFamily="34" charset="0"/>
+              <a:ea typeface="Calibri" panose="020F0502020204030204" pitchFamily="34" charset="0"/>
+              <a:cs typeface="Calibri" panose="020F0502020204030204" pitchFamily="34" charset="0"/>
+            </a:endParaRPr>
+          </a:p>
+          <a:p>
             <a:pPr>
+              <a:lnSpc>
+                <a:spcPct val="80000"/>
+              </a:lnSpc>
               <a:buFont typeface="Aptos" panose="020B0004020202020204" pitchFamily="34" charset="0"/>
               <a:buChar char="-"/>
             </a:pPr>
             <a:r>
-              <a:rPr lang="ru-RU" dirty="0"/>
-              <a:t>Рост спроса на системы вентиляции.</a:t>
+              <a:rPr lang="ru-RU" sz="2600" dirty="0">
+                <a:latin typeface="Calibri" panose="020F0502020204030204" pitchFamily="34" charset="0"/>
+                <a:ea typeface="Calibri" panose="020F0502020204030204" pitchFamily="34" charset="0"/>
+                <a:cs typeface="Calibri" panose="020F0502020204030204" pitchFamily="34" charset="0"/>
+              </a:rPr>
+              <a:t>Ручной подбор оборудования менеджерами.</a:t>
             </a:r>
           </a:p>
           <a:p>
             <a:pPr>
+              <a:lnSpc>
+                <a:spcPct val="80000"/>
+              </a:lnSpc>
               <a:buFont typeface="Aptos" panose="020B0004020202020204" pitchFamily="34" charset="0"/>
               <a:buChar char="-"/>
             </a:pPr>
             <a:r>
-              <a:rPr lang="ru-RU" dirty="0"/>
-              <a:t>Необходимость автоматизации подбора оборудования.</a:t>
+              <a:rPr lang="ru-RU" sz="2600" dirty="0">
+                <a:latin typeface="Calibri" panose="020F0502020204030204" pitchFamily="34" charset="0"/>
+                <a:ea typeface="Calibri" panose="020F0502020204030204" pitchFamily="34" charset="0"/>
+                <a:cs typeface="Calibri" panose="020F0502020204030204" pitchFamily="34" charset="0"/>
+              </a:rPr>
+              <a:t>Длительный процесс согласования с техническими специалистами.</a:t>
             </a:r>
           </a:p>
           <a:p>
             <a:pPr>
+              <a:lnSpc>
+                <a:spcPct val="80000"/>
+              </a:lnSpc>
               <a:buFont typeface="Aptos" panose="020B0004020202020204" pitchFamily="34" charset="0"/>
               <a:buChar char="-"/>
             </a:pPr>
             <a:r>
-              <a:rPr lang="ru-RU" dirty="0"/>
-              <a:t>Улучшение взаимодействия с клиентами и сокращение времени обработки заказов.</a:t>
-            </a:r>
-          </a:p>
+              <a:rPr lang="ru-RU" sz="2600" dirty="0">
+                <a:latin typeface="Calibri" panose="020F0502020204030204" pitchFamily="34" charset="0"/>
+                <a:ea typeface="Calibri" panose="020F0502020204030204" pitchFamily="34" charset="0"/>
+                <a:cs typeface="Calibri" panose="020F0502020204030204" pitchFamily="34" charset="0"/>
+              </a:rPr>
+              <a:t>Отсутствие визуализации для клиентов.</a:t>
+            </a:r>
+          </a:p>
+        </p:txBody>
+      </p:sp>
+      <p:sp>
+        <p:nvSpPr>
+          <p:cNvPr id="6" name="Объект 2">
+            <a:extLst>
+              <a:ext uri="{FF2B5EF4-FFF2-40B4-BE49-F238E27FC236}">
+                <a16:creationId xmlns:a16="http://schemas.microsoft.com/office/drawing/2014/main" id="{F7E60AC2-6788-AE93-4628-65D280A5519B}"/>
+              </a:ext>
+            </a:extLst>
+          </p:cNvPr>
+          <p:cNvSpPr txBox="1">
+            <a:spLocks/>
+          </p:cNvSpPr>
+          <p:nvPr/>
+        </p:nvSpPr>
+        <p:spPr>
+          <a:xfrm>
+            <a:off x="4480560" y="530352"/>
+            <a:ext cx="4663440" cy="5596128"/>
+          </a:xfrm>
+          <a:prstGeom prst="rect">
+            <a:avLst/>
+          </a:prstGeom>
+        </p:spPr>
+        <p:txBody>
+          <a:bodyPr vert="horz" lIns="91440" tIns="45720" rIns="91440" bIns="45720" rtlCol="0">
+            <a:normAutofit/>
+          </a:bodyPr>
+          <a:lstStyle>
+            <a:lvl1pPr marL="228600" indent="-228600" algn="l" defTabSz="914400" rtl="0" eaLnBrk="1" latinLnBrk="0" hangingPunct="1">
+              <a:lnSpc>
+                <a:spcPct val="90000"/>
+              </a:lnSpc>
+              <a:spcBef>
+                <a:spcPts val="1000"/>
+              </a:spcBef>
+              <a:buFont typeface="Arial" panose="020B0604020202020204" pitchFamily="34" charset="0"/>
+              <a:buChar char="•"/>
+              <a:defRPr sz="2800" kern="1200">
+                <a:solidFill>
+                  <a:schemeClr val="tx1"/>
+                </a:solidFill>
+                <a:latin typeface="+mn-lt"/>
+                <a:ea typeface="+mn-ea"/>
+                <a:cs typeface="+mn-cs"/>
+              </a:defRPr>
+            </a:lvl1pPr>
+            <a:lvl2pPr marL="685800" indent="-228600" algn="l" defTabSz="914400" rtl="0" eaLnBrk="1" latinLnBrk="0" hangingPunct="1">
+              <a:lnSpc>
+                <a:spcPct val="90000"/>
+              </a:lnSpc>
+              <a:spcBef>
+                <a:spcPts val="500"/>
+              </a:spcBef>
+              <a:buFont typeface="Arial" panose="020B0604020202020204" pitchFamily="34" charset="0"/>
+              <a:buChar char="•"/>
+              <a:defRPr sz="2400" kern="1200">
+                <a:solidFill>
+                  <a:schemeClr val="tx1"/>
+                </a:solidFill>
+                <a:latin typeface="+mn-lt"/>
+                <a:ea typeface="+mn-ea"/>
+                <a:cs typeface="+mn-cs"/>
+              </a:defRPr>
+            </a:lvl2pPr>
+            <a:lvl3pPr marL="1143000" indent="-228600" algn="l" defTabSz="914400" rtl="0" eaLnBrk="1" latinLnBrk="0" hangingPunct="1">
+              <a:lnSpc>
+                <a:spcPct val="90000"/>
+              </a:lnSpc>
+              <a:spcBef>
+                <a:spcPts val="500"/>
+              </a:spcBef>
+              <a:buFont typeface="Arial" panose="020B0604020202020204" pitchFamily="34" charset="0"/>
+              <a:buChar char="•"/>
+              <a:defRPr sz="2000" kern="1200">
+                <a:solidFill>
+                  <a:schemeClr val="tx1"/>
+                </a:solidFill>
+                <a:latin typeface="+mn-lt"/>
+                <a:ea typeface="+mn-ea"/>
+                <a:cs typeface="+mn-cs"/>
+              </a:defRPr>
+            </a:lvl3pPr>
+            <a:lvl4pPr marL="1600200" indent="-228600" algn="l" defTabSz="914400" rtl="0" eaLnBrk="1" latinLnBrk="0" hangingPunct="1">
+              <a:lnSpc>
+                <a:spcPct val="90000"/>
+              </a:lnSpc>
+              <a:spcBef>
+                <a:spcPts val="500"/>
+              </a:spcBef>
+              <a:buFont typeface="Arial" panose="020B0604020202020204" pitchFamily="34" charset="0"/>
+              <a:buChar char="•"/>
+              <a:defRPr sz="1800" kern="1200">
+                <a:solidFill>
+                  <a:schemeClr val="tx1"/>
+                </a:solidFill>
+                <a:latin typeface="+mn-lt"/>
+                <a:ea typeface="+mn-ea"/>
+                <a:cs typeface="+mn-cs"/>
+              </a:defRPr>
+            </a:lvl4pPr>
+            <a:lvl5pPr marL="2057400" indent="-228600" algn="l" defTabSz="914400" rtl="0" eaLnBrk="1" latinLnBrk="0" hangingPunct="1">
+              <a:lnSpc>
+                <a:spcPct val="90000"/>
+              </a:lnSpc>
+              <a:spcBef>
+                <a:spcPts val="500"/>
+              </a:spcBef>
+              <a:buFont typeface="Arial" panose="020B0604020202020204" pitchFamily="34" charset="0"/>
+              <a:buChar char="•"/>
+              <a:defRPr sz="1800" kern="1200">
+                <a:solidFill>
+                  <a:schemeClr val="tx1"/>
+                </a:solidFill>
+                <a:latin typeface="+mn-lt"/>
+                <a:ea typeface="+mn-ea"/>
+                <a:cs typeface="+mn-cs"/>
+              </a:defRPr>
+            </a:lvl5pPr>
+            <a:lvl6pPr marL="2514600" indent="-228600" algn="l" defTabSz="914400" rtl="0" eaLnBrk="1" latinLnBrk="0" hangingPunct="1">
+              <a:lnSpc>
+                <a:spcPct val="90000"/>
+              </a:lnSpc>
+              <a:spcBef>
+                <a:spcPts val="500"/>
+              </a:spcBef>
+              <a:buFont typeface="Arial" panose="020B0604020202020204" pitchFamily="34" charset="0"/>
+              <a:buChar char="•"/>
+              <a:defRPr sz="1800" kern="1200">
+                <a:solidFill>
+                  <a:schemeClr val="tx1"/>
+                </a:solidFill>
+                <a:latin typeface="+mn-lt"/>
+                <a:ea typeface="+mn-ea"/>
+                <a:cs typeface="+mn-cs"/>
+              </a:defRPr>
+            </a:lvl6pPr>
+            <a:lvl7pPr marL="2971800" indent="-228600" algn="l" defTabSz="914400" rtl="0" eaLnBrk="1" latinLnBrk="0" hangingPunct="1">
+              <a:lnSpc>
+                <a:spcPct val="90000"/>
+              </a:lnSpc>
+              <a:spcBef>
+                <a:spcPts val="500"/>
+              </a:spcBef>
+              <a:buFont typeface="Arial" panose="020B0604020202020204" pitchFamily="34" charset="0"/>
+              <a:buChar char="•"/>
+              <a:defRPr sz="1800" kern="1200">
+                <a:solidFill>
+                  <a:schemeClr val="tx1"/>
+                </a:solidFill>
+                <a:latin typeface="+mn-lt"/>
+                <a:ea typeface="+mn-ea"/>
+                <a:cs typeface="+mn-cs"/>
+              </a:defRPr>
+            </a:lvl7pPr>
+            <a:lvl8pPr marL="3429000" indent="-228600" algn="l" defTabSz="914400" rtl="0" eaLnBrk="1" latinLnBrk="0" hangingPunct="1">
+              <a:lnSpc>
+                <a:spcPct val="90000"/>
+              </a:lnSpc>
+              <a:spcBef>
+                <a:spcPts val="500"/>
+              </a:spcBef>
+              <a:buFont typeface="Arial" panose="020B0604020202020204" pitchFamily="34" charset="0"/>
+              <a:buChar char="•"/>
+              <a:defRPr sz="1800" kern="1200">
+                <a:solidFill>
+                  <a:schemeClr val="tx1"/>
+                </a:solidFill>
+                <a:latin typeface="+mn-lt"/>
+                <a:ea typeface="+mn-ea"/>
+                <a:cs typeface="+mn-cs"/>
+              </a:defRPr>
+            </a:lvl8pPr>
+            <a:lvl9pPr marL="3886200" indent="-228600" algn="l" defTabSz="914400" rtl="0" eaLnBrk="1" latinLnBrk="0" hangingPunct="1">
+              <a:lnSpc>
+                <a:spcPct val="90000"/>
+              </a:lnSpc>
+              <a:spcBef>
+                <a:spcPts val="500"/>
+              </a:spcBef>
+              <a:buFont typeface="Arial" panose="020B0604020202020204" pitchFamily="34" charset="0"/>
+              <a:buChar char="•"/>
+              <a:defRPr sz="1800" kern="1200">
+                <a:solidFill>
+                  <a:schemeClr val="tx1"/>
+                </a:solidFill>
+                <a:latin typeface="+mn-lt"/>
+                <a:ea typeface="+mn-ea"/>
+                <a:cs typeface="+mn-cs"/>
+              </a:defRPr>
+            </a:lvl9pPr>
+          </a:lstStyle>
           <a:p>
             <a:pPr marL="0" indent="0">
+              <a:buFont typeface="Arial" panose="020B0604020202020204" pitchFamily="34" charset="0"/>
               <a:buNone/>
             </a:pPr>
+            <a:endParaRPr lang="ru-RU" dirty="0"/>
+          </a:p>
+          <a:p>
+            <a:pPr marL="0" indent="0">
+              <a:buFont typeface="Arial" panose="020B0604020202020204" pitchFamily="34" charset="0"/>
+              <a:buNone/>
+            </a:pPr>
+            <a:r>
+              <a:rPr lang="ru-RU" sz="3600" dirty="0">
+                <a:latin typeface="Calibri" panose="020F0502020204030204" pitchFamily="34" charset="0"/>
+                <a:ea typeface="Calibri" panose="020F0502020204030204" pitchFamily="34" charset="0"/>
+                <a:cs typeface="Calibri" panose="020F0502020204030204" pitchFamily="34" charset="0"/>
+              </a:rPr>
+              <a:t>            Решение</a:t>
+            </a:r>
+            <a:r>
+              <a:rPr lang="en-US" sz="3600" dirty="0">
+                <a:latin typeface="Calibri" panose="020F0502020204030204" pitchFamily="34" charset="0"/>
+                <a:ea typeface="Calibri" panose="020F0502020204030204" pitchFamily="34" charset="0"/>
+                <a:cs typeface="Calibri" panose="020F0502020204030204" pitchFamily="34" charset="0"/>
+              </a:rPr>
+              <a:t>:</a:t>
+            </a:r>
+          </a:p>
+        </p:txBody>
+      </p:sp>
+      <p:sp>
+        <p:nvSpPr>
+          <p:cNvPr id="9" name="TextBox 8">
+            <a:extLst>
+              <a:ext uri="{FF2B5EF4-FFF2-40B4-BE49-F238E27FC236}">
+                <a16:creationId xmlns:a16="http://schemas.microsoft.com/office/drawing/2014/main" id="{59D50EEB-04C3-9041-CFCA-5E014B2B18F8}"/>
+              </a:ext>
+            </a:extLst>
+          </p:cNvPr>
+          <p:cNvSpPr txBox="1"/>
+          <p:nvPr/>
+        </p:nvSpPr>
+        <p:spPr>
+          <a:xfrm>
+            <a:off x="4873752" y="3429000"/>
+            <a:ext cx="4270248" cy="892552"/>
+          </a:xfrm>
+          <a:prstGeom prst="rect">
+            <a:avLst/>
+          </a:prstGeom>
+          <a:noFill/>
+        </p:spPr>
+        <p:txBody>
+          <a:bodyPr wrap="square" rtlCol="0">
+            <a:spAutoFit/>
+          </a:bodyPr>
+          <a:lstStyle/>
+          <a:p>
+            <a:r>
+              <a:rPr lang="ru-RU" sz="2600" dirty="0">
+                <a:latin typeface="Calibri" panose="020F0502020204030204" pitchFamily="34" charset="0"/>
+                <a:ea typeface="Calibri" panose="020F0502020204030204" pitchFamily="34" charset="0"/>
+                <a:cs typeface="Calibri" panose="020F0502020204030204" pitchFamily="34" charset="0"/>
+              </a:rPr>
+              <a:t>Разработка интерактивного конфигуратора</a:t>
+            </a:r>
             <a:endParaRPr lang="ru-RU" dirty="0"/>
           </a:p>
         </p:txBody>
@@ -4799,7 +5259,7 @@
         <p:spPr/>
         <p:txBody>
           <a:bodyPr>
-            <a:normAutofit fontScale="92500" lnSpcReduction="10000"/>
+            <a:normAutofit fontScale="92500"/>
           </a:bodyPr>
           <a:lstStyle/>
           <a:p>
@@ -4807,14 +5267,26 @@
               <a:buNone/>
             </a:pPr>
             <a:r>
-              <a:rPr lang="ru-RU" b="1" dirty="0"/>
+              <a:rPr lang="ru-RU" b="1" dirty="0">
+                <a:latin typeface="Calibri" panose="020F0502020204030204" pitchFamily="34" charset="0"/>
+                <a:ea typeface="Calibri" panose="020F0502020204030204" pitchFamily="34" charset="0"/>
+                <a:cs typeface="Calibri" panose="020F0502020204030204" pitchFamily="34" charset="0"/>
+              </a:rPr>
               <a:t>Цель:</a:t>
             </a:r>
             <a:br>
-              <a:rPr lang="ru-RU" dirty="0"/>
+              <a:rPr lang="ru-RU" dirty="0">
+                <a:latin typeface="Calibri" panose="020F0502020204030204" pitchFamily="34" charset="0"/>
+                <a:ea typeface="Calibri" panose="020F0502020204030204" pitchFamily="34" charset="0"/>
+                <a:cs typeface="Calibri" panose="020F0502020204030204" pitchFamily="34" charset="0"/>
+              </a:rPr>
             </a:br>
             <a:r>
-              <a:rPr lang="ru-RU" dirty="0"/>
+              <a:rPr lang="ru-RU" dirty="0">
+                <a:latin typeface="Calibri" panose="020F0502020204030204" pitchFamily="34" charset="0"/>
+                <a:ea typeface="Calibri" panose="020F0502020204030204" pitchFamily="34" charset="0"/>
+                <a:cs typeface="Calibri" panose="020F0502020204030204" pitchFamily="34" charset="0"/>
+              </a:rPr>
               <a:t>Разработка информационной системы для автоматизированного подбора и конфигурирования вентиляционного оборудования.</a:t>
             </a:r>
           </a:p>
@@ -4823,10 +5295,18 @@
               <a:buNone/>
             </a:pPr>
             <a:r>
-              <a:rPr lang="ru-RU" b="1" dirty="0"/>
+              <a:rPr lang="ru-RU" b="1" dirty="0">
+                <a:latin typeface="Calibri" panose="020F0502020204030204" pitchFamily="34" charset="0"/>
+                <a:ea typeface="Calibri" panose="020F0502020204030204" pitchFamily="34" charset="0"/>
+                <a:cs typeface="Calibri" panose="020F0502020204030204" pitchFamily="34" charset="0"/>
+              </a:rPr>
               <a:t>Задачи:</a:t>
             </a:r>
-            <a:endParaRPr lang="ru-RU" dirty="0"/>
+            <a:endParaRPr lang="ru-RU" dirty="0">
+              <a:latin typeface="Calibri" panose="020F0502020204030204" pitchFamily="34" charset="0"/>
+              <a:ea typeface="Calibri" panose="020F0502020204030204" pitchFamily="34" charset="0"/>
+              <a:cs typeface="Calibri" panose="020F0502020204030204" pitchFamily="34" charset="0"/>
+            </a:endParaRPr>
           </a:p>
           <a:p>
             <a:pPr>
@@ -4834,7 +5314,11 @@
               <a:buChar char="-"/>
             </a:pPr>
             <a:r>
-              <a:rPr lang="ru-RU" dirty="0"/>
+              <a:rPr lang="ru-RU" dirty="0">
+                <a:latin typeface="Calibri" panose="020F0502020204030204" pitchFamily="34" charset="0"/>
+                <a:ea typeface="Calibri" panose="020F0502020204030204" pitchFamily="34" charset="0"/>
+                <a:cs typeface="Calibri" panose="020F0502020204030204" pitchFamily="34" charset="0"/>
+              </a:rPr>
               <a:t>Анализ предметной области и существующих решений.</a:t>
             </a:r>
           </a:p>
@@ -4844,7 +5328,11 @@
               <a:buChar char="-"/>
             </a:pPr>
             <a:r>
-              <a:rPr lang="ru-RU" dirty="0"/>
+              <a:rPr lang="ru-RU" dirty="0">
+                <a:latin typeface="Calibri" panose="020F0502020204030204" pitchFamily="34" charset="0"/>
+                <a:ea typeface="Calibri" panose="020F0502020204030204" pitchFamily="34" charset="0"/>
+                <a:cs typeface="Calibri" panose="020F0502020204030204" pitchFamily="34" charset="0"/>
+              </a:rPr>
               <a:t>Проектирование архитектуры системы.</a:t>
             </a:r>
           </a:p>
@@ -4854,7 +5342,11 @@
               <a:buChar char="-"/>
             </a:pPr>
             <a:r>
-              <a:rPr lang="ru-RU" dirty="0"/>
+              <a:rPr lang="ru-RU" dirty="0">
+                <a:latin typeface="Calibri" panose="020F0502020204030204" pitchFamily="34" charset="0"/>
+                <a:ea typeface="Calibri" panose="020F0502020204030204" pitchFamily="34" charset="0"/>
+                <a:cs typeface="Calibri" panose="020F0502020204030204" pitchFamily="34" charset="0"/>
+              </a:rPr>
               <a:t>Выбор инструментальных средств.</a:t>
             </a:r>
           </a:p>
@@ -4864,7 +5356,11 @@
               <a:buChar char="-"/>
             </a:pPr>
             <a:r>
-              <a:rPr lang="ru-RU" dirty="0"/>
+              <a:rPr lang="ru-RU" dirty="0">
+                <a:latin typeface="Calibri" panose="020F0502020204030204" pitchFamily="34" charset="0"/>
+                <a:ea typeface="Calibri" panose="020F0502020204030204" pitchFamily="34" charset="0"/>
+                <a:cs typeface="Calibri" panose="020F0502020204030204" pitchFamily="34" charset="0"/>
+              </a:rPr>
               <a:t>Разработка конфигуратора.</a:t>
             </a:r>
           </a:p>
@@ -5031,20 +5527,12 @@
             </a:pPr>
             <a:r>
               <a:rPr lang="en-US" sz="2200" dirty="0">
-                <a:solidFill>
-                  <a:srgbClr val="384653"/>
-                </a:solidFill>
                 <a:latin typeface="Calibri" panose="020F0502020204030204" pitchFamily="34" charset="0"/>
                 <a:ea typeface="Calibri" panose="020F0502020204030204" pitchFamily="34" charset="0"/>
                 <a:cs typeface="Calibri" panose="020F0502020204030204" pitchFamily="34" charset="0"/>
               </a:rPr>
               <a:t>Сервер:</a:t>
             </a:r>
-            <a:endParaRPr lang="en-US" sz="2200" dirty="0">
-              <a:latin typeface="Calibri" panose="020F0502020204030204" pitchFamily="34" charset="0"/>
-              <a:ea typeface="Calibri" panose="020F0502020204030204" pitchFamily="34" charset="0"/>
-              <a:cs typeface="Calibri" panose="020F0502020204030204" pitchFamily="34" charset="0"/>
-            </a:endParaRPr>
           </a:p>
         </p:txBody>
       </p:sp>
@@ -5083,9 +5571,6 @@
             </a:pPr>
             <a:r>
               <a:rPr lang="en-US" sz="2200" dirty="0">
-                <a:solidFill>
-                  <a:srgbClr val="384653"/>
-                </a:solidFill>
                 <a:latin typeface="Calibri" panose="020F0502020204030204" pitchFamily="34" charset="0"/>
                 <a:ea typeface="Calibri" panose="020F0502020204030204" pitchFamily="34" charset="0"/>
                 <a:cs typeface="Calibri" panose="020F0502020204030204" pitchFamily="34" charset="0"/>
@@ -5094,9 +5579,6 @@
             </a:r>
             <a:r>
               <a:rPr lang="ru-RU" sz="2200" dirty="0">
-                <a:solidFill>
-                  <a:srgbClr val="384653"/>
-                </a:solidFill>
                 <a:latin typeface="Calibri" panose="020F0502020204030204" pitchFamily="34" charset="0"/>
                 <a:ea typeface="Calibri" panose="020F0502020204030204" pitchFamily="34" charset="0"/>
                 <a:cs typeface="Calibri" panose="020F0502020204030204" pitchFamily="34" charset="0"/>
@@ -5105,20 +5587,12 @@
             </a:r>
             <a:r>
               <a:rPr lang="en-US" sz="2200" dirty="0">
-                <a:solidFill>
-                  <a:srgbClr val="384653"/>
-                </a:solidFill>
                 <a:latin typeface="Calibri" panose="020F0502020204030204" pitchFamily="34" charset="0"/>
                 <a:ea typeface="Calibri" panose="020F0502020204030204" pitchFamily="34" charset="0"/>
                 <a:cs typeface="Calibri" panose="020F0502020204030204" pitchFamily="34" charset="0"/>
               </a:rPr>
               <a:t>Framework Core.</a:t>
             </a:r>
-            <a:endParaRPr lang="en-US" sz="2200" dirty="0">
-              <a:latin typeface="Calibri" panose="020F0502020204030204" pitchFamily="34" charset="0"/>
-              <a:ea typeface="Calibri" panose="020F0502020204030204" pitchFamily="34" charset="0"/>
-              <a:cs typeface="Calibri" panose="020F0502020204030204" pitchFamily="34" charset="0"/>
-            </a:endParaRPr>
           </a:p>
         </p:txBody>
       </p:sp>
@@ -5187,20 +5661,12 @@
             </a:pPr>
             <a:r>
               <a:rPr lang="en-US" sz="2200" dirty="0">
-                <a:solidFill>
-                  <a:srgbClr val="384653"/>
-                </a:solidFill>
                 <a:latin typeface="Calibri" panose="020F0502020204030204" pitchFamily="34" charset="0"/>
                 <a:ea typeface="Calibri" panose="020F0502020204030204" pitchFamily="34" charset="0"/>
                 <a:cs typeface="Calibri" panose="020F0502020204030204" pitchFamily="34" charset="0"/>
               </a:rPr>
               <a:t>Клиент:</a:t>
             </a:r>
-            <a:endParaRPr lang="en-US" sz="2200" dirty="0">
-              <a:latin typeface="Calibri" panose="020F0502020204030204" pitchFamily="34" charset="0"/>
-              <a:ea typeface="Calibri" panose="020F0502020204030204" pitchFamily="34" charset="0"/>
-              <a:cs typeface="Calibri" panose="020F0502020204030204" pitchFamily="34" charset="0"/>
-            </a:endParaRPr>
           </a:p>
         </p:txBody>
       </p:sp>
@@ -5239,20 +5705,12 @@
             </a:pPr>
             <a:r>
               <a:rPr lang="en-US" sz="2200" dirty="0">
-                <a:solidFill>
-                  <a:srgbClr val="384653"/>
-                </a:solidFill>
                 <a:latin typeface="Calibri" panose="020F0502020204030204" pitchFamily="34" charset="0"/>
                 <a:ea typeface="Calibri" panose="020F0502020204030204" pitchFamily="34" charset="0"/>
                 <a:cs typeface="Calibri" panose="020F0502020204030204" pitchFamily="34" charset="0"/>
               </a:rPr>
               <a:t>React.js.</a:t>
             </a:r>
-            <a:endParaRPr lang="en-US" sz="2200" dirty="0">
-              <a:latin typeface="Calibri" panose="020F0502020204030204" pitchFamily="34" charset="0"/>
-              <a:ea typeface="Calibri" panose="020F0502020204030204" pitchFamily="34" charset="0"/>
-              <a:cs typeface="Calibri" panose="020F0502020204030204" pitchFamily="34" charset="0"/>
-            </a:endParaRPr>
           </a:p>
         </p:txBody>
       </p:sp>
@@ -5321,20 +5779,12 @@
             </a:pPr>
             <a:r>
               <a:rPr lang="en-US" sz="2200" dirty="0">
-                <a:solidFill>
-                  <a:srgbClr val="384653"/>
-                </a:solidFill>
                 <a:latin typeface="Calibri" panose="020F0502020204030204" pitchFamily="34" charset="0"/>
                 <a:ea typeface="Calibri" panose="020F0502020204030204" pitchFamily="34" charset="0"/>
                 <a:cs typeface="Calibri" panose="020F0502020204030204" pitchFamily="34" charset="0"/>
               </a:rPr>
               <a:t>База данных:</a:t>
             </a:r>
-            <a:endParaRPr lang="en-US" sz="2200" dirty="0">
-              <a:latin typeface="Calibri" panose="020F0502020204030204" pitchFamily="34" charset="0"/>
-              <a:ea typeface="Calibri" panose="020F0502020204030204" pitchFamily="34" charset="0"/>
-              <a:cs typeface="Calibri" panose="020F0502020204030204" pitchFamily="34" charset="0"/>
-            </a:endParaRPr>
           </a:p>
         </p:txBody>
       </p:sp>
@@ -5373,20 +5823,12 @@
             </a:pPr>
             <a:r>
               <a:rPr lang="en-US" sz="2200" dirty="0">
-                <a:solidFill>
-                  <a:srgbClr val="384653"/>
-                </a:solidFill>
                 <a:latin typeface="Calibri" panose="020F0502020204030204" pitchFamily="34" charset="0"/>
                 <a:ea typeface="Calibri" panose="020F0502020204030204" pitchFamily="34" charset="0"/>
                 <a:cs typeface="Calibri" panose="020F0502020204030204" pitchFamily="34" charset="0"/>
               </a:rPr>
               <a:t>PostgreSQL.</a:t>
             </a:r>
-            <a:endParaRPr lang="en-US" sz="2200" dirty="0">
-              <a:latin typeface="Calibri" panose="020F0502020204030204" pitchFamily="34" charset="0"/>
-              <a:ea typeface="Calibri" panose="020F0502020204030204" pitchFamily="34" charset="0"/>
-              <a:cs typeface="Calibri" panose="020F0502020204030204" pitchFamily="34" charset="0"/>
-            </a:endParaRPr>
           </a:p>
         </p:txBody>
       </p:sp>
@@ -5455,20 +5897,12 @@
             </a:pPr>
             <a:r>
               <a:rPr lang="en-US" sz="2200" dirty="0">
-                <a:solidFill>
-                  <a:srgbClr val="384653"/>
-                </a:solidFill>
                 <a:latin typeface="Calibri" panose="020F0502020204030204" pitchFamily="34" charset="0"/>
                 <a:ea typeface="Calibri" panose="020F0502020204030204" pitchFamily="34" charset="0"/>
                 <a:cs typeface="Calibri" panose="020F0502020204030204" pitchFamily="34" charset="0"/>
               </a:rPr>
               <a:t>Контейнеризация:</a:t>
             </a:r>
-            <a:endParaRPr lang="en-US" sz="2200" dirty="0">
-              <a:latin typeface="Calibri" panose="020F0502020204030204" pitchFamily="34" charset="0"/>
-              <a:ea typeface="Calibri" panose="020F0502020204030204" pitchFamily="34" charset="0"/>
-              <a:cs typeface="Calibri" panose="020F0502020204030204" pitchFamily="34" charset="0"/>
-            </a:endParaRPr>
           </a:p>
         </p:txBody>
       </p:sp>
@@ -5507,20 +5941,12 @@
             </a:pPr>
             <a:r>
               <a:rPr lang="en-US" sz="2200" dirty="0">
-                <a:solidFill>
-                  <a:srgbClr val="384653"/>
-                </a:solidFill>
                 <a:latin typeface="Calibri" panose="020F0502020204030204" pitchFamily="34" charset="0"/>
                 <a:ea typeface="Calibri" panose="020F0502020204030204" pitchFamily="34" charset="0"/>
                 <a:cs typeface="Calibri" panose="020F0502020204030204" pitchFamily="34" charset="0"/>
               </a:rPr>
               <a:t>Docker.</a:t>
             </a:r>
-            <a:endParaRPr lang="en-US" sz="2200" dirty="0">
-              <a:latin typeface="Calibri" panose="020F0502020204030204" pitchFamily="34" charset="0"/>
-              <a:ea typeface="Calibri" panose="020F0502020204030204" pitchFamily="34" charset="0"/>
-              <a:cs typeface="Calibri" panose="020F0502020204030204" pitchFamily="34" charset="0"/>
-            </a:endParaRPr>
           </a:p>
         </p:txBody>
       </p:sp>
